--- a/other/bblandProcess.pptx
+++ b/other/bblandProcess.pptx
@@ -2,12 +2,17 @@
 <file path=ppt/presentation.xml><?xml version="1.0" encoding="utf-8"?>
 <p:presentation xmlns:a="http://schemas.openxmlformats.org/drawingml/2006/main" xmlns:r="http://schemas.openxmlformats.org/officeDocument/2006/relationships" xmlns:p="http://schemas.openxmlformats.org/presentationml/2006/main" saveSubsetFonts="1" autoCompressPictures="0">
   <p:sldMasterIdLst>
-    <p:sldMasterId id="2147483672" r:id="rId1"/>
+    <p:sldMasterId id="2147483684" r:id="rId1"/>
   </p:sldMasterIdLst>
   <p:sldIdLst>
     <p:sldId id="257" r:id="rId2"/>
+    <p:sldId id="258" r:id="rId3"/>
+    <p:sldId id="261" r:id="rId4"/>
+    <p:sldId id="262" r:id="rId5"/>
+    <p:sldId id="259" r:id="rId6"/>
+    <p:sldId id="260" r:id="rId7"/>
   </p:sldIdLst>
-  <p:sldSz cx="6858000" cy="9906000" type="A4"/>
+  <p:sldSz cx="10972800" cy="10972800"/>
   <p:notesSz cx="6858000" cy="9144000"/>
   <p:defaultTextStyle>
     <a:defPPr>
@@ -112,6 +117,991 @@
 </p:presentation>
 </file>
 
+<file path=ppt/revisionInfo.xml><?xml version="1.0" encoding="utf-8"?>
+<p1510:revInfo xmlns:a="http://schemas.openxmlformats.org/drawingml/2006/main" xmlns:r="http://schemas.openxmlformats.org/officeDocument/2006/relationships" xmlns:p1510="http://schemas.microsoft.com/office/powerpoint/2015/10/main">
+  <p1510:revLst>
+    <p1510:client id="{CB5AA80A-7A5E-0243-BC86-533710073A06}" v="7" dt="2023-07-22T00:32:06.615"/>
+  </p1510:revLst>
+</p1510:revInfo>
+</file>
+
+<file path=ppt/changesInfos/changesInfo1.xml><?xml version="1.0" encoding="utf-8"?>
+<pc:chgInfo xmlns:a="http://schemas.openxmlformats.org/drawingml/2006/main" xmlns:r="http://schemas.openxmlformats.org/officeDocument/2006/relationships" xmlns:ac="http://schemas.microsoft.com/office/drawing/2013/main/command" xmlns:pc="http://schemas.microsoft.com/office/powerpoint/2013/main/command">
+  <pc:docChgLst>
+    <pc:chgData name="Buhler,Cassidy" userId="f49ba29b-7965-44cd-bb84-4bdc9ce1cd60" providerId="ADAL" clId="{CB5AA80A-7A5E-0243-BC86-533710073A06}"/>
+    <pc:docChg chg="undo custSel addSld delSld modSld modMainMaster">
+      <pc:chgData name="Buhler,Cassidy" userId="f49ba29b-7965-44cd-bb84-4bdc9ce1cd60" providerId="ADAL" clId="{CB5AA80A-7A5E-0243-BC86-533710073A06}" dt="2023-07-22T00:33:30.055" v="861" actId="14100"/>
+      <pc:docMkLst>
+        <pc:docMk/>
+      </pc:docMkLst>
+      <pc:sldChg chg="modSp">
+        <pc:chgData name="Buhler,Cassidy" userId="f49ba29b-7965-44cd-bb84-4bdc9ce1cd60" providerId="ADAL" clId="{CB5AA80A-7A5E-0243-BC86-533710073A06}" dt="2023-07-22T00:23:35.043" v="363"/>
+        <pc:sldMkLst>
+          <pc:docMk/>
+          <pc:sldMk cId="1068784979" sldId="257"/>
+        </pc:sldMkLst>
+        <pc:spChg chg="mod">
+          <ac:chgData name="Buhler,Cassidy" userId="f49ba29b-7965-44cd-bb84-4bdc9ce1cd60" providerId="ADAL" clId="{CB5AA80A-7A5E-0243-BC86-533710073A06}" dt="2023-07-22T00:23:35.043" v="363"/>
+          <ac:spMkLst>
+            <pc:docMk/>
+            <pc:sldMk cId="1068784979" sldId="257"/>
+            <ac:spMk id="10" creationId="{0D2483B0-5C9F-DC3B-BB65-8CD1816FDCF0}"/>
+          </ac:spMkLst>
+        </pc:spChg>
+        <pc:spChg chg="mod">
+          <ac:chgData name="Buhler,Cassidy" userId="f49ba29b-7965-44cd-bb84-4bdc9ce1cd60" providerId="ADAL" clId="{CB5AA80A-7A5E-0243-BC86-533710073A06}" dt="2023-07-22T00:23:35.043" v="363"/>
+          <ac:spMkLst>
+            <pc:docMk/>
+            <pc:sldMk cId="1068784979" sldId="257"/>
+            <ac:spMk id="11" creationId="{AD39AC9E-A8E3-2FA5-4C55-76483E8F1BE3}"/>
+          </ac:spMkLst>
+        </pc:spChg>
+        <pc:spChg chg="mod">
+          <ac:chgData name="Buhler,Cassidy" userId="f49ba29b-7965-44cd-bb84-4bdc9ce1cd60" providerId="ADAL" clId="{CB5AA80A-7A5E-0243-BC86-533710073A06}" dt="2023-07-22T00:23:35.043" v="363"/>
+          <ac:spMkLst>
+            <pc:docMk/>
+            <pc:sldMk cId="1068784979" sldId="257"/>
+            <ac:spMk id="12" creationId="{0B70B200-80C5-0581-7ACD-942CE1976AA5}"/>
+          </ac:spMkLst>
+        </pc:spChg>
+        <pc:spChg chg="mod">
+          <ac:chgData name="Buhler,Cassidy" userId="f49ba29b-7965-44cd-bb84-4bdc9ce1cd60" providerId="ADAL" clId="{CB5AA80A-7A5E-0243-BC86-533710073A06}" dt="2023-07-22T00:23:35.043" v="363"/>
+          <ac:spMkLst>
+            <pc:docMk/>
+            <pc:sldMk cId="1068784979" sldId="257"/>
+            <ac:spMk id="14" creationId="{48A26938-B9D4-8C21-C377-75B1A4D51B6F}"/>
+          </ac:spMkLst>
+        </pc:spChg>
+        <pc:spChg chg="mod">
+          <ac:chgData name="Buhler,Cassidy" userId="f49ba29b-7965-44cd-bb84-4bdc9ce1cd60" providerId="ADAL" clId="{CB5AA80A-7A5E-0243-BC86-533710073A06}" dt="2023-07-22T00:23:35.043" v="363"/>
+          <ac:spMkLst>
+            <pc:docMk/>
+            <pc:sldMk cId="1068784979" sldId="257"/>
+            <ac:spMk id="15" creationId="{0406F045-9C19-8278-E551-46B72292F6A7}"/>
+          </ac:spMkLst>
+        </pc:spChg>
+        <pc:spChg chg="mod">
+          <ac:chgData name="Buhler,Cassidy" userId="f49ba29b-7965-44cd-bb84-4bdc9ce1cd60" providerId="ADAL" clId="{CB5AA80A-7A5E-0243-BC86-533710073A06}" dt="2023-07-22T00:23:35.043" v="363"/>
+          <ac:spMkLst>
+            <pc:docMk/>
+            <pc:sldMk cId="1068784979" sldId="257"/>
+            <ac:spMk id="16" creationId="{05686486-4FE4-1F62-8BA7-14B9F1D6ACB8}"/>
+          </ac:spMkLst>
+        </pc:spChg>
+        <pc:spChg chg="mod">
+          <ac:chgData name="Buhler,Cassidy" userId="f49ba29b-7965-44cd-bb84-4bdc9ce1cd60" providerId="ADAL" clId="{CB5AA80A-7A5E-0243-BC86-533710073A06}" dt="2023-07-22T00:23:35.043" v="363"/>
+          <ac:spMkLst>
+            <pc:docMk/>
+            <pc:sldMk cId="1068784979" sldId="257"/>
+            <ac:spMk id="17" creationId="{683D5EC9-B895-E68A-B3B5-7058C3629295}"/>
+          </ac:spMkLst>
+        </pc:spChg>
+        <pc:spChg chg="mod">
+          <ac:chgData name="Buhler,Cassidy" userId="f49ba29b-7965-44cd-bb84-4bdc9ce1cd60" providerId="ADAL" clId="{CB5AA80A-7A5E-0243-BC86-533710073A06}" dt="2023-07-22T00:23:35.043" v="363"/>
+          <ac:spMkLst>
+            <pc:docMk/>
+            <pc:sldMk cId="1068784979" sldId="257"/>
+            <ac:spMk id="41" creationId="{554FC768-E719-B1CE-82AD-92F0F7F18A78}"/>
+          </ac:spMkLst>
+        </pc:spChg>
+        <pc:spChg chg="mod">
+          <ac:chgData name="Buhler,Cassidy" userId="f49ba29b-7965-44cd-bb84-4bdc9ce1cd60" providerId="ADAL" clId="{CB5AA80A-7A5E-0243-BC86-533710073A06}" dt="2023-07-22T00:23:35.043" v="363"/>
+          <ac:spMkLst>
+            <pc:docMk/>
+            <pc:sldMk cId="1068784979" sldId="257"/>
+            <ac:spMk id="46" creationId="{D1AE1FAE-6395-412D-8833-A5C5A4553B54}"/>
+          </ac:spMkLst>
+        </pc:spChg>
+        <pc:spChg chg="mod">
+          <ac:chgData name="Buhler,Cassidy" userId="f49ba29b-7965-44cd-bb84-4bdc9ce1cd60" providerId="ADAL" clId="{CB5AA80A-7A5E-0243-BC86-533710073A06}" dt="2023-07-22T00:23:35.043" v="363"/>
+          <ac:spMkLst>
+            <pc:docMk/>
+            <pc:sldMk cId="1068784979" sldId="257"/>
+            <ac:spMk id="47" creationId="{F63326FE-2077-62AF-95AE-4350D7D484BE}"/>
+          </ac:spMkLst>
+        </pc:spChg>
+        <pc:spChg chg="mod">
+          <ac:chgData name="Buhler,Cassidy" userId="f49ba29b-7965-44cd-bb84-4bdc9ce1cd60" providerId="ADAL" clId="{CB5AA80A-7A5E-0243-BC86-533710073A06}" dt="2023-07-22T00:23:35.043" v="363"/>
+          <ac:spMkLst>
+            <pc:docMk/>
+            <pc:sldMk cId="1068784979" sldId="257"/>
+            <ac:spMk id="48" creationId="{0658CC19-540B-87C6-79FB-53D6F6FA899B}"/>
+          </ac:spMkLst>
+        </pc:spChg>
+        <pc:spChg chg="mod">
+          <ac:chgData name="Buhler,Cassidy" userId="f49ba29b-7965-44cd-bb84-4bdc9ce1cd60" providerId="ADAL" clId="{CB5AA80A-7A5E-0243-BC86-533710073A06}" dt="2023-07-22T00:23:35.043" v="363"/>
+          <ac:spMkLst>
+            <pc:docMk/>
+            <pc:sldMk cId="1068784979" sldId="257"/>
+            <ac:spMk id="49" creationId="{FEDE69E7-5078-25C8-52DE-FCDBE8BAFADC}"/>
+          </ac:spMkLst>
+        </pc:spChg>
+        <pc:spChg chg="mod">
+          <ac:chgData name="Buhler,Cassidy" userId="f49ba29b-7965-44cd-bb84-4bdc9ce1cd60" providerId="ADAL" clId="{CB5AA80A-7A5E-0243-BC86-533710073A06}" dt="2023-07-22T00:23:35.043" v="363"/>
+          <ac:spMkLst>
+            <pc:docMk/>
+            <pc:sldMk cId="1068784979" sldId="257"/>
+            <ac:spMk id="50" creationId="{55D01125-D639-3C90-5D5B-09DAF4506EED}"/>
+          </ac:spMkLst>
+        </pc:spChg>
+        <pc:spChg chg="mod">
+          <ac:chgData name="Buhler,Cassidy" userId="f49ba29b-7965-44cd-bb84-4bdc9ce1cd60" providerId="ADAL" clId="{CB5AA80A-7A5E-0243-BC86-533710073A06}" dt="2023-07-22T00:23:35.043" v="363"/>
+          <ac:spMkLst>
+            <pc:docMk/>
+            <pc:sldMk cId="1068784979" sldId="257"/>
+            <ac:spMk id="53" creationId="{C18DFC4B-DCE0-6AF8-116A-E46BB224CD40}"/>
+          </ac:spMkLst>
+        </pc:spChg>
+        <pc:spChg chg="mod">
+          <ac:chgData name="Buhler,Cassidy" userId="f49ba29b-7965-44cd-bb84-4bdc9ce1cd60" providerId="ADAL" clId="{CB5AA80A-7A5E-0243-BC86-533710073A06}" dt="2023-07-22T00:23:35.043" v="363"/>
+          <ac:spMkLst>
+            <pc:docMk/>
+            <pc:sldMk cId="1068784979" sldId="257"/>
+            <ac:spMk id="56" creationId="{DDA7D78A-4E54-05CE-46DF-260FCCB3AE79}"/>
+          </ac:spMkLst>
+        </pc:spChg>
+        <pc:spChg chg="mod">
+          <ac:chgData name="Buhler,Cassidy" userId="f49ba29b-7965-44cd-bb84-4bdc9ce1cd60" providerId="ADAL" clId="{CB5AA80A-7A5E-0243-BC86-533710073A06}" dt="2023-07-22T00:23:35.043" v="363"/>
+          <ac:spMkLst>
+            <pc:docMk/>
+            <pc:sldMk cId="1068784979" sldId="257"/>
+            <ac:spMk id="57" creationId="{E4333FDC-9CEC-F073-BD1B-1009088F5BF0}"/>
+          </ac:spMkLst>
+        </pc:spChg>
+        <pc:spChg chg="mod">
+          <ac:chgData name="Buhler,Cassidy" userId="f49ba29b-7965-44cd-bb84-4bdc9ce1cd60" providerId="ADAL" clId="{CB5AA80A-7A5E-0243-BC86-533710073A06}" dt="2023-07-22T00:23:35.043" v="363"/>
+          <ac:spMkLst>
+            <pc:docMk/>
+            <pc:sldMk cId="1068784979" sldId="257"/>
+            <ac:spMk id="58" creationId="{33D01E34-7615-AB05-5236-8BC02281BDF3}"/>
+          </ac:spMkLst>
+        </pc:spChg>
+        <pc:cxnChg chg="mod">
+          <ac:chgData name="Buhler,Cassidy" userId="f49ba29b-7965-44cd-bb84-4bdc9ce1cd60" providerId="ADAL" clId="{CB5AA80A-7A5E-0243-BC86-533710073A06}" dt="2023-07-22T00:23:35.043" v="363"/>
+          <ac:cxnSpMkLst>
+            <pc:docMk/>
+            <pc:sldMk cId="1068784979" sldId="257"/>
+            <ac:cxnSpMk id="20" creationId="{A165B82F-5B35-3454-794B-BD8DE354B07E}"/>
+          </ac:cxnSpMkLst>
+        </pc:cxnChg>
+        <pc:cxnChg chg="mod">
+          <ac:chgData name="Buhler,Cassidy" userId="f49ba29b-7965-44cd-bb84-4bdc9ce1cd60" providerId="ADAL" clId="{CB5AA80A-7A5E-0243-BC86-533710073A06}" dt="2023-07-22T00:23:35.043" v="363"/>
+          <ac:cxnSpMkLst>
+            <pc:docMk/>
+            <pc:sldMk cId="1068784979" sldId="257"/>
+            <ac:cxnSpMk id="22" creationId="{60FF8B70-C5DB-53EB-82C7-0F1BA929B483}"/>
+          </ac:cxnSpMkLst>
+        </pc:cxnChg>
+        <pc:cxnChg chg="mod">
+          <ac:chgData name="Buhler,Cassidy" userId="f49ba29b-7965-44cd-bb84-4bdc9ce1cd60" providerId="ADAL" clId="{CB5AA80A-7A5E-0243-BC86-533710073A06}" dt="2023-07-22T00:23:35.043" v="363"/>
+          <ac:cxnSpMkLst>
+            <pc:docMk/>
+            <pc:sldMk cId="1068784979" sldId="257"/>
+            <ac:cxnSpMk id="23" creationId="{2AD59AE5-6C7C-B0CB-2F98-23697491C864}"/>
+          </ac:cxnSpMkLst>
+        </pc:cxnChg>
+        <pc:cxnChg chg="mod">
+          <ac:chgData name="Buhler,Cassidy" userId="f49ba29b-7965-44cd-bb84-4bdc9ce1cd60" providerId="ADAL" clId="{CB5AA80A-7A5E-0243-BC86-533710073A06}" dt="2023-07-22T00:23:35.043" v="363"/>
+          <ac:cxnSpMkLst>
+            <pc:docMk/>
+            <pc:sldMk cId="1068784979" sldId="257"/>
+            <ac:cxnSpMk id="24" creationId="{C34A03BF-9D59-43BB-D349-14DA4822B3B1}"/>
+          </ac:cxnSpMkLst>
+        </pc:cxnChg>
+        <pc:cxnChg chg="mod">
+          <ac:chgData name="Buhler,Cassidy" userId="f49ba29b-7965-44cd-bb84-4bdc9ce1cd60" providerId="ADAL" clId="{CB5AA80A-7A5E-0243-BC86-533710073A06}" dt="2023-07-22T00:23:35.043" v="363"/>
+          <ac:cxnSpMkLst>
+            <pc:docMk/>
+            <pc:sldMk cId="1068784979" sldId="257"/>
+            <ac:cxnSpMk id="26" creationId="{9A5666F6-35C7-E705-96D6-5DB41ADE77F2}"/>
+          </ac:cxnSpMkLst>
+        </pc:cxnChg>
+        <pc:cxnChg chg="mod">
+          <ac:chgData name="Buhler,Cassidy" userId="f49ba29b-7965-44cd-bb84-4bdc9ce1cd60" providerId="ADAL" clId="{CB5AA80A-7A5E-0243-BC86-533710073A06}" dt="2023-07-22T00:23:35.043" v="363"/>
+          <ac:cxnSpMkLst>
+            <pc:docMk/>
+            <pc:sldMk cId="1068784979" sldId="257"/>
+            <ac:cxnSpMk id="27" creationId="{BBAEEC23-0F1F-B74F-0E82-54721C143DB8}"/>
+          </ac:cxnSpMkLst>
+        </pc:cxnChg>
+        <pc:cxnChg chg="mod">
+          <ac:chgData name="Buhler,Cassidy" userId="f49ba29b-7965-44cd-bb84-4bdc9ce1cd60" providerId="ADAL" clId="{CB5AA80A-7A5E-0243-BC86-533710073A06}" dt="2023-07-22T00:23:35.043" v="363"/>
+          <ac:cxnSpMkLst>
+            <pc:docMk/>
+            <pc:sldMk cId="1068784979" sldId="257"/>
+            <ac:cxnSpMk id="30" creationId="{40693823-A2D9-EDF2-429E-D76380A21DFF}"/>
+          </ac:cxnSpMkLst>
+        </pc:cxnChg>
+        <pc:cxnChg chg="mod">
+          <ac:chgData name="Buhler,Cassidy" userId="f49ba29b-7965-44cd-bb84-4bdc9ce1cd60" providerId="ADAL" clId="{CB5AA80A-7A5E-0243-BC86-533710073A06}" dt="2023-07-22T00:23:35.043" v="363"/>
+          <ac:cxnSpMkLst>
+            <pc:docMk/>
+            <pc:sldMk cId="1068784979" sldId="257"/>
+            <ac:cxnSpMk id="52" creationId="{2824F767-EA8C-F702-02EC-0C6B27754002}"/>
+          </ac:cxnSpMkLst>
+        </pc:cxnChg>
+        <pc:cxnChg chg="mod">
+          <ac:chgData name="Buhler,Cassidy" userId="f49ba29b-7965-44cd-bb84-4bdc9ce1cd60" providerId="ADAL" clId="{CB5AA80A-7A5E-0243-BC86-533710073A06}" dt="2023-07-22T00:23:35.043" v="363"/>
+          <ac:cxnSpMkLst>
+            <pc:docMk/>
+            <pc:sldMk cId="1068784979" sldId="257"/>
+            <ac:cxnSpMk id="54" creationId="{68B384A0-6025-787B-5C51-0C3A31BA6E9C}"/>
+          </ac:cxnSpMkLst>
+        </pc:cxnChg>
+        <pc:cxnChg chg="mod">
+          <ac:chgData name="Buhler,Cassidy" userId="f49ba29b-7965-44cd-bb84-4bdc9ce1cd60" providerId="ADAL" clId="{CB5AA80A-7A5E-0243-BC86-533710073A06}" dt="2023-07-22T00:23:35.043" v="363"/>
+          <ac:cxnSpMkLst>
+            <pc:docMk/>
+            <pc:sldMk cId="1068784979" sldId="257"/>
+            <ac:cxnSpMk id="55" creationId="{E8AA2058-70A6-400D-56CA-B26915FA59C2}"/>
+          </ac:cxnSpMkLst>
+        </pc:cxnChg>
+      </pc:sldChg>
+      <pc:sldChg chg="addSp delSp modSp add mod">
+        <pc:chgData name="Buhler,Cassidy" userId="f49ba29b-7965-44cd-bb84-4bdc9ce1cd60" providerId="ADAL" clId="{CB5AA80A-7A5E-0243-BC86-533710073A06}" dt="2023-07-22T00:23:35.043" v="363"/>
+        <pc:sldMkLst>
+          <pc:docMk/>
+          <pc:sldMk cId="1944160990" sldId="258"/>
+        </pc:sldMkLst>
+        <pc:spChg chg="mod">
+          <ac:chgData name="Buhler,Cassidy" userId="f49ba29b-7965-44cd-bb84-4bdc9ce1cd60" providerId="ADAL" clId="{CB5AA80A-7A5E-0243-BC86-533710073A06}" dt="2023-07-22T00:23:35.043" v="363"/>
+          <ac:spMkLst>
+            <pc:docMk/>
+            <pc:sldMk cId="1944160990" sldId="258"/>
+            <ac:spMk id="10" creationId="{0D2483B0-5C9F-DC3B-BB65-8CD1816FDCF0}"/>
+          </ac:spMkLst>
+        </pc:spChg>
+        <pc:spChg chg="mod">
+          <ac:chgData name="Buhler,Cassidy" userId="f49ba29b-7965-44cd-bb84-4bdc9ce1cd60" providerId="ADAL" clId="{CB5AA80A-7A5E-0243-BC86-533710073A06}" dt="2023-07-22T00:23:35.043" v="363"/>
+          <ac:spMkLst>
+            <pc:docMk/>
+            <pc:sldMk cId="1944160990" sldId="258"/>
+            <ac:spMk id="11" creationId="{AD39AC9E-A8E3-2FA5-4C55-76483E8F1BE3}"/>
+          </ac:spMkLst>
+        </pc:spChg>
+        <pc:spChg chg="del">
+          <ac:chgData name="Buhler,Cassidy" userId="f49ba29b-7965-44cd-bb84-4bdc9ce1cd60" providerId="ADAL" clId="{CB5AA80A-7A5E-0243-BC86-533710073A06}" dt="2023-07-22T00:18:43.065" v="250" actId="478"/>
+          <ac:spMkLst>
+            <pc:docMk/>
+            <pc:sldMk cId="1944160990" sldId="258"/>
+            <ac:spMk id="12" creationId="{0B70B200-80C5-0581-7ACD-942CE1976AA5}"/>
+          </ac:spMkLst>
+        </pc:spChg>
+        <pc:spChg chg="mod">
+          <ac:chgData name="Buhler,Cassidy" userId="f49ba29b-7965-44cd-bb84-4bdc9ce1cd60" providerId="ADAL" clId="{CB5AA80A-7A5E-0243-BC86-533710073A06}" dt="2023-07-22T00:23:35.043" v="363"/>
+          <ac:spMkLst>
+            <pc:docMk/>
+            <pc:sldMk cId="1944160990" sldId="258"/>
+            <ac:spMk id="14" creationId="{48A26938-B9D4-8C21-C377-75B1A4D51B6F}"/>
+          </ac:spMkLst>
+        </pc:spChg>
+        <pc:spChg chg="mod">
+          <ac:chgData name="Buhler,Cassidy" userId="f49ba29b-7965-44cd-bb84-4bdc9ce1cd60" providerId="ADAL" clId="{CB5AA80A-7A5E-0243-BC86-533710073A06}" dt="2023-07-22T00:23:35.043" v="363"/>
+          <ac:spMkLst>
+            <pc:docMk/>
+            <pc:sldMk cId="1944160990" sldId="258"/>
+            <ac:spMk id="15" creationId="{0406F045-9C19-8278-E551-46B72292F6A7}"/>
+          </ac:spMkLst>
+        </pc:spChg>
+        <pc:spChg chg="mod">
+          <ac:chgData name="Buhler,Cassidy" userId="f49ba29b-7965-44cd-bb84-4bdc9ce1cd60" providerId="ADAL" clId="{CB5AA80A-7A5E-0243-BC86-533710073A06}" dt="2023-07-22T00:23:35.043" v="363"/>
+          <ac:spMkLst>
+            <pc:docMk/>
+            <pc:sldMk cId="1944160990" sldId="258"/>
+            <ac:spMk id="16" creationId="{05686486-4FE4-1F62-8BA7-14B9F1D6ACB8}"/>
+          </ac:spMkLst>
+        </pc:spChg>
+        <pc:spChg chg="mod">
+          <ac:chgData name="Buhler,Cassidy" userId="f49ba29b-7965-44cd-bb84-4bdc9ce1cd60" providerId="ADAL" clId="{CB5AA80A-7A5E-0243-BC86-533710073A06}" dt="2023-07-22T00:23:35.043" v="363"/>
+          <ac:spMkLst>
+            <pc:docMk/>
+            <pc:sldMk cId="1944160990" sldId="258"/>
+            <ac:spMk id="17" creationId="{683D5EC9-B895-E68A-B3B5-7058C3629295}"/>
+          </ac:spMkLst>
+        </pc:spChg>
+        <pc:spChg chg="add del mod">
+          <ac:chgData name="Buhler,Cassidy" userId="f49ba29b-7965-44cd-bb84-4bdc9ce1cd60" providerId="ADAL" clId="{CB5AA80A-7A5E-0243-BC86-533710073A06}" dt="2023-07-22T00:22:17.192" v="359" actId="478"/>
+          <ac:spMkLst>
+            <pc:docMk/>
+            <pc:sldMk cId="1944160990" sldId="258"/>
+            <ac:spMk id="19" creationId="{E51322EA-792A-3596-3354-FFEE30A49B80}"/>
+          </ac:spMkLst>
+        </pc:spChg>
+        <pc:spChg chg="del">
+          <ac:chgData name="Buhler,Cassidy" userId="f49ba29b-7965-44cd-bb84-4bdc9ce1cd60" providerId="ADAL" clId="{CB5AA80A-7A5E-0243-BC86-533710073A06}" dt="2023-07-22T00:18:41.491" v="249" actId="478"/>
+          <ac:spMkLst>
+            <pc:docMk/>
+            <pc:sldMk cId="1944160990" sldId="258"/>
+            <ac:spMk id="41" creationId="{554FC768-E719-B1CE-82AD-92F0F7F18A78}"/>
+          </ac:spMkLst>
+        </pc:spChg>
+        <pc:spChg chg="del">
+          <ac:chgData name="Buhler,Cassidy" userId="f49ba29b-7965-44cd-bb84-4bdc9ce1cd60" providerId="ADAL" clId="{CB5AA80A-7A5E-0243-BC86-533710073A06}" dt="2023-07-22T00:18:44.697" v="251" actId="478"/>
+          <ac:spMkLst>
+            <pc:docMk/>
+            <pc:sldMk cId="1944160990" sldId="258"/>
+            <ac:spMk id="46" creationId="{D1AE1FAE-6395-412D-8833-A5C5A4553B54}"/>
+          </ac:spMkLst>
+        </pc:spChg>
+        <pc:spChg chg="del">
+          <ac:chgData name="Buhler,Cassidy" userId="f49ba29b-7965-44cd-bb84-4bdc9ce1cd60" providerId="ADAL" clId="{CB5AA80A-7A5E-0243-BC86-533710073A06}" dt="2023-07-22T00:19:28.906" v="262" actId="478"/>
+          <ac:spMkLst>
+            <pc:docMk/>
+            <pc:sldMk cId="1944160990" sldId="258"/>
+            <ac:spMk id="47" creationId="{F63326FE-2077-62AF-95AE-4350D7D484BE}"/>
+          </ac:spMkLst>
+        </pc:spChg>
+        <pc:spChg chg="del">
+          <ac:chgData name="Buhler,Cassidy" userId="f49ba29b-7965-44cd-bb84-4bdc9ce1cd60" providerId="ADAL" clId="{CB5AA80A-7A5E-0243-BC86-533710073A06}" dt="2023-07-22T00:18:57.341" v="255" actId="478"/>
+          <ac:spMkLst>
+            <pc:docMk/>
+            <pc:sldMk cId="1944160990" sldId="258"/>
+            <ac:spMk id="48" creationId="{0658CC19-540B-87C6-79FB-53D6F6FA899B}"/>
+          </ac:spMkLst>
+        </pc:spChg>
+        <pc:spChg chg="del">
+          <ac:chgData name="Buhler,Cassidy" userId="f49ba29b-7965-44cd-bb84-4bdc9ce1cd60" providerId="ADAL" clId="{CB5AA80A-7A5E-0243-BC86-533710073A06}" dt="2023-07-22T00:18:39.758" v="248" actId="478"/>
+          <ac:spMkLst>
+            <pc:docMk/>
+            <pc:sldMk cId="1944160990" sldId="258"/>
+            <ac:spMk id="49" creationId="{FEDE69E7-5078-25C8-52DE-FCDBE8BAFADC}"/>
+          </ac:spMkLst>
+        </pc:spChg>
+        <pc:spChg chg="del">
+          <ac:chgData name="Buhler,Cassidy" userId="f49ba29b-7965-44cd-bb84-4bdc9ce1cd60" providerId="ADAL" clId="{CB5AA80A-7A5E-0243-BC86-533710073A06}" dt="2023-07-22T00:19:50.977" v="265" actId="478"/>
+          <ac:spMkLst>
+            <pc:docMk/>
+            <pc:sldMk cId="1944160990" sldId="258"/>
+            <ac:spMk id="50" creationId="{55D01125-D639-3C90-5D5B-09DAF4506EED}"/>
+          </ac:spMkLst>
+        </pc:spChg>
+        <pc:spChg chg="del">
+          <ac:chgData name="Buhler,Cassidy" userId="f49ba29b-7965-44cd-bb84-4bdc9ce1cd60" providerId="ADAL" clId="{CB5AA80A-7A5E-0243-BC86-533710073A06}" dt="2023-07-22T00:19:25.238" v="260" actId="478"/>
+          <ac:spMkLst>
+            <pc:docMk/>
+            <pc:sldMk cId="1944160990" sldId="258"/>
+            <ac:spMk id="53" creationId="{C18DFC4B-DCE0-6AF8-116A-E46BB224CD40}"/>
+          </ac:spMkLst>
+        </pc:spChg>
+        <pc:spChg chg="del">
+          <ac:chgData name="Buhler,Cassidy" userId="f49ba29b-7965-44cd-bb84-4bdc9ce1cd60" providerId="ADAL" clId="{CB5AA80A-7A5E-0243-BC86-533710073A06}" dt="2023-07-22T00:19:15.396" v="259" actId="478"/>
+          <ac:spMkLst>
+            <pc:docMk/>
+            <pc:sldMk cId="1944160990" sldId="258"/>
+            <ac:spMk id="56" creationId="{DDA7D78A-4E54-05CE-46DF-260FCCB3AE79}"/>
+          </ac:spMkLst>
+        </pc:spChg>
+        <pc:spChg chg="del">
+          <ac:chgData name="Buhler,Cassidy" userId="f49ba29b-7965-44cd-bb84-4bdc9ce1cd60" providerId="ADAL" clId="{CB5AA80A-7A5E-0243-BC86-533710073A06}" dt="2023-07-22T00:19:13.225" v="258" actId="478"/>
+          <ac:spMkLst>
+            <pc:docMk/>
+            <pc:sldMk cId="1944160990" sldId="258"/>
+            <ac:spMk id="57" creationId="{E4333FDC-9CEC-F073-BD1B-1009088F5BF0}"/>
+          </ac:spMkLst>
+        </pc:spChg>
+        <pc:spChg chg="del">
+          <ac:chgData name="Buhler,Cassidy" userId="f49ba29b-7965-44cd-bb84-4bdc9ce1cd60" providerId="ADAL" clId="{CB5AA80A-7A5E-0243-BC86-533710073A06}" dt="2023-07-22T00:19:54.521" v="266" actId="478"/>
+          <ac:spMkLst>
+            <pc:docMk/>
+            <pc:sldMk cId="1944160990" sldId="258"/>
+            <ac:spMk id="58" creationId="{33D01E34-7615-AB05-5236-8BC02281BDF3}"/>
+          </ac:spMkLst>
+        </pc:spChg>
+        <pc:cxnChg chg="mod">
+          <ac:chgData name="Buhler,Cassidy" userId="f49ba29b-7965-44cd-bb84-4bdc9ce1cd60" providerId="ADAL" clId="{CB5AA80A-7A5E-0243-BC86-533710073A06}" dt="2023-07-22T00:23:35.043" v="363"/>
+          <ac:cxnSpMkLst>
+            <pc:docMk/>
+            <pc:sldMk cId="1944160990" sldId="258"/>
+            <ac:cxnSpMk id="20" creationId="{A165B82F-5B35-3454-794B-BD8DE354B07E}"/>
+          </ac:cxnSpMkLst>
+        </pc:cxnChg>
+        <pc:cxnChg chg="del">
+          <ac:chgData name="Buhler,Cassidy" userId="f49ba29b-7965-44cd-bb84-4bdc9ce1cd60" providerId="ADAL" clId="{CB5AA80A-7A5E-0243-BC86-533710073A06}" dt="2023-07-22T00:18:54.067" v="254" actId="478"/>
+          <ac:cxnSpMkLst>
+            <pc:docMk/>
+            <pc:sldMk cId="1944160990" sldId="258"/>
+            <ac:cxnSpMk id="22" creationId="{60FF8B70-C5DB-53EB-82C7-0F1BA929B483}"/>
+          </ac:cxnSpMkLst>
+        </pc:cxnChg>
+        <pc:cxnChg chg="del">
+          <ac:chgData name="Buhler,Cassidy" userId="f49ba29b-7965-44cd-bb84-4bdc9ce1cd60" providerId="ADAL" clId="{CB5AA80A-7A5E-0243-BC86-533710073A06}" dt="2023-07-22T00:18:45.867" v="252" actId="478"/>
+          <ac:cxnSpMkLst>
+            <pc:docMk/>
+            <pc:sldMk cId="1944160990" sldId="258"/>
+            <ac:cxnSpMk id="23" creationId="{2AD59AE5-6C7C-B0CB-2F98-23697491C864}"/>
+          </ac:cxnSpMkLst>
+        </pc:cxnChg>
+        <pc:cxnChg chg="mod">
+          <ac:chgData name="Buhler,Cassidy" userId="f49ba29b-7965-44cd-bb84-4bdc9ce1cd60" providerId="ADAL" clId="{CB5AA80A-7A5E-0243-BC86-533710073A06}" dt="2023-07-22T00:23:35.043" v="363"/>
+          <ac:cxnSpMkLst>
+            <pc:docMk/>
+            <pc:sldMk cId="1944160990" sldId="258"/>
+            <ac:cxnSpMk id="24" creationId="{C34A03BF-9D59-43BB-D349-14DA4822B3B1}"/>
+          </ac:cxnSpMkLst>
+        </pc:cxnChg>
+        <pc:cxnChg chg="mod">
+          <ac:chgData name="Buhler,Cassidy" userId="f49ba29b-7965-44cd-bb84-4bdc9ce1cd60" providerId="ADAL" clId="{CB5AA80A-7A5E-0243-BC86-533710073A06}" dt="2023-07-22T00:23:35.043" v="363"/>
+          <ac:cxnSpMkLst>
+            <pc:docMk/>
+            <pc:sldMk cId="1944160990" sldId="258"/>
+            <ac:cxnSpMk id="26" creationId="{9A5666F6-35C7-E705-96D6-5DB41ADE77F2}"/>
+          </ac:cxnSpMkLst>
+        </pc:cxnChg>
+        <pc:cxnChg chg="mod">
+          <ac:chgData name="Buhler,Cassidy" userId="f49ba29b-7965-44cd-bb84-4bdc9ce1cd60" providerId="ADAL" clId="{CB5AA80A-7A5E-0243-BC86-533710073A06}" dt="2023-07-22T00:23:35.043" v="363"/>
+          <ac:cxnSpMkLst>
+            <pc:docMk/>
+            <pc:sldMk cId="1944160990" sldId="258"/>
+            <ac:cxnSpMk id="27" creationId="{BBAEEC23-0F1F-B74F-0E82-54721C143DB8}"/>
+          </ac:cxnSpMkLst>
+        </pc:cxnChg>
+        <pc:cxnChg chg="mod">
+          <ac:chgData name="Buhler,Cassidy" userId="f49ba29b-7965-44cd-bb84-4bdc9ce1cd60" providerId="ADAL" clId="{CB5AA80A-7A5E-0243-BC86-533710073A06}" dt="2023-07-22T00:23:35.043" v="363"/>
+          <ac:cxnSpMkLst>
+            <pc:docMk/>
+            <pc:sldMk cId="1944160990" sldId="258"/>
+            <ac:cxnSpMk id="30" creationId="{40693823-A2D9-EDF2-429E-D76380A21DFF}"/>
+          </ac:cxnSpMkLst>
+        </pc:cxnChg>
+        <pc:cxnChg chg="del mod">
+          <ac:chgData name="Buhler,Cassidy" userId="f49ba29b-7965-44cd-bb84-4bdc9ce1cd60" providerId="ADAL" clId="{CB5AA80A-7A5E-0243-BC86-533710073A06}" dt="2023-07-22T00:19:26.768" v="261" actId="478"/>
+          <ac:cxnSpMkLst>
+            <pc:docMk/>
+            <pc:sldMk cId="1944160990" sldId="258"/>
+            <ac:cxnSpMk id="52" creationId="{2824F767-EA8C-F702-02EC-0C6B27754002}"/>
+          </ac:cxnSpMkLst>
+        </pc:cxnChg>
+        <pc:cxnChg chg="mod">
+          <ac:chgData name="Buhler,Cassidy" userId="f49ba29b-7965-44cd-bb84-4bdc9ce1cd60" providerId="ADAL" clId="{CB5AA80A-7A5E-0243-BC86-533710073A06}" dt="2023-07-22T00:23:35.043" v="363"/>
+          <ac:cxnSpMkLst>
+            <pc:docMk/>
+            <pc:sldMk cId="1944160990" sldId="258"/>
+            <ac:cxnSpMk id="54" creationId="{68B384A0-6025-787B-5C51-0C3A31BA6E9C}"/>
+          </ac:cxnSpMkLst>
+        </pc:cxnChg>
+        <pc:cxnChg chg="mod">
+          <ac:chgData name="Buhler,Cassidy" userId="f49ba29b-7965-44cd-bb84-4bdc9ce1cd60" providerId="ADAL" clId="{CB5AA80A-7A5E-0243-BC86-533710073A06}" dt="2023-07-22T00:23:35.043" v="363"/>
+          <ac:cxnSpMkLst>
+            <pc:docMk/>
+            <pc:sldMk cId="1944160990" sldId="258"/>
+            <ac:cxnSpMk id="55" creationId="{E8AA2058-70A6-400D-56CA-B26915FA59C2}"/>
+          </ac:cxnSpMkLst>
+        </pc:cxnChg>
+      </pc:sldChg>
+      <pc:sldChg chg="add del">
+        <pc:chgData name="Buhler,Cassidy" userId="f49ba29b-7965-44cd-bb84-4bdc9ce1cd60" providerId="ADAL" clId="{CB5AA80A-7A5E-0243-BC86-533710073A06}" dt="2023-07-22T00:22:26.596" v="361"/>
+        <pc:sldMkLst>
+          <pc:docMk/>
+          <pc:sldMk cId="1403221728" sldId="259"/>
+        </pc:sldMkLst>
+      </pc:sldChg>
+      <pc:sldChg chg="delSp modSp add mod">
+        <pc:chgData name="Buhler,Cassidy" userId="f49ba29b-7965-44cd-bb84-4bdc9ce1cd60" providerId="ADAL" clId="{CB5AA80A-7A5E-0243-BC86-533710073A06}" dt="2023-07-22T00:30:44.097" v="568" actId="14100"/>
+        <pc:sldMkLst>
+          <pc:docMk/>
+          <pc:sldMk cId="2475127850" sldId="259"/>
+        </pc:sldMkLst>
+        <pc:spChg chg="mod">
+          <ac:chgData name="Buhler,Cassidy" userId="f49ba29b-7965-44cd-bb84-4bdc9ce1cd60" providerId="ADAL" clId="{CB5AA80A-7A5E-0243-BC86-533710073A06}" dt="2023-07-22T00:28:05.893" v="434" actId="1076"/>
+          <ac:spMkLst>
+            <pc:docMk/>
+            <pc:sldMk cId="2475127850" sldId="259"/>
+            <ac:spMk id="10" creationId="{0D2483B0-5C9F-DC3B-BB65-8CD1816FDCF0}"/>
+          </ac:spMkLst>
+        </pc:spChg>
+        <pc:spChg chg="mod">
+          <ac:chgData name="Buhler,Cassidy" userId="f49ba29b-7965-44cd-bb84-4bdc9ce1cd60" providerId="ADAL" clId="{CB5AA80A-7A5E-0243-BC86-533710073A06}" dt="2023-07-22T00:29:29.885" v="456" actId="1076"/>
+          <ac:spMkLst>
+            <pc:docMk/>
+            <pc:sldMk cId="2475127850" sldId="259"/>
+            <ac:spMk id="11" creationId="{AD39AC9E-A8E3-2FA5-4C55-76483E8F1BE3}"/>
+          </ac:spMkLst>
+        </pc:spChg>
+        <pc:spChg chg="mod">
+          <ac:chgData name="Buhler,Cassidy" userId="f49ba29b-7965-44cd-bb84-4bdc9ce1cd60" providerId="ADAL" clId="{CB5AA80A-7A5E-0243-BC86-533710073A06}" dt="2023-07-22T00:28:14.044" v="437" actId="1076"/>
+          <ac:spMkLst>
+            <pc:docMk/>
+            <pc:sldMk cId="2475127850" sldId="259"/>
+            <ac:spMk id="14" creationId="{48A26938-B9D4-8C21-C377-75B1A4D51B6F}"/>
+          </ac:spMkLst>
+        </pc:spChg>
+        <pc:spChg chg="mod">
+          <ac:chgData name="Buhler,Cassidy" userId="f49ba29b-7965-44cd-bb84-4bdc9ce1cd60" providerId="ADAL" clId="{CB5AA80A-7A5E-0243-BC86-533710073A06}" dt="2023-07-22T00:30:38.912" v="567" actId="14100"/>
+          <ac:spMkLst>
+            <pc:docMk/>
+            <pc:sldMk cId="2475127850" sldId="259"/>
+            <ac:spMk id="15" creationId="{0406F045-9C19-8278-E551-46B72292F6A7}"/>
+          </ac:spMkLst>
+        </pc:spChg>
+        <pc:spChg chg="mod">
+          <ac:chgData name="Buhler,Cassidy" userId="f49ba29b-7965-44cd-bb84-4bdc9ce1cd60" providerId="ADAL" clId="{CB5AA80A-7A5E-0243-BC86-533710073A06}" dt="2023-07-22T00:29:37.865" v="459" actId="1076"/>
+          <ac:spMkLst>
+            <pc:docMk/>
+            <pc:sldMk cId="2475127850" sldId="259"/>
+            <ac:spMk id="16" creationId="{05686486-4FE4-1F62-8BA7-14B9F1D6ACB8}"/>
+          </ac:spMkLst>
+        </pc:spChg>
+        <pc:spChg chg="mod">
+          <ac:chgData name="Buhler,Cassidy" userId="f49ba29b-7965-44cd-bb84-4bdc9ce1cd60" providerId="ADAL" clId="{CB5AA80A-7A5E-0243-BC86-533710073A06}" dt="2023-07-22T00:28:43.284" v="449" actId="1076"/>
+          <ac:spMkLst>
+            <pc:docMk/>
+            <pc:sldMk cId="2475127850" sldId="259"/>
+            <ac:spMk id="17" creationId="{683D5EC9-B895-E68A-B3B5-7058C3629295}"/>
+          </ac:spMkLst>
+        </pc:spChg>
+        <pc:cxnChg chg="mod">
+          <ac:chgData name="Buhler,Cassidy" userId="f49ba29b-7965-44cd-bb84-4bdc9ce1cd60" providerId="ADAL" clId="{CB5AA80A-7A5E-0243-BC86-533710073A06}" dt="2023-07-22T00:28:10.927" v="436" actId="14100"/>
+          <ac:cxnSpMkLst>
+            <pc:docMk/>
+            <pc:sldMk cId="2475127850" sldId="259"/>
+            <ac:cxnSpMk id="20" creationId="{A165B82F-5B35-3454-794B-BD8DE354B07E}"/>
+          </ac:cxnSpMkLst>
+        </pc:cxnChg>
+        <pc:cxnChg chg="mod">
+          <ac:chgData name="Buhler,Cassidy" userId="f49ba29b-7965-44cd-bb84-4bdc9ce1cd60" providerId="ADAL" clId="{CB5AA80A-7A5E-0243-BC86-533710073A06}" dt="2023-07-22T00:30:44.097" v="568" actId="14100"/>
+          <ac:cxnSpMkLst>
+            <pc:docMk/>
+            <pc:sldMk cId="2475127850" sldId="259"/>
+            <ac:cxnSpMk id="24" creationId="{C34A03BF-9D59-43BB-D349-14DA4822B3B1}"/>
+          </ac:cxnSpMkLst>
+        </pc:cxnChg>
+        <pc:cxnChg chg="mod">
+          <ac:chgData name="Buhler,Cassidy" userId="f49ba29b-7965-44cd-bb84-4bdc9ce1cd60" providerId="ADAL" clId="{CB5AA80A-7A5E-0243-BC86-533710073A06}" dt="2023-07-22T00:28:41.534" v="448" actId="1076"/>
+          <ac:cxnSpMkLst>
+            <pc:docMk/>
+            <pc:sldMk cId="2475127850" sldId="259"/>
+            <ac:cxnSpMk id="26" creationId="{9A5666F6-35C7-E705-96D6-5DB41ADE77F2}"/>
+          </ac:cxnSpMkLst>
+        </pc:cxnChg>
+        <pc:cxnChg chg="del mod">
+          <ac:chgData name="Buhler,Cassidy" userId="f49ba29b-7965-44cd-bb84-4bdc9ce1cd60" providerId="ADAL" clId="{CB5AA80A-7A5E-0243-BC86-533710073A06}" dt="2023-07-22T00:29:00.060" v="454" actId="478"/>
+          <ac:cxnSpMkLst>
+            <pc:docMk/>
+            <pc:sldMk cId="2475127850" sldId="259"/>
+            <ac:cxnSpMk id="27" creationId="{BBAEEC23-0F1F-B74F-0E82-54721C143DB8}"/>
+          </ac:cxnSpMkLst>
+        </pc:cxnChg>
+        <pc:cxnChg chg="mod">
+          <ac:chgData name="Buhler,Cassidy" userId="f49ba29b-7965-44cd-bb84-4bdc9ce1cd60" providerId="ADAL" clId="{CB5AA80A-7A5E-0243-BC86-533710073A06}" dt="2023-07-22T00:29:29.885" v="456" actId="1076"/>
+          <ac:cxnSpMkLst>
+            <pc:docMk/>
+            <pc:sldMk cId="2475127850" sldId="259"/>
+            <ac:cxnSpMk id="30" creationId="{40693823-A2D9-EDF2-429E-D76380A21DFF}"/>
+          </ac:cxnSpMkLst>
+        </pc:cxnChg>
+        <pc:cxnChg chg="mod">
+          <ac:chgData name="Buhler,Cassidy" userId="f49ba29b-7965-44cd-bb84-4bdc9ce1cd60" providerId="ADAL" clId="{CB5AA80A-7A5E-0243-BC86-533710073A06}" dt="2023-07-22T00:28:20.845" v="441" actId="1076"/>
+          <ac:cxnSpMkLst>
+            <pc:docMk/>
+            <pc:sldMk cId="2475127850" sldId="259"/>
+            <ac:cxnSpMk id="54" creationId="{68B384A0-6025-787B-5C51-0C3A31BA6E9C}"/>
+          </ac:cxnSpMkLst>
+        </pc:cxnChg>
+        <pc:cxnChg chg="mod">
+          <ac:chgData name="Buhler,Cassidy" userId="f49ba29b-7965-44cd-bb84-4bdc9ce1cd60" providerId="ADAL" clId="{CB5AA80A-7A5E-0243-BC86-533710073A06}" dt="2023-07-22T00:28:53.070" v="453" actId="1076"/>
+          <ac:cxnSpMkLst>
+            <pc:docMk/>
+            <pc:sldMk cId="2475127850" sldId="259"/>
+            <ac:cxnSpMk id="55" creationId="{E8AA2058-70A6-400D-56CA-B26915FA59C2}"/>
+          </ac:cxnSpMkLst>
+        </pc:cxnChg>
+      </pc:sldChg>
+      <pc:sldChg chg="new">
+        <pc:chgData name="Buhler,Cassidy" userId="f49ba29b-7965-44cd-bb84-4bdc9ce1cd60" providerId="ADAL" clId="{CB5AA80A-7A5E-0243-BC86-533710073A06}" dt="2023-07-22T00:25:26.206" v="388" actId="680"/>
+        <pc:sldMkLst>
+          <pc:docMk/>
+          <pc:sldMk cId="2966860691" sldId="260"/>
+        </pc:sldMkLst>
+      </pc:sldChg>
+      <pc:sldChg chg="modSp add mod">
+        <pc:chgData name="Buhler,Cassidy" userId="f49ba29b-7965-44cd-bb84-4bdc9ce1cd60" providerId="ADAL" clId="{CB5AA80A-7A5E-0243-BC86-533710073A06}" dt="2023-07-22T00:31:53.880" v="624" actId="1076"/>
+        <pc:sldMkLst>
+          <pc:docMk/>
+          <pc:sldMk cId="1633147604" sldId="261"/>
+        </pc:sldMkLst>
+        <pc:spChg chg="mod">
+          <ac:chgData name="Buhler,Cassidy" userId="f49ba29b-7965-44cd-bb84-4bdc9ce1cd60" providerId="ADAL" clId="{CB5AA80A-7A5E-0243-BC86-533710073A06}" dt="2023-07-22T00:31:33.262" v="609" actId="20577"/>
+          <ac:spMkLst>
+            <pc:docMk/>
+            <pc:sldMk cId="1633147604" sldId="261"/>
+            <ac:spMk id="10" creationId="{0D2483B0-5C9F-DC3B-BB65-8CD1816FDCF0}"/>
+          </ac:spMkLst>
+        </pc:spChg>
+        <pc:spChg chg="mod">
+          <ac:chgData name="Buhler,Cassidy" userId="f49ba29b-7965-44cd-bb84-4bdc9ce1cd60" providerId="ADAL" clId="{CB5AA80A-7A5E-0243-BC86-533710073A06}" dt="2023-07-22T00:31:53.880" v="624" actId="1076"/>
+          <ac:spMkLst>
+            <pc:docMk/>
+            <pc:sldMk cId="1633147604" sldId="261"/>
+            <ac:spMk id="11" creationId="{AD39AC9E-A8E3-2FA5-4C55-76483E8F1BE3}"/>
+          </ac:spMkLst>
+        </pc:spChg>
+        <pc:cxnChg chg="mod">
+          <ac:chgData name="Buhler,Cassidy" userId="f49ba29b-7965-44cd-bb84-4bdc9ce1cd60" providerId="ADAL" clId="{CB5AA80A-7A5E-0243-BC86-533710073A06}" dt="2023-07-22T00:31:49.214" v="623" actId="14100"/>
+          <ac:cxnSpMkLst>
+            <pc:docMk/>
+            <pc:sldMk cId="1633147604" sldId="261"/>
+            <ac:cxnSpMk id="24" creationId="{C34A03BF-9D59-43BB-D349-14DA4822B3B1}"/>
+          </ac:cxnSpMkLst>
+        </pc:cxnChg>
+        <pc:cxnChg chg="mod">
+          <ac:chgData name="Buhler,Cassidy" userId="f49ba29b-7965-44cd-bb84-4bdc9ce1cd60" providerId="ADAL" clId="{CB5AA80A-7A5E-0243-BC86-533710073A06}" dt="2023-07-22T00:31:53.880" v="624" actId="1076"/>
+          <ac:cxnSpMkLst>
+            <pc:docMk/>
+            <pc:sldMk cId="1633147604" sldId="261"/>
+            <ac:cxnSpMk id="30" creationId="{40693823-A2D9-EDF2-429E-D76380A21DFF}"/>
+          </ac:cxnSpMkLst>
+        </pc:cxnChg>
+      </pc:sldChg>
+      <pc:sldChg chg="delSp modSp add mod">
+        <pc:chgData name="Buhler,Cassidy" userId="f49ba29b-7965-44cd-bb84-4bdc9ce1cd60" providerId="ADAL" clId="{CB5AA80A-7A5E-0243-BC86-533710073A06}" dt="2023-07-22T00:33:30.055" v="861" actId="14100"/>
+        <pc:sldMkLst>
+          <pc:docMk/>
+          <pc:sldMk cId="1534057526" sldId="262"/>
+        </pc:sldMkLst>
+        <pc:spChg chg="mod">
+          <ac:chgData name="Buhler,Cassidy" userId="f49ba29b-7965-44cd-bb84-4bdc9ce1cd60" providerId="ADAL" clId="{CB5AA80A-7A5E-0243-BC86-533710073A06}" dt="2023-07-22T00:33:26.508" v="860" actId="20577"/>
+          <ac:spMkLst>
+            <pc:docMk/>
+            <pc:sldMk cId="1534057526" sldId="262"/>
+            <ac:spMk id="11" creationId="{AD39AC9E-A8E3-2FA5-4C55-76483E8F1BE3}"/>
+          </ac:spMkLst>
+        </pc:spChg>
+        <pc:spChg chg="del">
+          <ac:chgData name="Buhler,Cassidy" userId="f49ba29b-7965-44cd-bb84-4bdc9ce1cd60" providerId="ADAL" clId="{CB5AA80A-7A5E-0243-BC86-533710073A06}" dt="2023-07-22T00:32:11.026" v="626" actId="478"/>
+          <ac:spMkLst>
+            <pc:docMk/>
+            <pc:sldMk cId="1534057526" sldId="262"/>
+            <ac:spMk id="14" creationId="{48A26938-B9D4-8C21-C377-75B1A4D51B6F}"/>
+          </ac:spMkLst>
+        </pc:spChg>
+        <pc:spChg chg="del">
+          <ac:chgData name="Buhler,Cassidy" userId="f49ba29b-7965-44cd-bb84-4bdc9ce1cd60" providerId="ADAL" clId="{CB5AA80A-7A5E-0243-BC86-533710073A06}" dt="2023-07-22T00:32:11.026" v="626" actId="478"/>
+          <ac:spMkLst>
+            <pc:docMk/>
+            <pc:sldMk cId="1534057526" sldId="262"/>
+            <ac:spMk id="15" creationId="{0406F045-9C19-8278-E551-46B72292F6A7}"/>
+          </ac:spMkLst>
+        </pc:spChg>
+        <pc:spChg chg="mod">
+          <ac:chgData name="Buhler,Cassidy" userId="f49ba29b-7965-44cd-bb84-4bdc9ce1cd60" providerId="ADAL" clId="{CB5AA80A-7A5E-0243-BC86-533710073A06}" dt="2023-07-22T00:33:21.300" v="837" actId="20577"/>
+          <ac:spMkLst>
+            <pc:docMk/>
+            <pc:sldMk cId="1534057526" sldId="262"/>
+            <ac:spMk id="16" creationId="{05686486-4FE4-1F62-8BA7-14B9F1D6ACB8}"/>
+          </ac:spMkLst>
+        </pc:spChg>
+        <pc:cxnChg chg="mod">
+          <ac:chgData name="Buhler,Cassidy" userId="f49ba29b-7965-44cd-bb84-4bdc9ce1cd60" providerId="ADAL" clId="{CB5AA80A-7A5E-0243-BC86-533710073A06}" dt="2023-07-22T00:33:30.055" v="861" actId="14100"/>
+          <ac:cxnSpMkLst>
+            <pc:docMk/>
+            <pc:sldMk cId="1534057526" sldId="262"/>
+            <ac:cxnSpMk id="20" creationId="{A165B82F-5B35-3454-794B-BD8DE354B07E}"/>
+          </ac:cxnSpMkLst>
+        </pc:cxnChg>
+        <pc:cxnChg chg="del">
+          <ac:chgData name="Buhler,Cassidy" userId="f49ba29b-7965-44cd-bb84-4bdc9ce1cd60" providerId="ADAL" clId="{CB5AA80A-7A5E-0243-BC86-533710073A06}" dt="2023-07-22T00:32:12.353" v="627" actId="478"/>
+          <ac:cxnSpMkLst>
+            <pc:docMk/>
+            <pc:sldMk cId="1534057526" sldId="262"/>
+            <ac:cxnSpMk id="26" creationId="{9A5666F6-35C7-E705-96D6-5DB41ADE77F2}"/>
+          </ac:cxnSpMkLst>
+        </pc:cxnChg>
+        <pc:cxnChg chg="del mod">
+          <ac:chgData name="Buhler,Cassidy" userId="f49ba29b-7965-44cd-bb84-4bdc9ce1cd60" providerId="ADAL" clId="{CB5AA80A-7A5E-0243-BC86-533710073A06}" dt="2023-07-22T00:32:11.026" v="626" actId="478"/>
+          <ac:cxnSpMkLst>
+            <pc:docMk/>
+            <pc:sldMk cId="1534057526" sldId="262"/>
+            <ac:cxnSpMk id="54" creationId="{68B384A0-6025-787B-5C51-0C3A31BA6E9C}"/>
+          </ac:cxnSpMkLst>
+        </pc:cxnChg>
+        <pc:cxnChg chg="del">
+          <ac:chgData name="Buhler,Cassidy" userId="f49ba29b-7965-44cd-bb84-4bdc9ce1cd60" providerId="ADAL" clId="{CB5AA80A-7A5E-0243-BC86-533710073A06}" dt="2023-07-22T00:32:11.026" v="626" actId="478"/>
+          <ac:cxnSpMkLst>
+            <pc:docMk/>
+            <pc:sldMk cId="1534057526" sldId="262"/>
+            <ac:cxnSpMk id="55" creationId="{E8AA2058-70A6-400D-56CA-B26915FA59C2}"/>
+          </ac:cxnSpMkLst>
+        </pc:cxnChg>
+      </pc:sldChg>
+      <pc:sldMasterChg chg="modSp modSldLayout">
+        <pc:chgData name="Buhler,Cassidy" userId="f49ba29b-7965-44cd-bb84-4bdc9ce1cd60" providerId="ADAL" clId="{CB5AA80A-7A5E-0243-BC86-533710073A06}" dt="2023-07-22T00:23:35.043" v="363"/>
+        <pc:sldMasterMkLst>
+          <pc:docMk/>
+          <pc:sldMasterMk cId="1542020214" sldId="2147483672"/>
+        </pc:sldMasterMkLst>
+        <pc:spChg chg="mod">
+          <ac:chgData name="Buhler,Cassidy" userId="f49ba29b-7965-44cd-bb84-4bdc9ce1cd60" providerId="ADAL" clId="{CB5AA80A-7A5E-0243-BC86-533710073A06}" dt="2023-07-22T00:23:35.043" v="363"/>
+          <ac:spMkLst>
+            <pc:docMk/>
+            <pc:sldMasterMk cId="1542020214" sldId="2147483672"/>
+            <ac:spMk id="2" creationId="{00000000-0000-0000-0000-000000000000}"/>
+          </ac:spMkLst>
+        </pc:spChg>
+        <pc:spChg chg="mod">
+          <ac:chgData name="Buhler,Cassidy" userId="f49ba29b-7965-44cd-bb84-4bdc9ce1cd60" providerId="ADAL" clId="{CB5AA80A-7A5E-0243-BC86-533710073A06}" dt="2023-07-22T00:23:35.043" v="363"/>
+          <ac:spMkLst>
+            <pc:docMk/>
+            <pc:sldMasterMk cId="1542020214" sldId="2147483672"/>
+            <ac:spMk id="3" creationId="{00000000-0000-0000-0000-000000000000}"/>
+          </ac:spMkLst>
+        </pc:spChg>
+        <pc:spChg chg="mod">
+          <ac:chgData name="Buhler,Cassidy" userId="f49ba29b-7965-44cd-bb84-4bdc9ce1cd60" providerId="ADAL" clId="{CB5AA80A-7A5E-0243-BC86-533710073A06}" dt="2023-07-22T00:23:35.043" v="363"/>
+          <ac:spMkLst>
+            <pc:docMk/>
+            <pc:sldMasterMk cId="1542020214" sldId="2147483672"/>
+            <ac:spMk id="4" creationId="{00000000-0000-0000-0000-000000000000}"/>
+          </ac:spMkLst>
+        </pc:spChg>
+        <pc:spChg chg="mod">
+          <ac:chgData name="Buhler,Cassidy" userId="f49ba29b-7965-44cd-bb84-4bdc9ce1cd60" providerId="ADAL" clId="{CB5AA80A-7A5E-0243-BC86-533710073A06}" dt="2023-07-22T00:23:35.043" v="363"/>
+          <ac:spMkLst>
+            <pc:docMk/>
+            <pc:sldMasterMk cId="1542020214" sldId="2147483672"/>
+            <ac:spMk id="5" creationId="{00000000-0000-0000-0000-000000000000}"/>
+          </ac:spMkLst>
+        </pc:spChg>
+        <pc:spChg chg="mod">
+          <ac:chgData name="Buhler,Cassidy" userId="f49ba29b-7965-44cd-bb84-4bdc9ce1cd60" providerId="ADAL" clId="{CB5AA80A-7A5E-0243-BC86-533710073A06}" dt="2023-07-22T00:23:35.043" v="363"/>
+          <ac:spMkLst>
+            <pc:docMk/>
+            <pc:sldMasterMk cId="1542020214" sldId="2147483672"/>
+            <ac:spMk id="6" creationId="{00000000-0000-0000-0000-000000000000}"/>
+          </ac:spMkLst>
+        </pc:spChg>
+        <pc:sldLayoutChg chg="modSp">
+          <pc:chgData name="Buhler,Cassidy" userId="f49ba29b-7965-44cd-bb84-4bdc9ce1cd60" providerId="ADAL" clId="{CB5AA80A-7A5E-0243-BC86-533710073A06}" dt="2023-07-22T00:23:35.043" v="363"/>
+          <pc:sldLayoutMkLst>
+            <pc:docMk/>
+            <pc:sldMasterMk cId="1542020214" sldId="2147483672"/>
+            <pc:sldLayoutMk cId="145266410" sldId="2147483673"/>
+          </pc:sldLayoutMkLst>
+          <pc:spChg chg="mod">
+            <ac:chgData name="Buhler,Cassidy" userId="f49ba29b-7965-44cd-bb84-4bdc9ce1cd60" providerId="ADAL" clId="{CB5AA80A-7A5E-0243-BC86-533710073A06}" dt="2023-07-22T00:23:35.043" v="363"/>
+            <ac:spMkLst>
+              <pc:docMk/>
+              <pc:sldMasterMk cId="1542020214" sldId="2147483672"/>
+              <pc:sldLayoutMk cId="145266410" sldId="2147483673"/>
+              <ac:spMk id="2" creationId="{00000000-0000-0000-0000-000000000000}"/>
+            </ac:spMkLst>
+          </pc:spChg>
+          <pc:spChg chg="mod">
+            <ac:chgData name="Buhler,Cassidy" userId="f49ba29b-7965-44cd-bb84-4bdc9ce1cd60" providerId="ADAL" clId="{CB5AA80A-7A5E-0243-BC86-533710073A06}" dt="2023-07-22T00:23:35.043" v="363"/>
+            <ac:spMkLst>
+              <pc:docMk/>
+              <pc:sldMasterMk cId="1542020214" sldId="2147483672"/>
+              <pc:sldLayoutMk cId="145266410" sldId="2147483673"/>
+              <ac:spMk id="3" creationId="{00000000-0000-0000-0000-000000000000}"/>
+            </ac:spMkLst>
+          </pc:spChg>
+        </pc:sldLayoutChg>
+        <pc:sldLayoutChg chg="modSp">
+          <pc:chgData name="Buhler,Cassidy" userId="f49ba29b-7965-44cd-bb84-4bdc9ce1cd60" providerId="ADAL" clId="{CB5AA80A-7A5E-0243-BC86-533710073A06}" dt="2023-07-22T00:23:35.043" v="363"/>
+          <pc:sldLayoutMkLst>
+            <pc:docMk/>
+            <pc:sldMasterMk cId="1542020214" sldId="2147483672"/>
+            <pc:sldLayoutMk cId="823589854" sldId="2147483675"/>
+          </pc:sldLayoutMkLst>
+          <pc:spChg chg="mod">
+            <ac:chgData name="Buhler,Cassidy" userId="f49ba29b-7965-44cd-bb84-4bdc9ce1cd60" providerId="ADAL" clId="{CB5AA80A-7A5E-0243-BC86-533710073A06}" dt="2023-07-22T00:23:35.043" v="363"/>
+            <ac:spMkLst>
+              <pc:docMk/>
+              <pc:sldMasterMk cId="1542020214" sldId="2147483672"/>
+              <pc:sldLayoutMk cId="823589854" sldId="2147483675"/>
+              <ac:spMk id="2" creationId="{00000000-0000-0000-0000-000000000000}"/>
+            </ac:spMkLst>
+          </pc:spChg>
+          <pc:spChg chg="mod">
+            <ac:chgData name="Buhler,Cassidy" userId="f49ba29b-7965-44cd-bb84-4bdc9ce1cd60" providerId="ADAL" clId="{CB5AA80A-7A5E-0243-BC86-533710073A06}" dt="2023-07-22T00:23:35.043" v="363"/>
+            <ac:spMkLst>
+              <pc:docMk/>
+              <pc:sldMasterMk cId="1542020214" sldId="2147483672"/>
+              <pc:sldLayoutMk cId="823589854" sldId="2147483675"/>
+              <ac:spMk id="3" creationId="{00000000-0000-0000-0000-000000000000}"/>
+            </ac:spMkLst>
+          </pc:spChg>
+        </pc:sldLayoutChg>
+        <pc:sldLayoutChg chg="modSp">
+          <pc:chgData name="Buhler,Cassidy" userId="f49ba29b-7965-44cd-bb84-4bdc9ce1cd60" providerId="ADAL" clId="{CB5AA80A-7A5E-0243-BC86-533710073A06}" dt="2023-07-22T00:23:35.043" v="363"/>
+          <pc:sldLayoutMkLst>
+            <pc:docMk/>
+            <pc:sldMasterMk cId="1542020214" sldId="2147483672"/>
+            <pc:sldLayoutMk cId="450720795" sldId="2147483676"/>
+          </pc:sldLayoutMkLst>
+          <pc:spChg chg="mod">
+            <ac:chgData name="Buhler,Cassidy" userId="f49ba29b-7965-44cd-bb84-4bdc9ce1cd60" providerId="ADAL" clId="{CB5AA80A-7A5E-0243-BC86-533710073A06}" dt="2023-07-22T00:23:35.043" v="363"/>
+            <ac:spMkLst>
+              <pc:docMk/>
+              <pc:sldMasterMk cId="1542020214" sldId="2147483672"/>
+              <pc:sldLayoutMk cId="450720795" sldId="2147483676"/>
+              <ac:spMk id="3" creationId="{00000000-0000-0000-0000-000000000000}"/>
+            </ac:spMkLst>
+          </pc:spChg>
+          <pc:spChg chg="mod">
+            <ac:chgData name="Buhler,Cassidy" userId="f49ba29b-7965-44cd-bb84-4bdc9ce1cd60" providerId="ADAL" clId="{CB5AA80A-7A5E-0243-BC86-533710073A06}" dt="2023-07-22T00:23:35.043" v="363"/>
+            <ac:spMkLst>
+              <pc:docMk/>
+              <pc:sldMasterMk cId="1542020214" sldId="2147483672"/>
+              <pc:sldLayoutMk cId="450720795" sldId="2147483676"/>
+              <ac:spMk id="4" creationId="{00000000-0000-0000-0000-000000000000}"/>
+            </ac:spMkLst>
+          </pc:spChg>
+        </pc:sldLayoutChg>
+        <pc:sldLayoutChg chg="modSp">
+          <pc:chgData name="Buhler,Cassidy" userId="f49ba29b-7965-44cd-bb84-4bdc9ce1cd60" providerId="ADAL" clId="{CB5AA80A-7A5E-0243-BC86-533710073A06}" dt="2023-07-22T00:23:35.043" v="363"/>
+          <pc:sldLayoutMkLst>
+            <pc:docMk/>
+            <pc:sldMasterMk cId="1542020214" sldId="2147483672"/>
+            <pc:sldLayoutMk cId="2459350286" sldId="2147483677"/>
+          </pc:sldLayoutMkLst>
+          <pc:spChg chg="mod">
+            <ac:chgData name="Buhler,Cassidy" userId="f49ba29b-7965-44cd-bb84-4bdc9ce1cd60" providerId="ADAL" clId="{CB5AA80A-7A5E-0243-BC86-533710073A06}" dt="2023-07-22T00:23:35.043" v="363"/>
+            <ac:spMkLst>
+              <pc:docMk/>
+              <pc:sldMasterMk cId="1542020214" sldId="2147483672"/>
+              <pc:sldLayoutMk cId="2459350286" sldId="2147483677"/>
+              <ac:spMk id="2" creationId="{00000000-0000-0000-0000-000000000000}"/>
+            </ac:spMkLst>
+          </pc:spChg>
+          <pc:spChg chg="mod">
+            <ac:chgData name="Buhler,Cassidy" userId="f49ba29b-7965-44cd-bb84-4bdc9ce1cd60" providerId="ADAL" clId="{CB5AA80A-7A5E-0243-BC86-533710073A06}" dt="2023-07-22T00:23:35.043" v="363"/>
+            <ac:spMkLst>
+              <pc:docMk/>
+              <pc:sldMasterMk cId="1542020214" sldId="2147483672"/>
+              <pc:sldLayoutMk cId="2459350286" sldId="2147483677"/>
+              <ac:spMk id="3" creationId="{00000000-0000-0000-0000-000000000000}"/>
+            </ac:spMkLst>
+          </pc:spChg>
+          <pc:spChg chg="mod">
+            <ac:chgData name="Buhler,Cassidy" userId="f49ba29b-7965-44cd-bb84-4bdc9ce1cd60" providerId="ADAL" clId="{CB5AA80A-7A5E-0243-BC86-533710073A06}" dt="2023-07-22T00:23:35.043" v="363"/>
+            <ac:spMkLst>
+              <pc:docMk/>
+              <pc:sldMasterMk cId="1542020214" sldId="2147483672"/>
+              <pc:sldLayoutMk cId="2459350286" sldId="2147483677"/>
+              <ac:spMk id="4" creationId="{00000000-0000-0000-0000-000000000000}"/>
+            </ac:spMkLst>
+          </pc:spChg>
+          <pc:spChg chg="mod">
+            <ac:chgData name="Buhler,Cassidy" userId="f49ba29b-7965-44cd-bb84-4bdc9ce1cd60" providerId="ADAL" clId="{CB5AA80A-7A5E-0243-BC86-533710073A06}" dt="2023-07-22T00:23:35.043" v="363"/>
+            <ac:spMkLst>
+              <pc:docMk/>
+              <pc:sldMasterMk cId="1542020214" sldId="2147483672"/>
+              <pc:sldLayoutMk cId="2459350286" sldId="2147483677"/>
+              <ac:spMk id="5" creationId="{00000000-0000-0000-0000-000000000000}"/>
+            </ac:spMkLst>
+          </pc:spChg>
+          <pc:spChg chg="mod">
+            <ac:chgData name="Buhler,Cassidy" userId="f49ba29b-7965-44cd-bb84-4bdc9ce1cd60" providerId="ADAL" clId="{CB5AA80A-7A5E-0243-BC86-533710073A06}" dt="2023-07-22T00:23:35.043" v="363"/>
+            <ac:spMkLst>
+              <pc:docMk/>
+              <pc:sldMasterMk cId="1542020214" sldId="2147483672"/>
+              <pc:sldLayoutMk cId="2459350286" sldId="2147483677"/>
+              <ac:spMk id="6" creationId="{00000000-0000-0000-0000-000000000000}"/>
+            </ac:spMkLst>
+          </pc:spChg>
+        </pc:sldLayoutChg>
+        <pc:sldLayoutChg chg="modSp">
+          <pc:chgData name="Buhler,Cassidy" userId="f49ba29b-7965-44cd-bb84-4bdc9ce1cd60" providerId="ADAL" clId="{CB5AA80A-7A5E-0243-BC86-533710073A06}" dt="2023-07-22T00:23:35.043" v="363"/>
+          <pc:sldLayoutMkLst>
+            <pc:docMk/>
+            <pc:sldMasterMk cId="1542020214" sldId="2147483672"/>
+            <pc:sldLayoutMk cId="977041221" sldId="2147483680"/>
+          </pc:sldLayoutMkLst>
+          <pc:spChg chg="mod">
+            <ac:chgData name="Buhler,Cassidy" userId="f49ba29b-7965-44cd-bb84-4bdc9ce1cd60" providerId="ADAL" clId="{CB5AA80A-7A5E-0243-BC86-533710073A06}" dt="2023-07-22T00:23:35.043" v="363"/>
+            <ac:spMkLst>
+              <pc:docMk/>
+              <pc:sldMasterMk cId="1542020214" sldId="2147483672"/>
+              <pc:sldLayoutMk cId="977041221" sldId="2147483680"/>
+              <ac:spMk id="2" creationId="{00000000-0000-0000-0000-000000000000}"/>
+            </ac:spMkLst>
+          </pc:spChg>
+          <pc:spChg chg="mod">
+            <ac:chgData name="Buhler,Cassidy" userId="f49ba29b-7965-44cd-bb84-4bdc9ce1cd60" providerId="ADAL" clId="{CB5AA80A-7A5E-0243-BC86-533710073A06}" dt="2023-07-22T00:23:35.043" v="363"/>
+            <ac:spMkLst>
+              <pc:docMk/>
+              <pc:sldMasterMk cId="1542020214" sldId="2147483672"/>
+              <pc:sldLayoutMk cId="977041221" sldId="2147483680"/>
+              <ac:spMk id="3" creationId="{00000000-0000-0000-0000-000000000000}"/>
+            </ac:spMkLst>
+          </pc:spChg>
+          <pc:spChg chg="mod">
+            <ac:chgData name="Buhler,Cassidy" userId="f49ba29b-7965-44cd-bb84-4bdc9ce1cd60" providerId="ADAL" clId="{CB5AA80A-7A5E-0243-BC86-533710073A06}" dt="2023-07-22T00:23:35.043" v="363"/>
+            <ac:spMkLst>
+              <pc:docMk/>
+              <pc:sldMasterMk cId="1542020214" sldId="2147483672"/>
+              <pc:sldLayoutMk cId="977041221" sldId="2147483680"/>
+              <ac:spMk id="4" creationId="{00000000-0000-0000-0000-000000000000}"/>
+            </ac:spMkLst>
+          </pc:spChg>
+        </pc:sldLayoutChg>
+        <pc:sldLayoutChg chg="modSp">
+          <pc:chgData name="Buhler,Cassidy" userId="f49ba29b-7965-44cd-bb84-4bdc9ce1cd60" providerId="ADAL" clId="{CB5AA80A-7A5E-0243-BC86-533710073A06}" dt="2023-07-22T00:23:35.043" v="363"/>
+          <pc:sldLayoutMkLst>
+            <pc:docMk/>
+            <pc:sldMasterMk cId="1542020214" sldId="2147483672"/>
+            <pc:sldLayoutMk cId="3012138395" sldId="2147483681"/>
+          </pc:sldLayoutMkLst>
+          <pc:spChg chg="mod">
+            <ac:chgData name="Buhler,Cassidy" userId="f49ba29b-7965-44cd-bb84-4bdc9ce1cd60" providerId="ADAL" clId="{CB5AA80A-7A5E-0243-BC86-533710073A06}" dt="2023-07-22T00:23:35.043" v="363"/>
+            <ac:spMkLst>
+              <pc:docMk/>
+              <pc:sldMasterMk cId="1542020214" sldId="2147483672"/>
+              <pc:sldLayoutMk cId="3012138395" sldId="2147483681"/>
+              <ac:spMk id="2" creationId="{00000000-0000-0000-0000-000000000000}"/>
+            </ac:spMkLst>
+          </pc:spChg>
+          <pc:spChg chg="mod">
+            <ac:chgData name="Buhler,Cassidy" userId="f49ba29b-7965-44cd-bb84-4bdc9ce1cd60" providerId="ADAL" clId="{CB5AA80A-7A5E-0243-BC86-533710073A06}" dt="2023-07-22T00:23:35.043" v="363"/>
+            <ac:spMkLst>
+              <pc:docMk/>
+              <pc:sldMasterMk cId="1542020214" sldId="2147483672"/>
+              <pc:sldLayoutMk cId="3012138395" sldId="2147483681"/>
+              <ac:spMk id="3" creationId="{00000000-0000-0000-0000-000000000000}"/>
+            </ac:spMkLst>
+          </pc:spChg>
+          <pc:spChg chg="mod">
+            <ac:chgData name="Buhler,Cassidy" userId="f49ba29b-7965-44cd-bb84-4bdc9ce1cd60" providerId="ADAL" clId="{CB5AA80A-7A5E-0243-BC86-533710073A06}" dt="2023-07-22T00:23:35.043" v="363"/>
+            <ac:spMkLst>
+              <pc:docMk/>
+              <pc:sldMasterMk cId="1542020214" sldId="2147483672"/>
+              <pc:sldLayoutMk cId="3012138395" sldId="2147483681"/>
+              <ac:spMk id="4" creationId="{00000000-0000-0000-0000-000000000000}"/>
+            </ac:spMkLst>
+          </pc:spChg>
+        </pc:sldLayoutChg>
+        <pc:sldLayoutChg chg="modSp">
+          <pc:chgData name="Buhler,Cassidy" userId="f49ba29b-7965-44cd-bb84-4bdc9ce1cd60" providerId="ADAL" clId="{CB5AA80A-7A5E-0243-BC86-533710073A06}" dt="2023-07-22T00:23:35.043" v="363"/>
+          <pc:sldLayoutMkLst>
+            <pc:docMk/>
+            <pc:sldMasterMk cId="1542020214" sldId="2147483672"/>
+            <pc:sldLayoutMk cId="4090990635" sldId="2147483683"/>
+          </pc:sldLayoutMkLst>
+          <pc:spChg chg="mod">
+            <ac:chgData name="Buhler,Cassidy" userId="f49ba29b-7965-44cd-bb84-4bdc9ce1cd60" providerId="ADAL" clId="{CB5AA80A-7A5E-0243-BC86-533710073A06}" dt="2023-07-22T00:23:35.043" v="363"/>
+            <ac:spMkLst>
+              <pc:docMk/>
+              <pc:sldMasterMk cId="1542020214" sldId="2147483672"/>
+              <pc:sldLayoutMk cId="4090990635" sldId="2147483683"/>
+              <ac:spMk id="2" creationId="{00000000-0000-0000-0000-000000000000}"/>
+            </ac:spMkLst>
+          </pc:spChg>
+          <pc:spChg chg="mod">
+            <ac:chgData name="Buhler,Cassidy" userId="f49ba29b-7965-44cd-bb84-4bdc9ce1cd60" providerId="ADAL" clId="{CB5AA80A-7A5E-0243-BC86-533710073A06}" dt="2023-07-22T00:23:35.043" v="363"/>
+            <ac:spMkLst>
+              <pc:docMk/>
+              <pc:sldMasterMk cId="1542020214" sldId="2147483672"/>
+              <pc:sldLayoutMk cId="4090990635" sldId="2147483683"/>
+              <ac:spMk id="3" creationId="{00000000-0000-0000-0000-000000000000}"/>
+            </ac:spMkLst>
+          </pc:spChg>
+        </pc:sldLayoutChg>
+      </pc:sldMasterChg>
+    </pc:docChg>
+  </pc:docChgLst>
+</pc:chgInfo>
+</file>
+
 <file path=ppt/slideLayouts/slideLayout1.xml><?xml version="1.0" encoding="utf-8"?>
 <p:sldLayout xmlns:a="http://schemas.openxmlformats.org/drawingml/2006/main" xmlns:r="http://schemas.openxmlformats.org/officeDocument/2006/relationships" xmlns:p="http://schemas.openxmlformats.org/presentationml/2006/main" type="title" preserve="1">
   <p:cSld name="Title Slide">
@@ -141,15 +1131,15 @@
         </p:nvSpPr>
         <p:spPr>
           <a:xfrm>
-            <a:off x="514350" y="1621191"/>
-            <a:ext cx="5829300" cy="3448756"/>
+            <a:off x="822960" y="1795781"/>
+            <a:ext cx="9326880" cy="3820160"/>
           </a:xfrm>
         </p:spPr>
         <p:txBody>
           <a:bodyPr anchor="b"/>
           <a:lstStyle>
             <a:lvl1pPr algn="ctr">
-              <a:defRPr sz="4500"/>
+              <a:defRPr sz="7200"/>
             </a:lvl1pPr>
           </a:lstStyle>
           <a:p>
@@ -173,8 +1163,8 @@
         </p:nvSpPr>
         <p:spPr>
           <a:xfrm>
-            <a:off x="857250" y="5202944"/>
-            <a:ext cx="5143500" cy="2391656"/>
+            <a:off x="1371600" y="5763261"/>
+            <a:ext cx="8229600" cy="2649219"/>
           </a:xfrm>
         </p:spPr>
         <p:txBody>
@@ -182,39 +1172,39 @@
           <a:lstStyle>
             <a:lvl1pPr marL="0" indent="0" algn="ctr">
               <a:buNone/>
-              <a:defRPr sz="1800"/>
+              <a:defRPr sz="2880"/>
             </a:lvl1pPr>
-            <a:lvl2pPr marL="342900" indent="0" algn="ctr">
+            <a:lvl2pPr marL="548640" indent="0" algn="ctr">
               <a:buNone/>
-              <a:defRPr sz="1500"/>
+              <a:defRPr sz="2400"/>
             </a:lvl2pPr>
-            <a:lvl3pPr marL="685800" indent="0" algn="ctr">
+            <a:lvl3pPr marL="1097280" indent="0" algn="ctr">
               <a:buNone/>
-              <a:defRPr sz="1350"/>
+              <a:defRPr sz="2160"/>
             </a:lvl3pPr>
-            <a:lvl4pPr marL="1028700" indent="0" algn="ctr">
+            <a:lvl4pPr marL="1645920" indent="0" algn="ctr">
               <a:buNone/>
-              <a:defRPr sz="1200"/>
+              <a:defRPr sz="1920"/>
             </a:lvl4pPr>
-            <a:lvl5pPr marL="1371600" indent="0" algn="ctr">
+            <a:lvl5pPr marL="2194560" indent="0" algn="ctr">
               <a:buNone/>
-              <a:defRPr sz="1200"/>
+              <a:defRPr sz="1920"/>
             </a:lvl5pPr>
-            <a:lvl6pPr marL="1714500" indent="0" algn="ctr">
+            <a:lvl6pPr marL="2743200" indent="0" algn="ctr">
               <a:buNone/>
-              <a:defRPr sz="1200"/>
+              <a:defRPr sz="1920"/>
             </a:lvl6pPr>
-            <a:lvl7pPr marL="2057400" indent="0" algn="ctr">
+            <a:lvl7pPr marL="3291840" indent="0" algn="ctr">
               <a:buNone/>
-              <a:defRPr sz="1200"/>
+              <a:defRPr sz="1920"/>
             </a:lvl7pPr>
-            <a:lvl8pPr marL="2400300" indent="0" algn="ctr">
+            <a:lvl8pPr marL="3840480" indent="0" algn="ctr">
               <a:buNone/>
-              <a:defRPr sz="1200"/>
+              <a:defRPr sz="1920"/>
             </a:lvl8pPr>
-            <a:lvl9pPr marL="2743200" indent="0" algn="ctr">
+            <a:lvl9pPr marL="4389120" indent="0" algn="ctr">
               <a:buNone/>
-              <a:defRPr sz="1200"/>
+              <a:defRPr sz="1920"/>
             </a:lvl9pPr>
           </a:lstStyle>
           <a:p>
@@ -243,7 +1233,7 @@
           <a:p>
             <a:fld id="{D4AD48F8-C74A-9A4B-B71A-FFDC0F19D736}" type="datetimeFigureOut">
               <a:rPr lang="en-US" smtClean="0"/>
-              <a:t>7/5/23</a:t>
+              <a:t>7/21/23</a:t>
             </a:fld>
             <a:endParaRPr lang="en-US"/>
           </a:p>
@@ -294,7 +1284,7 @@
     </p:spTree>
     <p:extLst>
       <p:ext uri="{BB962C8B-B14F-4D97-AF65-F5344CB8AC3E}">
-        <p14:creationId xmlns:p14="http://schemas.microsoft.com/office/powerpoint/2010/main" val="145266410"/>
+        <p14:creationId xmlns:p14="http://schemas.microsoft.com/office/powerpoint/2010/main" val="144518468"/>
       </p:ext>
     </p:extLst>
   </p:cSld>
@@ -413,7 +1403,7 @@
           <a:p>
             <a:fld id="{D4AD48F8-C74A-9A4B-B71A-FFDC0F19D736}" type="datetimeFigureOut">
               <a:rPr lang="en-US" smtClean="0"/>
-              <a:t>7/5/23</a:t>
+              <a:t>7/21/23</a:t>
             </a:fld>
             <a:endParaRPr lang="en-US"/>
           </a:p>
@@ -464,7 +1454,7 @@
     </p:spTree>
     <p:extLst>
       <p:ext uri="{BB962C8B-B14F-4D97-AF65-F5344CB8AC3E}">
-        <p14:creationId xmlns:p14="http://schemas.microsoft.com/office/powerpoint/2010/main" val="1660916765"/>
+        <p14:creationId xmlns:p14="http://schemas.microsoft.com/office/powerpoint/2010/main" val="2779493362"/>
       </p:ext>
     </p:extLst>
   </p:cSld>
@@ -503,8 +1493,8 @@
         </p:nvSpPr>
         <p:spPr>
           <a:xfrm>
-            <a:off x="4907757" y="527403"/>
-            <a:ext cx="1478756" cy="8394877"/>
+            <a:off x="7852411" y="584200"/>
+            <a:ext cx="2366010" cy="9298941"/>
           </a:xfrm>
         </p:spPr>
         <p:txBody>
@@ -531,8 +1521,8 @@
         </p:nvSpPr>
         <p:spPr>
           <a:xfrm>
-            <a:off x="471488" y="527403"/>
-            <a:ext cx="4350544" cy="8394877"/>
+            <a:off x="754381" y="584200"/>
+            <a:ext cx="6960870" cy="9298941"/>
           </a:xfrm>
         </p:spPr>
         <p:txBody>
@@ -593,7 +1583,7 @@
           <a:p>
             <a:fld id="{D4AD48F8-C74A-9A4B-B71A-FFDC0F19D736}" type="datetimeFigureOut">
               <a:rPr lang="en-US" smtClean="0"/>
-              <a:t>7/5/23</a:t>
+              <a:t>7/21/23</a:t>
             </a:fld>
             <a:endParaRPr lang="en-US"/>
           </a:p>
@@ -644,7 +1634,7 @@
     </p:spTree>
     <p:extLst>
       <p:ext uri="{BB962C8B-B14F-4D97-AF65-F5344CB8AC3E}">
-        <p14:creationId xmlns:p14="http://schemas.microsoft.com/office/powerpoint/2010/main" val="4090990635"/>
+        <p14:creationId xmlns:p14="http://schemas.microsoft.com/office/powerpoint/2010/main" val="2152965102"/>
       </p:ext>
     </p:extLst>
   </p:cSld>
@@ -763,7 +1753,7 @@
           <a:p>
             <a:fld id="{D4AD48F8-C74A-9A4B-B71A-FFDC0F19D736}" type="datetimeFigureOut">
               <a:rPr lang="en-US" smtClean="0"/>
-              <a:t>7/5/23</a:t>
+              <a:t>7/21/23</a:t>
             </a:fld>
             <a:endParaRPr lang="en-US"/>
           </a:p>
@@ -814,7 +1804,7 @@
     </p:spTree>
     <p:extLst>
       <p:ext uri="{BB962C8B-B14F-4D97-AF65-F5344CB8AC3E}">
-        <p14:creationId xmlns:p14="http://schemas.microsoft.com/office/powerpoint/2010/main" val="3924575392"/>
+        <p14:creationId xmlns:p14="http://schemas.microsoft.com/office/powerpoint/2010/main" val="3697719490"/>
       </p:ext>
     </p:extLst>
   </p:cSld>
@@ -853,15 +1843,15 @@
         </p:nvSpPr>
         <p:spPr>
           <a:xfrm>
-            <a:off x="467916" y="2469624"/>
-            <a:ext cx="5915025" cy="4120620"/>
+            <a:off x="748666" y="2735583"/>
+            <a:ext cx="9464040" cy="4564379"/>
           </a:xfrm>
         </p:spPr>
         <p:txBody>
           <a:bodyPr anchor="b"/>
           <a:lstStyle>
             <a:lvl1pPr>
-              <a:defRPr sz="4500"/>
+              <a:defRPr sz="7200"/>
             </a:lvl1pPr>
           </a:lstStyle>
           <a:p>
@@ -885,8 +1875,8 @@
         </p:nvSpPr>
         <p:spPr>
           <a:xfrm>
-            <a:off x="467916" y="6629226"/>
-            <a:ext cx="5915025" cy="2166937"/>
+            <a:off x="748666" y="7343143"/>
+            <a:ext cx="9464040" cy="2400299"/>
           </a:xfrm>
         </p:spPr>
         <p:txBody>
@@ -894,15 +1884,15 @@
           <a:lstStyle>
             <a:lvl1pPr marL="0" indent="0">
               <a:buNone/>
-              <a:defRPr sz="1800">
+              <a:defRPr sz="2880">
                 <a:solidFill>
                   <a:schemeClr val="tx1"/>
                 </a:solidFill>
               </a:defRPr>
             </a:lvl1pPr>
-            <a:lvl2pPr marL="342900" indent="0">
+            <a:lvl2pPr marL="548640" indent="0">
               <a:buNone/>
-              <a:defRPr sz="1500">
+              <a:defRPr sz="2400">
                 <a:solidFill>
                   <a:schemeClr val="tx1">
                     <a:tint val="75000"/>
@@ -910,9 +1900,9 @@
                 </a:solidFill>
               </a:defRPr>
             </a:lvl2pPr>
-            <a:lvl3pPr marL="685800" indent="0">
+            <a:lvl3pPr marL="1097280" indent="0">
               <a:buNone/>
-              <a:defRPr sz="1350">
+              <a:defRPr sz="2160">
                 <a:solidFill>
                   <a:schemeClr val="tx1">
                     <a:tint val="75000"/>
@@ -920,9 +1910,9 @@
                 </a:solidFill>
               </a:defRPr>
             </a:lvl3pPr>
-            <a:lvl4pPr marL="1028700" indent="0">
+            <a:lvl4pPr marL="1645920" indent="0">
               <a:buNone/>
-              <a:defRPr sz="1200">
+              <a:defRPr sz="1920">
                 <a:solidFill>
                   <a:schemeClr val="tx1">
                     <a:tint val="75000"/>
@@ -930,9 +1920,9 @@
                 </a:solidFill>
               </a:defRPr>
             </a:lvl4pPr>
-            <a:lvl5pPr marL="1371600" indent="0">
+            <a:lvl5pPr marL="2194560" indent="0">
               <a:buNone/>
-              <a:defRPr sz="1200">
+              <a:defRPr sz="1920">
                 <a:solidFill>
                   <a:schemeClr val="tx1">
                     <a:tint val="75000"/>
@@ -940,9 +1930,9 @@
                 </a:solidFill>
               </a:defRPr>
             </a:lvl5pPr>
-            <a:lvl6pPr marL="1714500" indent="0">
+            <a:lvl6pPr marL="2743200" indent="0">
               <a:buNone/>
-              <a:defRPr sz="1200">
+              <a:defRPr sz="1920">
                 <a:solidFill>
                   <a:schemeClr val="tx1">
                     <a:tint val="75000"/>
@@ -950,9 +1940,9 @@
                 </a:solidFill>
               </a:defRPr>
             </a:lvl6pPr>
-            <a:lvl7pPr marL="2057400" indent="0">
+            <a:lvl7pPr marL="3291840" indent="0">
               <a:buNone/>
-              <a:defRPr sz="1200">
+              <a:defRPr sz="1920">
                 <a:solidFill>
                   <a:schemeClr val="tx1">
                     <a:tint val="75000"/>
@@ -960,9 +1950,9 @@
                 </a:solidFill>
               </a:defRPr>
             </a:lvl7pPr>
-            <a:lvl8pPr marL="2400300" indent="0">
+            <a:lvl8pPr marL="3840480" indent="0">
               <a:buNone/>
-              <a:defRPr sz="1200">
+              <a:defRPr sz="1920">
                 <a:solidFill>
                   <a:schemeClr val="tx1">
                     <a:tint val="75000"/>
@@ -970,9 +1960,9 @@
                 </a:solidFill>
               </a:defRPr>
             </a:lvl8pPr>
-            <a:lvl9pPr marL="2743200" indent="0">
+            <a:lvl9pPr marL="4389120" indent="0">
               <a:buNone/>
-              <a:defRPr sz="1200">
+              <a:defRPr sz="1920">
                 <a:solidFill>
                   <a:schemeClr val="tx1">
                     <a:tint val="75000"/>
@@ -1007,7 +1997,7 @@
           <a:p>
             <a:fld id="{D4AD48F8-C74A-9A4B-B71A-FFDC0F19D736}" type="datetimeFigureOut">
               <a:rPr lang="en-US" smtClean="0"/>
-              <a:t>7/5/23</a:t>
+              <a:t>7/21/23</a:t>
             </a:fld>
             <a:endParaRPr lang="en-US"/>
           </a:p>
@@ -1058,7 +2048,7 @@
     </p:spTree>
     <p:extLst>
       <p:ext uri="{BB962C8B-B14F-4D97-AF65-F5344CB8AC3E}">
-        <p14:creationId xmlns:p14="http://schemas.microsoft.com/office/powerpoint/2010/main" val="823589854"/>
+        <p14:creationId xmlns:p14="http://schemas.microsoft.com/office/powerpoint/2010/main" val="3668026809"/>
       </p:ext>
     </p:extLst>
   </p:cSld>
@@ -1120,8 +2110,8 @@
         </p:nvSpPr>
         <p:spPr>
           <a:xfrm>
-            <a:off x="471488" y="2637014"/>
-            <a:ext cx="2914650" cy="6285266"/>
+            <a:off x="754380" y="2921000"/>
+            <a:ext cx="4663440" cy="6962141"/>
           </a:xfrm>
         </p:spPr>
         <p:txBody>
@@ -1177,8 +2167,8 @@
         </p:nvSpPr>
         <p:spPr>
           <a:xfrm>
-            <a:off x="3471863" y="2637014"/>
-            <a:ext cx="2914650" cy="6285266"/>
+            <a:off x="5554980" y="2921000"/>
+            <a:ext cx="4663440" cy="6962141"/>
           </a:xfrm>
         </p:spPr>
         <p:txBody>
@@ -1239,7 +2229,7 @@
           <a:p>
             <a:fld id="{D4AD48F8-C74A-9A4B-B71A-FFDC0F19D736}" type="datetimeFigureOut">
               <a:rPr lang="en-US" smtClean="0"/>
-              <a:t>7/5/23</a:t>
+              <a:t>7/21/23</a:t>
             </a:fld>
             <a:endParaRPr lang="en-US"/>
           </a:p>
@@ -1290,7 +2280,7 @@
     </p:spTree>
     <p:extLst>
       <p:ext uri="{BB962C8B-B14F-4D97-AF65-F5344CB8AC3E}">
-        <p14:creationId xmlns:p14="http://schemas.microsoft.com/office/powerpoint/2010/main" val="450720795"/>
+        <p14:creationId xmlns:p14="http://schemas.microsoft.com/office/powerpoint/2010/main" val="4292875883"/>
       </p:ext>
     </p:extLst>
   </p:cSld>
@@ -1329,8 +2319,8 @@
         </p:nvSpPr>
         <p:spPr>
           <a:xfrm>
-            <a:off x="472381" y="527405"/>
-            <a:ext cx="5915025" cy="1914702"/>
+            <a:off x="755809" y="584202"/>
+            <a:ext cx="9464040" cy="2120901"/>
           </a:xfrm>
         </p:spPr>
         <p:txBody>
@@ -1357,8 +2347,8 @@
         </p:nvSpPr>
         <p:spPr>
           <a:xfrm>
-            <a:off x="472381" y="2428347"/>
-            <a:ext cx="2901255" cy="1190095"/>
+            <a:off x="755810" y="2689861"/>
+            <a:ext cx="4642008" cy="1318259"/>
           </a:xfrm>
         </p:spPr>
         <p:txBody>
@@ -1366,39 +2356,39 @@
           <a:lstStyle>
             <a:lvl1pPr marL="0" indent="0">
               <a:buNone/>
-              <a:defRPr sz="1800" b="1"/>
+              <a:defRPr sz="2880" b="1"/>
             </a:lvl1pPr>
-            <a:lvl2pPr marL="342900" indent="0">
+            <a:lvl2pPr marL="548640" indent="0">
               <a:buNone/>
-              <a:defRPr sz="1500" b="1"/>
+              <a:defRPr sz="2400" b="1"/>
             </a:lvl2pPr>
-            <a:lvl3pPr marL="685800" indent="0">
+            <a:lvl3pPr marL="1097280" indent="0">
               <a:buNone/>
-              <a:defRPr sz="1350" b="1"/>
+              <a:defRPr sz="2160" b="1"/>
             </a:lvl3pPr>
-            <a:lvl4pPr marL="1028700" indent="0">
+            <a:lvl4pPr marL="1645920" indent="0">
               <a:buNone/>
-              <a:defRPr sz="1200" b="1"/>
+              <a:defRPr sz="1920" b="1"/>
             </a:lvl4pPr>
-            <a:lvl5pPr marL="1371600" indent="0">
+            <a:lvl5pPr marL="2194560" indent="0">
               <a:buNone/>
-              <a:defRPr sz="1200" b="1"/>
+              <a:defRPr sz="1920" b="1"/>
             </a:lvl5pPr>
-            <a:lvl6pPr marL="1714500" indent="0">
+            <a:lvl6pPr marL="2743200" indent="0">
               <a:buNone/>
-              <a:defRPr sz="1200" b="1"/>
+              <a:defRPr sz="1920" b="1"/>
             </a:lvl6pPr>
-            <a:lvl7pPr marL="2057400" indent="0">
+            <a:lvl7pPr marL="3291840" indent="0">
               <a:buNone/>
-              <a:defRPr sz="1200" b="1"/>
+              <a:defRPr sz="1920" b="1"/>
             </a:lvl7pPr>
-            <a:lvl8pPr marL="2400300" indent="0">
+            <a:lvl8pPr marL="3840480" indent="0">
               <a:buNone/>
-              <a:defRPr sz="1200" b="1"/>
+              <a:defRPr sz="1920" b="1"/>
             </a:lvl8pPr>
-            <a:lvl9pPr marL="2743200" indent="0">
+            <a:lvl9pPr marL="4389120" indent="0">
               <a:buNone/>
-              <a:defRPr sz="1200" b="1"/>
+              <a:defRPr sz="1920" b="1"/>
             </a:lvl9pPr>
           </a:lstStyle>
           <a:p>
@@ -1422,8 +2412,8 @@
         </p:nvSpPr>
         <p:spPr>
           <a:xfrm>
-            <a:off x="472381" y="3618442"/>
-            <a:ext cx="2901255" cy="5322183"/>
+            <a:off x="755810" y="4008120"/>
+            <a:ext cx="4642008" cy="5895341"/>
           </a:xfrm>
         </p:spPr>
         <p:txBody>
@@ -1479,8 +2469,8 @@
         </p:nvSpPr>
         <p:spPr>
           <a:xfrm>
-            <a:off x="3471863" y="2428347"/>
-            <a:ext cx="2915543" cy="1190095"/>
+            <a:off x="5554981" y="2689861"/>
+            <a:ext cx="4664869" cy="1318259"/>
           </a:xfrm>
         </p:spPr>
         <p:txBody>
@@ -1488,39 +2478,39 @@
           <a:lstStyle>
             <a:lvl1pPr marL="0" indent="0">
               <a:buNone/>
-              <a:defRPr sz="1800" b="1"/>
+              <a:defRPr sz="2880" b="1"/>
             </a:lvl1pPr>
-            <a:lvl2pPr marL="342900" indent="0">
+            <a:lvl2pPr marL="548640" indent="0">
               <a:buNone/>
-              <a:defRPr sz="1500" b="1"/>
+              <a:defRPr sz="2400" b="1"/>
             </a:lvl2pPr>
-            <a:lvl3pPr marL="685800" indent="0">
+            <a:lvl3pPr marL="1097280" indent="0">
               <a:buNone/>
-              <a:defRPr sz="1350" b="1"/>
+              <a:defRPr sz="2160" b="1"/>
             </a:lvl3pPr>
-            <a:lvl4pPr marL="1028700" indent="0">
+            <a:lvl4pPr marL="1645920" indent="0">
               <a:buNone/>
-              <a:defRPr sz="1200" b="1"/>
+              <a:defRPr sz="1920" b="1"/>
             </a:lvl4pPr>
-            <a:lvl5pPr marL="1371600" indent="0">
+            <a:lvl5pPr marL="2194560" indent="0">
               <a:buNone/>
-              <a:defRPr sz="1200" b="1"/>
+              <a:defRPr sz="1920" b="1"/>
             </a:lvl5pPr>
-            <a:lvl6pPr marL="1714500" indent="0">
+            <a:lvl6pPr marL="2743200" indent="0">
               <a:buNone/>
-              <a:defRPr sz="1200" b="1"/>
+              <a:defRPr sz="1920" b="1"/>
             </a:lvl6pPr>
-            <a:lvl7pPr marL="2057400" indent="0">
+            <a:lvl7pPr marL="3291840" indent="0">
               <a:buNone/>
-              <a:defRPr sz="1200" b="1"/>
+              <a:defRPr sz="1920" b="1"/>
             </a:lvl7pPr>
-            <a:lvl8pPr marL="2400300" indent="0">
+            <a:lvl8pPr marL="3840480" indent="0">
               <a:buNone/>
-              <a:defRPr sz="1200" b="1"/>
+              <a:defRPr sz="1920" b="1"/>
             </a:lvl8pPr>
-            <a:lvl9pPr marL="2743200" indent="0">
+            <a:lvl9pPr marL="4389120" indent="0">
               <a:buNone/>
-              <a:defRPr sz="1200" b="1"/>
+              <a:defRPr sz="1920" b="1"/>
             </a:lvl9pPr>
           </a:lstStyle>
           <a:p>
@@ -1544,8 +2534,8 @@
         </p:nvSpPr>
         <p:spPr>
           <a:xfrm>
-            <a:off x="3471863" y="3618442"/>
-            <a:ext cx="2915543" cy="5322183"/>
+            <a:off x="5554981" y="4008120"/>
+            <a:ext cx="4664869" cy="5895341"/>
           </a:xfrm>
         </p:spPr>
         <p:txBody>
@@ -1606,7 +2596,7 @@
           <a:p>
             <a:fld id="{D4AD48F8-C74A-9A4B-B71A-FFDC0F19D736}" type="datetimeFigureOut">
               <a:rPr lang="en-US" smtClean="0"/>
-              <a:t>7/5/23</a:t>
+              <a:t>7/21/23</a:t>
             </a:fld>
             <a:endParaRPr lang="en-US"/>
           </a:p>
@@ -1657,7 +2647,7 @@
     </p:spTree>
     <p:extLst>
       <p:ext uri="{BB962C8B-B14F-4D97-AF65-F5344CB8AC3E}">
-        <p14:creationId xmlns:p14="http://schemas.microsoft.com/office/powerpoint/2010/main" val="2459350286"/>
+        <p14:creationId xmlns:p14="http://schemas.microsoft.com/office/powerpoint/2010/main" val="2809080962"/>
       </p:ext>
     </p:extLst>
   </p:cSld>
@@ -1724,7 +2714,7 @@
           <a:p>
             <a:fld id="{D4AD48F8-C74A-9A4B-B71A-FFDC0F19D736}" type="datetimeFigureOut">
               <a:rPr lang="en-US" smtClean="0"/>
-              <a:t>7/5/23</a:t>
+              <a:t>7/21/23</a:t>
             </a:fld>
             <a:endParaRPr lang="en-US"/>
           </a:p>
@@ -1775,7 +2765,7 @@
     </p:spTree>
     <p:extLst>
       <p:ext uri="{BB962C8B-B14F-4D97-AF65-F5344CB8AC3E}">
-        <p14:creationId xmlns:p14="http://schemas.microsoft.com/office/powerpoint/2010/main" val="3062640071"/>
+        <p14:creationId xmlns:p14="http://schemas.microsoft.com/office/powerpoint/2010/main" val="1404964755"/>
       </p:ext>
     </p:extLst>
   </p:cSld>
@@ -1819,7 +2809,7 @@
           <a:p>
             <a:fld id="{D4AD48F8-C74A-9A4B-B71A-FFDC0F19D736}" type="datetimeFigureOut">
               <a:rPr lang="en-US" smtClean="0"/>
-              <a:t>7/5/23</a:t>
+              <a:t>7/21/23</a:t>
             </a:fld>
             <a:endParaRPr lang="en-US"/>
           </a:p>
@@ -1870,7 +2860,7 @@
     </p:spTree>
     <p:extLst>
       <p:ext uri="{BB962C8B-B14F-4D97-AF65-F5344CB8AC3E}">
-        <p14:creationId xmlns:p14="http://schemas.microsoft.com/office/powerpoint/2010/main" val="946874270"/>
+        <p14:creationId xmlns:p14="http://schemas.microsoft.com/office/powerpoint/2010/main" val="588612535"/>
       </p:ext>
     </p:extLst>
   </p:cSld>
@@ -1909,15 +2899,15 @@
         </p:nvSpPr>
         <p:spPr>
           <a:xfrm>
-            <a:off x="472381" y="660400"/>
-            <a:ext cx="2211884" cy="2311400"/>
+            <a:off x="755809" y="731520"/>
+            <a:ext cx="3539014" cy="2560320"/>
           </a:xfrm>
         </p:spPr>
         <p:txBody>
           <a:bodyPr anchor="b"/>
           <a:lstStyle>
             <a:lvl1pPr>
-              <a:defRPr sz="2400"/>
+              <a:defRPr sz="3840"/>
             </a:lvl1pPr>
           </a:lstStyle>
           <a:p>
@@ -1941,39 +2931,39 @@
         </p:nvSpPr>
         <p:spPr>
           <a:xfrm>
-            <a:off x="2915543" y="1426283"/>
-            <a:ext cx="3471863" cy="7039681"/>
+            <a:off x="4664869" y="1579882"/>
+            <a:ext cx="5554980" cy="7797800"/>
           </a:xfrm>
         </p:spPr>
         <p:txBody>
           <a:bodyPr/>
           <a:lstStyle>
             <a:lvl1pPr>
-              <a:defRPr sz="2400"/>
+              <a:defRPr sz="3840"/>
             </a:lvl1pPr>
             <a:lvl2pPr>
-              <a:defRPr sz="2100"/>
+              <a:defRPr sz="3360"/>
             </a:lvl2pPr>
             <a:lvl3pPr>
-              <a:defRPr sz="1800"/>
+              <a:defRPr sz="2880"/>
             </a:lvl3pPr>
             <a:lvl4pPr>
-              <a:defRPr sz="1500"/>
+              <a:defRPr sz="2400"/>
             </a:lvl4pPr>
             <a:lvl5pPr>
-              <a:defRPr sz="1500"/>
+              <a:defRPr sz="2400"/>
             </a:lvl5pPr>
             <a:lvl6pPr>
-              <a:defRPr sz="1500"/>
+              <a:defRPr sz="2400"/>
             </a:lvl6pPr>
             <a:lvl7pPr>
-              <a:defRPr sz="1500"/>
+              <a:defRPr sz="2400"/>
             </a:lvl7pPr>
             <a:lvl8pPr>
-              <a:defRPr sz="1500"/>
+              <a:defRPr sz="2400"/>
             </a:lvl8pPr>
             <a:lvl9pPr>
-              <a:defRPr sz="1500"/>
+              <a:defRPr sz="2400"/>
             </a:lvl9pPr>
           </a:lstStyle>
           <a:p>
@@ -2026,8 +3016,8 @@
         </p:nvSpPr>
         <p:spPr>
           <a:xfrm>
-            <a:off x="472381" y="2971800"/>
-            <a:ext cx="2211884" cy="5505627"/>
+            <a:off x="755809" y="3291840"/>
+            <a:ext cx="3539014" cy="6098541"/>
           </a:xfrm>
         </p:spPr>
         <p:txBody>
@@ -2035,39 +3025,39 @@
           <a:lstStyle>
             <a:lvl1pPr marL="0" indent="0">
               <a:buNone/>
+              <a:defRPr sz="1920"/>
+            </a:lvl1pPr>
+            <a:lvl2pPr marL="548640" indent="0">
+              <a:buNone/>
+              <a:defRPr sz="1680"/>
+            </a:lvl2pPr>
+            <a:lvl3pPr marL="1097280" indent="0">
+              <a:buNone/>
+              <a:defRPr sz="1440"/>
+            </a:lvl3pPr>
+            <a:lvl4pPr marL="1645920" indent="0">
+              <a:buNone/>
               <a:defRPr sz="1200"/>
-            </a:lvl1pPr>
-            <a:lvl2pPr marL="342900" indent="0">
+            </a:lvl4pPr>
+            <a:lvl5pPr marL="2194560" indent="0">
               <a:buNone/>
-              <a:defRPr sz="1050"/>
-            </a:lvl2pPr>
-            <a:lvl3pPr marL="685800" indent="0">
+              <a:defRPr sz="1200"/>
+            </a:lvl5pPr>
+            <a:lvl6pPr marL="2743200" indent="0">
               <a:buNone/>
-              <a:defRPr sz="900"/>
-            </a:lvl3pPr>
-            <a:lvl4pPr marL="1028700" indent="0">
+              <a:defRPr sz="1200"/>
+            </a:lvl6pPr>
+            <a:lvl7pPr marL="3291840" indent="0">
               <a:buNone/>
-              <a:defRPr sz="750"/>
-            </a:lvl4pPr>
-            <a:lvl5pPr marL="1371600" indent="0">
+              <a:defRPr sz="1200"/>
+            </a:lvl7pPr>
+            <a:lvl8pPr marL="3840480" indent="0">
               <a:buNone/>
-              <a:defRPr sz="750"/>
-            </a:lvl5pPr>
-            <a:lvl6pPr marL="1714500" indent="0">
+              <a:defRPr sz="1200"/>
+            </a:lvl8pPr>
+            <a:lvl9pPr marL="4389120" indent="0">
               <a:buNone/>
-              <a:defRPr sz="750"/>
-            </a:lvl6pPr>
-            <a:lvl7pPr marL="2057400" indent="0">
-              <a:buNone/>
-              <a:defRPr sz="750"/>
-            </a:lvl7pPr>
-            <a:lvl8pPr marL="2400300" indent="0">
-              <a:buNone/>
-              <a:defRPr sz="750"/>
-            </a:lvl8pPr>
-            <a:lvl9pPr marL="2743200" indent="0">
-              <a:buNone/>
-              <a:defRPr sz="750"/>
+              <a:defRPr sz="1200"/>
             </a:lvl9pPr>
           </a:lstStyle>
           <a:p>
@@ -2096,7 +3086,7 @@
           <a:p>
             <a:fld id="{D4AD48F8-C74A-9A4B-B71A-FFDC0F19D736}" type="datetimeFigureOut">
               <a:rPr lang="en-US" smtClean="0"/>
-              <a:t>7/5/23</a:t>
+              <a:t>7/21/23</a:t>
             </a:fld>
             <a:endParaRPr lang="en-US"/>
           </a:p>
@@ -2147,7 +3137,7 @@
     </p:spTree>
     <p:extLst>
       <p:ext uri="{BB962C8B-B14F-4D97-AF65-F5344CB8AC3E}">
-        <p14:creationId xmlns:p14="http://schemas.microsoft.com/office/powerpoint/2010/main" val="977041221"/>
+        <p14:creationId xmlns:p14="http://schemas.microsoft.com/office/powerpoint/2010/main" val="3046475785"/>
       </p:ext>
     </p:extLst>
   </p:cSld>
@@ -2186,15 +3176,15 @@
         </p:nvSpPr>
         <p:spPr>
           <a:xfrm>
-            <a:off x="472381" y="660400"/>
-            <a:ext cx="2211884" cy="2311400"/>
+            <a:off x="755809" y="731520"/>
+            <a:ext cx="3539014" cy="2560320"/>
           </a:xfrm>
         </p:spPr>
         <p:txBody>
           <a:bodyPr anchor="b"/>
           <a:lstStyle>
             <a:lvl1pPr>
-              <a:defRPr sz="2400"/>
+              <a:defRPr sz="3840"/>
             </a:lvl1pPr>
           </a:lstStyle>
           <a:p>
@@ -2218,8 +3208,8 @@
         </p:nvSpPr>
         <p:spPr>
           <a:xfrm>
-            <a:off x="2915543" y="1426283"/>
-            <a:ext cx="3471863" cy="7039681"/>
+            <a:off x="4664869" y="1579882"/>
+            <a:ext cx="5554980" cy="7797800"/>
           </a:xfrm>
         </p:spPr>
         <p:txBody>
@@ -2227,39 +3217,39 @@
           <a:lstStyle>
             <a:lvl1pPr marL="0" indent="0">
               <a:buNone/>
+              <a:defRPr sz="3840"/>
+            </a:lvl1pPr>
+            <a:lvl2pPr marL="548640" indent="0">
+              <a:buNone/>
+              <a:defRPr sz="3360"/>
+            </a:lvl2pPr>
+            <a:lvl3pPr marL="1097280" indent="0">
+              <a:buNone/>
+              <a:defRPr sz="2880"/>
+            </a:lvl3pPr>
+            <a:lvl4pPr marL="1645920" indent="0">
+              <a:buNone/>
               <a:defRPr sz="2400"/>
-            </a:lvl1pPr>
-            <a:lvl2pPr marL="342900" indent="0">
+            </a:lvl4pPr>
+            <a:lvl5pPr marL="2194560" indent="0">
               <a:buNone/>
-              <a:defRPr sz="2100"/>
-            </a:lvl2pPr>
-            <a:lvl3pPr marL="685800" indent="0">
+              <a:defRPr sz="2400"/>
+            </a:lvl5pPr>
+            <a:lvl6pPr marL="2743200" indent="0">
               <a:buNone/>
-              <a:defRPr sz="1800"/>
-            </a:lvl3pPr>
-            <a:lvl4pPr marL="1028700" indent="0">
+              <a:defRPr sz="2400"/>
+            </a:lvl6pPr>
+            <a:lvl7pPr marL="3291840" indent="0">
               <a:buNone/>
-              <a:defRPr sz="1500"/>
-            </a:lvl4pPr>
-            <a:lvl5pPr marL="1371600" indent="0">
+              <a:defRPr sz="2400"/>
+            </a:lvl7pPr>
+            <a:lvl8pPr marL="3840480" indent="0">
               <a:buNone/>
-              <a:defRPr sz="1500"/>
-            </a:lvl5pPr>
-            <a:lvl6pPr marL="1714500" indent="0">
+              <a:defRPr sz="2400"/>
+            </a:lvl8pPr>
+            <a:lvl9pPr marL="4389120" indent="0">
               <a:buNone/>
-              <a:defRPr sz="1500"/>
-            </a:lvl6pPr>
-            <a:lvl7pPr marL="2057400" indent="0">
-              <a:buNone/>
-              <a:defRPr sz="1500"/>
-            </a:lvl7pPr>
-            <a:lvl8pPr marL="2400300" indent="0">
-              <a:buNone/>
-              <a:defRPr sz="1500"/>
-            </a:lvl8pPr>
-            <a:lvl9pPr marL="2743200" indent="0">
-              <a:buNone/>
-              <a:defRPr sz="1500"/>
+              <a:defRPr sz="2400"/>
             </a:lvl9pPr>
           </a:lstStyle>
           <a:p>
@@ -2283,8 +3273,8 @@
         </p:nvSpPr>
         <p:spPr>
           <a:xfrm>
-            <a:off x="472381" y="2971800"/>
-            <a:ext cx="2211884" cy="5505627"/>
+            <a:off x="755809" y="3291840"/>
+            <a:ext cx="3539014" cy="6098541"/>
           </a:xfrm>
         </p:spPr>
         <p:txBody>
@@ -2292,39 +3282,39 @@
           <a:lstStyle>
             <a:lvl1pPr marL="0" indent="0">
               <a:buNone/>
+              <a:defRPr sz="1920"/>
+            </a:lvl1pPr>
+            <a:lvl2pPr marL="548640" indent="0">
+              <a:buNone/>
+              <a:defRPr sz="1680"/>
+            </a:lvl2pPr>
+            <a:lvl3pPr marL="1097280" indent="0">
+              <a:buNone/>
+              <a:defRPr sz="1440"/>
+            </a:lvl3pPr>
+            <a:lvl4pPr marL="1645920" indent="0">
+              <a:buNone/>
               <a:defRPr sz="1200"/>
-            </a:lvl1pPr>
-            <a:lvl2pPr marL="342900" indent="0">
+            </a:lvl4pPr>
+            <a:lvl5pPr marL="2194560" indent="0">
               <a:buNone/>
-              <a:defRPr sz="1050"/>
-            </a:lvl2pPr>
-            <a:lvl3pPr marL="685800" indent="0">
+              <a:defRPr sz="1200"/>
+            </a:lvl5pPr>
+            <a:lvl6pPr marL="2743200" indent="0">
               <a:buNone/>
-              <a:defRPr sz="900"/>
-            </a:lvl3pPr>
-            <a:lvl4pPr marL="1028700" indent="0">
+              <a:defRPr sz="1200"/>
+            </a:lvl6pPr>
+            <a:lvl7pPr marL="3291840" indent="0">
               <a:buNone/>
-              <a:defRPr sz="750"/>
-            </a:lvl4pPr>
-            <a:lvl5pPr marL="1371600" indent="0">
+              <a:defRPr sz="1200"/>
+            </a:lvl7pPr>
+            <a:lvl8pPr marL="3840480" indent="0">
               <a:buNone/>
-              <a:defRPr sz="750"/>
-            </a:lvl5pPr>
-            <a:lvl6pPr marL="1714500" indent="0">
+              <a:defRPr sz="1200"/>
+            </a:lvl8pPr>
+            <a:lvl9pPr marL="4389120" indent="0">
               <a:buNone/>
-              <a:defRPr sz="750"/>
-            </a:lvl6pPr>
-            <a:lvl7pPr marL="2057400" indent="0">
-              <a:buNone/>
-              <a:defRPr sz="750"/>
-            </a:lvl7pPr>
-            <a:lvl8pPr marL="2400300" indent="0">
-              <a:buNone/>
-              <a:defRPr sz="750"/>
-            </a:lvl8pPr>
-            <a:lvl9pPr marL="2743200" indent="0">
-              <a:buNone/>
-              <a:defRPr sz="750"/>
+              <a:defRPr sz="1200"/>
             </a:lvl9pPr>
           </a:lstStyle>
           <a:p>
@@ -2353,7 +3343,7 @@
           <a:p>
             <a:fld id="{D4AD48F8-C74A-9A4B-B71A-FFDC0F19D736}" type="datetimeFigureOut">
               <a:rPr lang="en-US" smtClean="0"/>
-              <a:t>7/5/23</a:t>
+              <a:t>7/21/23</a:t>
             </a:fld>
             <a:endParaRPr lang="en-US"/>
           </a:p>
@@ -2404,7 +3394,7 @@
     </p:spTree>
     <p:extLst>
       <p:ext uri="{BB962C8B-B14F-4D97-AF65-F5344CB8AC3E}">
-        <p14:creationId xmlns:p14="http://schemas.microsoft.com/office/powerpoint/2010/main" val="3012138395"/>
+        <p14:creationId xmlns:p14="http://schemas.microsoft.com/office/powerpoint/2010/main" val="3389466292"/>
       </p:ext>
     </p:extLst>
   </p:cSld>
@@ -2448,8 +3438,8 @@
         </p:nvSpPr>
         <p:spPr>
           <a:xfrm>
-            <a:off x="471488" y="527405"/>
-            <a:ext cx="5915025" cy="1914702"/>
+            <a:off x="754380" y="584202"/>
+            <a:ext cx="9464040" cy="2120901"/>
           </a:xfrm>
           <a:prstGeom prst="rect">
             <a:avLst/>
@@ -2481,8 +3471,8 @@
         </p:nvSpPr>
         <p:spPr>
           <a:xfrm>
-            <a:off x="471488" y="2637014"/>
-            <a:ext cx="5915025" cy="6285266"/>
+            <a:off x="754380" y="2921000"/>
+            <a:ext cx="9464040" cy="6962141"/>
           </a:xfrm>
           <a:prstGeom prst="rect">
             <a:avLst/>
@@ -2543,8 +3533,8 @@
         </p:nvSpPr>
         <p:spPr>
           <a:xfrm>
-            <a:off x="471488" y="9181397"/>
-            <a:ext cx="1543050" cy="527403"/>
+            <a:off x="754380" y="10170162"/>
+            <a:ext cx="2468880" cy="584200"/>
           </a:xfrm>
           <a:prstGeom prst="rect">
             <a:avLst/>
@@ -2554,7 +3544,7 @@
           <a:bodyPr vert="horz" lIns="91440" tIns="45720" rIns="91440" bIns="45720" rtlCol="0" anchor="ctr"/>
           <a:lstStyle>
             <a:lvl1pPr algn="l">
-              <a:defRPr sz="900">
+              <a:defRPr sz="1440">
                 <a:solidFill>
                   <a:schemeClr val="tx1">
                     <a:tint val="75000"/>
@@ -2566,7 +3556,7 @@
           <a:p>
             <a:fld id="{D4AD48F8-C74A-9A4B-B71A-FFDC0F19D736}" type="datetimeFigureOut">
               <a:rPr lang="en-US" smtClean="0"/>
-              <a:t>7/5/23</a:t>
+              <a:t>7/21/23</a:t>
             </a:fld>
             <a:endParaRPr lang="en-US"/>
           </a:p>
@@ -2584,8 +3574,8 @@
         </p:nvSpPr>
         <p:spPr>
           <a:xfrm>
-            <a:off x="2271713" y="9181397"/>
-            <a:ext cx="2314575" cy="527403"/>
+            <a:off x="3634740" y="10170162"/>
+            <a:ext cx="3703320" cy="584200"/>
           </a:xfrm>
           <a:prstGeom prst="rect">
             <a:avLst/>
@@ -2595,7 +3585,7 @@
           <a:bodyPr vert="horz" lIns="91440" tIns="45720" rIns="91440" bIns="45720" rtlCol="0" anchor="ctr"/>
           <a:lstStyle>
             <a:lvl1pPr algn="ctr">
-              <a:defRPr sz="900">
+              <a:defRPr sz="1440">
                 <a:solidFill>
                   <a:schemeClr val="tx1">
                     <a:tint val="75000"/>
@@ -2621,8 +3611,8 @@
         </p:nvSpPr>
         <p:spPr>
           <a:xfrm>
-            <a:off x="4843463" y="9181397"/>
-            <a:ext cx="1543050" cy="527403"/>
+            <a:off x="7749540" y="10170162"/>
+            <a:ext cx="2468880" cy="584200"/>
           </a:xfrm>
           <a:prstGeom prst="rect">
             <a:avLst/>
@@ -2632,7 +3622,7 @@
           <a:bodyPr vert="horz" lIns="91440" tIns="45720" rIns="91440" bIns="45720" rtlCol="0" anchor="ctr"/>
           <a:lstStyle>
             <a:lvl1pPr algn="r">
-              <a:defRPr sz="900">
+              <a:defRPr sz="1440">
                 <a:solidFill>
                   <a:schemeClr val="tx1">
                     <a:tint val="75000"/>
@@ -2653,27 +3643,27 @@
     </p:spTree>
     <p:extLst>
       <p:ext uri="{BB962C8B-B14F-4D97-AF65-F5344CB8AC3E}">
-        <p14:creationId xmlns:p14="http://schemas.microsoft.com/office/powerpoint/2010/main" val="1542020214"/>
+        <p14:creationId xmlns:p14="http://schemas.microsoft.com/office/powerpoint/2010/main" val="1369836443"/>
       </p:ext>
     </p:extLst>
   </p:cSld>
   <p:clrMap bg1="lt1" tx1="dk1" bg2="lt2" tx2="dk2" accent1="accent1" accent2="accent2" accent3="accent3" accent4="accent4" accent5="accent5" accent6="accent6" hlink="hlink" folHlink="folHlink"/>
   <p:sldLayoutIdLst>
-    <p:sldLayoutId id="2147483673" r:id="rId1"/>
-    <p:sldLayoutId id="2147483674" r:id="rId2"/>
-    <p:sldLayoutId id="2147483675" r:id="rId3"/>
-    <p:sldLayoutId id="2147483676" r:id="rId4"/>
-    <p:sldLayoutId id="2147483677" r:id="rId5"/>
-    <p:sldLayoutId id="2147483678" r:id="rId6"/>
-    <p:sldLayoutId id="2147483679" r:id="rId7"/>
-    <p:sldLayoutId id="2147483680" r:id="rId8"/>
-    <p:sldLayoutId id="2147483681" r:id="rId9"/>
-    <p:sldLayoutId id="2147483682" r:id="rId10"/>
-    <p:sldLayoutId id="2147483683" r:id="rId11"/>
+    <p:sldLayoutId id="2147483685" r:id="rId1"/>
+    <p:sldLayoutId id="2147483686" r:id="rId2"/>
+    <p:sldLayoutId id="2147483687" r:id="rId3"/>
+    <p:sldLayoutId id="2147483688" r:id="rId4"/>
+    <p:sldLayoutId id="2147483689" r:id="rId5"/>
+    <p:sldLayoutId id="2147483690" r:id="rId6"/>
+    <p:sldLayoutId id="2147483691" r:id="rId7"/>
+    <p:sldLayoutId id="2147483692" r:id="rId8"/>
+    <p:sldLayoutId id="2147483693" r:id="rId9"/>
+    <p:sldLayoutId id="2147483694" r:id="rId10"/>
+    <p:sldLayoutId id="2147483695" r:id="rId11"/>
   </p:sldLayoutIdLst>
   <p:txStyles>
     <p:titleStyle>
-      <a:lvl1pPr algn="l" defTabSz="685800" rtl="0" eaLnBrk="1" latinLnBrk="0" hangingPunct="1">
+      <a:lvl1pPr algn="l" defTabSz="1097280" rtl="0" eaLnBrk="1" latinLnBrk="0" hangingPunct="1">
         <a:lnSpc>
           <a:spcPct val="90000"/>
         </a:lnSpc>
@@ -2681,7 +3671,7 @@
           <a:spcPct val="0"/>
         </a:spcBef>
         <a:buNone/>
-        <a:defRPr sz="3300" kern="1200">
+        <a:defRPr sz="5280" kern="1200">
           <a:solidFill>
             <a:schemeClr val="tx1"/>
           </a:solidFill>
@@ -2692,16 +3682,16 @@
       </a:lvl1pPr>
     </p:titleStyle>
     <p:bodyStyle>
-      <a:lvl1pPr marL="171450" indent="-171450" algn="l" defTabSz="685800" rtl="0" eaLnBrk="1" latinLnBrk="0" hangingPunct="1">
+      <a:lvl1pPr marL="274320" indent="-274320" algn="l" defTabSz="1097280" rtl="0" eaLnBrk="1" latinLnBrk="0" hangingPunct="1">
         <a:lnSpc>
           <a:spcPct val="90000"/>
         </a:lnSpc>
         <a:spcBef>
-          <a:spcPts val="750"/>
+          <a:spcPts val="1200"/>
         </a:spcBef>
         <a:buFont typeface="Arial" panose="020B0604020202020204" pitchFamily="34" charset="0"/>
         <a:buChar char="•"/>
-        <a:defRPr sz="2100" kern="1200">
+        <a:defRPr sz="3360" kern="1200">
           <a:solidFill>
             <a:schemeClr val="tx1"/>
           </a:solidFill>
@@ -2710,16 +3700,16 @@
           <a:cs typeface="+mn-cs"/>
         </a:defRPr>
       </a:lvl1pPr>
-      <a:lvl2pPr marL="514350" indent="-171450" algn="l" defTabSz="685800" rtl="0" eaLnBrk="1" latinLnBrk="0" hangingPunct="1">
+      <a:lvl2pPr marL="822960" indent="-274320" algn="l" defTabSz="1097280" rtl="0" eaLnBrk="1" latinLnBrk="0" hangingPunct="1">
         <a:lnSpc>
           <a:spcPct val="90000"/>
         </a:lnSpc>
         <a:spcBef>
-          <a:spcPts val="375"/>
+          <a:spcPts val="600"/>
         </a:spcBef>
         <a:buFont typeface="Arial" panose="020B0604020202020204" pitchFamily="34" charset="0"/>
         <a:buChar char="•"/>
-        <a:defRPr sz="1800" kern="1200">
+        <a:defRPr sz="2880" kern="1200">
           <a:solidFill>
             <a:schemeClr val="tx1"/>
           </a:solidFill>
@@ -2728,16 +3718,16 @@
           <a:cs typeface="+mn-cs"/>
         </a:defRPr>
       </a:lvl2pPr>
-      <a:lvl3pPr marL="857250" indent="-171450" algn="l" defTabSz="685800" rtl="0" eaLnBrk="1" latinLnBrk="0" hangingPunct="1">
+      <a:lvl3pPr marL="1371600" indent="-274320" algn="l" defTabSz="1097280" rtl="0" eaLnBrk="1" latinLnBrk="0" hangingPunct="1">
         <a:lnSpc>
           <a:spcPct val="90000"/>
         </a:lnSpc>
         <a:spcBef>
-          <a:spcPts val="375"/>
+          <a:spcPts val="600"/>
         </a:spcBef>
         <a:buFont typeface="Arial" panose="020B0604020202020204" pitchFamily="34" charset="0"/>
         <a:buChar char="•"/>
-        <a:defRPr sz="1500" kern="1200">
+        <a:defRPr sz="2400" kern="1200">
           <a:solidFill>
             <a:schemeClr val="tx1"/>
           </a:solidFill>
@@ -2746,16 +3736,16 @@
           <a:cs typeface="+mn-cs"/>
         </a:defRPr>
       </a:lvl3pPr>
-      <a:lvl4pPr marL="1200150" indent="-171450" algn="l" defTabSz="685800" rtl="0" eaLnBrk="1" latinLnBrk="0" hangingPunct="1">
+      <a:lvl4pPr marL="1920240" indent="-274320" algn="l" defTabSz="1097280" rtl="0" eaLnBrk="1" latinLnBrk="0" hangingPunct="1">
         <a:lnSpc>
           <a:spcPct val="90000"/>
         </a:lnSpc>
         <a:spcBef>
-          <a:spcPts val="375"/>
+          <a:spcPts val="600"/>
         </a:spcBef>
         <a:buFont typeface="Arial" panose="020B0604020202020204" pitchFamily="34" charset="0"/>
         <a:buChar char="•"/>
-        <a:defRPr sz="1350" kern="1200">
+        <a:defRPr sz="2160" kern="1200">
           <a:solidFill>
             <a:schemeClr val="tx1"/>
           </a:solidFill>
@@ -2764,16 +3754,16 @@
           <a:cs typeface="+mn-cs"/>
         </a:defRPr>
       </a:lvl4pPr>
-      <a:lvl5pPr marL="1543050" indent="-171450" algn="l" defTabSz="685800" rtl="0" eaLnBrk="1" latinLnBrk="0" hangingPunct="1">
+      <a:lvl5pPr marL="2468880" indent="-274320" algn="l" defTabSz="1097280" rtl="0" eaLnBrk="1" latinLnBrk="0" hangingPunct="1">
         <a:lnSpc>
           <a:spcPct val="90000"/>
         </a:lnSpc>
         <a:spcBef>
-          <a:spcPts val="375"/>
+          <a:spcPts val="600"/>
         </a:spcBef>
         <a:buFont typeface="Arial" panose="020B0604020202020204" pitchFamily="34" charset="0"/>
         <a:buChar char="•"/>
-        <a:defRPr sz="1350" kern="1200">
+        <a:defRPr sz="2160" kern="1200">
           <a:solidFill>
             <a:schemeClr val="tx1"/>
           </a:solidFill>
@@ -2782,16 +3772,16 @@
           <a:cs typeface="+mn-cs"/>
         </a:defRPr>
       </a:lvl5pPr>
-      <a:lvl6pPr marL="1885950" indent="-171450" algn="l" defTabSz="685800" rtl="0" eaLnBrk="1" latinLnBrk="0" hangingPunct="1">
+      <a:lvl6pPr marL="3017520" indent="-274320" algn="l" defTabSz="1097280" rtl="0" eaLnBrk="1" latinLnBrk="0" hangingPunct="1">
         <a:lnSpc>
           <a:spcPct val="90000"/>
         </a:lnSpc>
         <a:spcBef>
-          <a:spcPts val="375"/>
+          <a:spcPts val="600"/>
         </a:spcBef>
         <a:buFont typeface="Arial" panose="020B0604020202020204" pitchFamily="34" charset="0"/>
         <a:buChar char="•"/>
-        <a:defRPr sz="1350" kern="1200">
+        <a:defRPr sz="2160" kern="1200">
           <a:solidFill>
             <a:schemeClr val="tx1"/>
           </a:solidFill>
@@ -2800,16 +3790,16 @@
           <a:cs typeface="+mn-cs"/>
         </a:defRPr>
       </a:lvl6pPr>
-      <a:lvl7pPr marL="2228850" indent="-171450" algn="l" defTabSz="685800" rtl="0" eaLnBrk="1" latinLnBrk="0" hangingPunct="1">
+      <a:lvl7pPr marL="3566160" indent="-274320" algn="l" defTabSz="1097280" rtl="0" eaLnBrk="1" latinLnBrk="0" hangingPunct="1">
         <a:lnSpc>
           <a:spcPct val="90000"/>
         </a:lnSpc>
         <a:spcBef>
-          <a:spcPts val="375"/>
+          <a:spcPts val="600"/>
         </a:spcBef>
         <a:buFont typeface="Arial" panose="020B0604020202020204" pitchFamily="34" charset="0"/>
         <a:buChar char="•"/>
-        <a:defRPr sz="1350" kern="1200">
+        <a:defRPr sz="2160" kern="1200">
           <a:solidFill>
             <a:schemeClr val="tx1"/>
           </a:solidFill>
@@ -2818,16 +3808,16 @@
           <a:cs typeface="+mn-cs"/>
         </a:defRPr>
       </a:lvl7pPr>
-      <a:lvl8pPr marL="2571750" indent="-171450" algn="l" defTabSz="685800" rtl="0" eaLnBrk="1" latinLnBrk="0" hangingPunct="1">
+      <a:lvl8pPr marL="4114800" indent="-274320" algn="l" defTabSz="1097280" rtl="0" eaLnBrk="1" latinLnBrk="0" hangingPunct="1">
         <a:lnSpc>
           <a:spcPct val="90000"/>
         </a:lnSpc>
         <a:spcBef>
-          <a:spcPts val="375"/>
+          <a:spcPts val="600"/>
         </a:spcBef>
         <a:buFont typeface="Arial" panose="020B0604020202020204" pitchFamily="34" charset="0"/>
         <a:buChar char="•"/>
-        <a:defRPr sz="1350" kern="1200">
+        <a:defRPr sz="2160" kern="1200">
           <a:solidFill>
             <a:schemeClr val="tx1"/>
           </a:solidFill>
@@ -2836,16 +3826,16 @@
           <a:cs typeface="+mn-cs"/>
         </a:defRPr>
       </a:lvl8pPr>
-      <a:lvl9pPr marL="2914650" indent="-171450" algn="l" defTabSz="685800" rtl="0" eaLnBrk="1" latinLnBrk="0" hangingPunct="1">
+      <a:lvl9pPr marL="4663440" indent="-274320" algn="l" defTabSz="1097280" rtl="0" eaLnBrk="1" latinLnBrk="0" hangingPunct="1">
         <a:lnSpc>
           <a:spcPct val="90000"/>
         </a:lnSpc>
         <a:spcBef>
-          <a:spcPts val="375"/>
+          <a:spcPts val="600"/>
         </a:spcBef>
         <a:buFont typeface="Arial" panose="020B0604020202020204" pitchFamily="34" charset="0"/>
         <a:buChar char="•"/>
-        <a:defRPr sz="1350" kern="1200">
+        <a:defRPr sz="2160" kern="1200">
           <a:solidFill>
             <a:schemeClr val="tx1"/>
           </a:solidFill>
@@ -2859,8 +3849,8 @@
       <a:defPPr>
         <a:defRPr lang="en-US"/>
       </a:defPPr>
-      <a:lvl1pPr marL="0" algn="l" defTabSz="685800" rtl="0" eaLnBrk="1" latinLnBrk="0" hangingPunct="1">
-        <a:defRPr sz="1350" kern="1200">
+      <a:lvl1pPr marL="0" algn="l" defTabSz="1097280" rtl="0" eaLnBrk="1" latinLnBrk="0" hangingPunct="1">
+        <a:defRPr sz="2160" kern="1200">
           <a:solidFill>
             <a:schemeClr val="tx1"/>
           </a:solidFill>
@@ -2869,8 +3859,8 @@
           <a:cs typeface="+mn-cs"/>
         </a:defRPr>
       </a:lvl1pPr>
-      <a:lvl2pPr marL="342900" algn="l" defTabSz="685800" rtl="0" eaLnBrk="1" latinLnBrk="0" hangingPunct="1">
-        <a:defRPr sz="1350" kern="1200">
+      <a:lvl2pPr marL="548640" algn="l" defTabSz="1097280" rtl="0" eaLnBrk="1" latinLnBrk="0" hangingPunct="1">
+        <a:defRPr sz="2160" kern="1200">
           <a:solidFill>
             <a:schemeClr val="tx1"/>
           </a:solidFill>
@@ -2879,8 +3869,8 @@
           <a:cs typeface="+mn-cs"/>
         </a:defRPr>
       </a:lvl2pPr>
-      <a:lvl3pPr marL="685800" algn="l" defTabSz="685800" rtl="0" eaLnBrk="1" latinLnBrk="0" hangingPunct="1">
-        <a:defRPr sz="1350" kern="1200">
+      <a:lvl3pPr marL="1097280" algn="l" defTabSz="1097280" rtl="0" eaLnBrk="1" latinLnBrk="0" hangingPunct="1">
+        <a:defRPr sz="2160" kern="1200">
           <a:solidFill>
             <a:schemeClr val="tx1"/>
           </a:solidFill>
@@ -2889,8 +3879,8 @@
           <a:cs typeface="+mn-cs"/>
         </a:defRPr>
       </a:lvl3pPr>
-      <a:lvl4pPr marL="1028700" algn="l" defTabSz="685800" rtl="0" eaLnBrk="1" latinLnBrk="0" hangingPunct="1">
-        <a:defRPr sz="1350" kern="1200">
+      <a:lvl4pPr marL="1645920" algn="l" defTabSz="1097280" rtl="0" eaLnBrk="1" latinLnBrk="0" hangingPunct="1">
+        <a:defRPr sz="2160" kern="1200">
           <a:solidFill>
             <a:schemeClr val="tx1"/>
           </a:solidFill>
@@ -2899,8 +3889,8 @@
           <a:cs typeface="+mn-cs"/>
         </a:defRPr>
       </a:lvl4pPr>
-      <a:lvl5pPr marL="1371600" algn="l" defTabSz="685800" rtl="0" eaLnBrk="1" latinLnBrk="0" hangingPunct="1">
-        <a:defRPr sz="1350" kern="1200">
+      <a:lvl5pPr marL="2194560" algn="l" defTabSz="1097280" rtl="0" eaLnBrk="1" latinLnBrk="0" hangingPunct="1">
+        <a:defRPr sz="2160" kern="1200">
           <a:solidFill>
             <a:schemeClr val="tx1"/>
           </a:solidFill>
@@ -2909,8 +3899,8 @@
           <a:cs typeface="+mn-cs"/>
         </a:defRPr>
       </a:lvl5pPr>
-      <a:lvl6pPr marL="1714500" algn="l" defTabSz="685800" rtl="0" eaLnBrk="1" latinLnBrk="0" hangingPunct="1">
-        <a:defRPr sz="1350" kern="1200">
+      <a:lvl6pPr marL="2743200" algn="l" defTabSz="1097280" rtl="0" eaLnBrk="1" latinLnBrk="0" hangingPunct="1">
+        <a:defRPr sz="2160" kern="1200">
           <a:solidFill>
             <a:schemeClr val="tx1"/>
           </a:solidFill>
@@ -2919,8 +3909,8 @@
           <a:cs typeface="+mn-cs"/>
         </a:defRPr>
       </a:lvl6pPr>
-      <a:lvl7pPr marL="2057400" algn="l" defTabSz="685800" rtl="0" eaLnBrk="1" latinLnBrk="0" hangingPunct="1">
-        <a:defRPr sz="1350" kern="1200">
+      <a:lvl7pPr marL="3291840" algn="l" defTabSz="1097280" rtl="0" eaLnBrk="1" latinLnBrk="0" hangingPunct="1">
+        <a:defRPr sz="2160" kern="1200">
           <a:solidFill>
             <a:schemeClr val="tx1"/>
           </a:solidFill>
@@ -2929,8 +3919,8 @@
           <a:cs typeface="+mn-cs"/>
         </a:defRPr>
       </a:lvl7pPr>
-      <a:lvl8pPr marL="2400300" algn="l" defTabSz="685800" rtl="0" eaLnBrk="1" latinLnBrk="0" hangingPunct="1">
-        <a:defRPr sz="1350" kern="1200">
+      <a:lvl8pPr marL="3840480" algn="l" defTabSz="1097280" rtl="0" eaLnBrk="1" latinLnBrk="0" hangingPunct="1">
+        <a:defRPr sz="2160" kern="1200">
           <a:solidFill>
             <a:schemeClr val="tx1"/>
           </a:solidFill>
@@ -2939,8 +3929,8 @@
           <a:cs typeface="+mn-cs"/>
         </a:defRPr>
       </a:lvl8pPr>
-      <a:lvl9pPr marL="2743200" algn="l" defTabSz="685800" rtl="0" eaLnBrk="1" latinLnBrk="0" hangingPunct="1">
-        <a:defRPr sz="1350" kern="1200">
+      <a:lvl9pPr marL="4389120" algn="l" defTabSz="1097280" rtl="0" eaLnBrk="1" latinLnBrk="0" hangingPunct="1">
+        <a:defRPr sz="2160" kern="1200">
           <a:solidFill>
             <a:schemeClr val="tx1"/>
           </a:solidFill>
@@ -2985,7 +3975,7 @@
         </p:nvSpPr>
         <p:spPr>
           <a:xfrm>
-            <a:off x="269243" y="444189"/>
+            <a:off x="2326643" y="977589"/>
             <a:ext cx="1920240" cy="843098"/>
           </a:xfrm>
           <a:prstGeom prst="rect">
@@ -3071,7 +4061,7 @@
         </p:nvSpPr>
         <p:spPr>
           <a:xfrm>
-            <a:off x="3571239" y="461657"/>
+            <a:off x="5628639" y="995058"/>
             <a:ext cx="1920240" cy="843097"/>
           </a:xfrm>
           <a:prstGeom prst="rect">
@@ -3157,7 +4147,7 @@
         </p:nvSpPr>
         <p:spPr>
           <a:xfrm>
-            <a:off x="269243" y="1936215"/>
+            <a:off x="2326643" y="2469616"/>
             <a:ext cx="5222234" cy="611729"/>
           </a:xfrm>
           <a:prstGeom prst="rect">
@@ -3259,7 +4249,7 @@
         </p:nvSpPr>
         <p:spPr>
           <a:xfrm>
-            <a:off x="269243" y="3196872"/>
+            <a:off x="2326644" y="3730272"/>
             <a:ext cx="5222233" cy="843098"/>
           </a:xfrm>
           <a:prstGeom prst="rect">
@@ -3329,7 +4319,7 @@
         </p:nvSpPr>
         <p:spPr>
           <a:xfrm>
-            <a:off x="1564017" y="5986888"/>
+            <a:off x="3621418" y="6520288"/>
             <a:ext cx="2934505" cy="843098"/>
           </a:xfrm>
           <a:prstGeom prst="rect">
@@ -3399,7 +4389,7 @@
         </p:nvSpPr>
         <p:spPr>
           <a:xfrm>
-            <a:off x="1627795" y="7521032"/>
+            <a:off x="3685195" y="8054433"/>
             <a:ext cx="2739056" cy="527627"/>
           </a:xfrm>
           <a:prstGeom prst="rect">
@@ -3469,7 +4459,7 @@
         </p:nvSpPr>
         <p:spPr>
           <a:xfrm>
-            <a:off x="1627794" y="8697587"/>
+            <a:off x="3685195" y="9230988"/>
             <a:ext cx="2739049" cy="527627"/>
           </a:xfrm>
           <a:prstGeom prst="rect">
@@ -3538,7 +4528,7 @@
         </p:nvCxnSpPr>
         <p:spPr>
           <a:xfrm>
-            <a:off x="1264920" y="1287286"/>
+            <a:off x="3322320" y="1820687"/>
             <a:ext cx="0" cy="648929"/>
           </a:xfrm>
           <a:prstGeom prst="straightConnector1">
@@ -3582,7 +4572,7 @@
         </p:nvCxnSpPr>
         <p:spPr>
           <a:xfrm>
-            <a:off x="4531359" y="1304754"/>
+            <a:off x="6588759" y="1838155"/>
             <a:ext cx="0" cy="648929"/>
           </a:xfrm>
           <a:prstGeom prst="straightConnector1">
@@ -3626,7 +4616,7 @@
         </p:nvCxnSpPr>
         <p:spPr>
           <a:xfrm>
-            <a:off x="1264920" y="2547943"/>
+            <a:off x="3322320" y="3081344"/>
             <a:ext cx="0" cy="648929"/>
           </a:xfrm>
           <a:prstGeom prst="straightConnector1">
@@ -3670,7 +4660,7 @@
         </p:nvCxnSpPr>
         <p:spPr>
           <a:xfrm>
-            <a:off x="4553553" y="2547943"/>
+            <a:off x="6610953" y="3081344"/>
             <a:ext cx="0" cy="648929"/>
           </a:xfrm>
           <a:prstGeom prst="straightConnector1">
@@ -3714,7 +4704,7 @@
         </p:nvCxnSpPr>
         <p:spPr>
           <a:xfrm>
-            <a:off x="3008613" y="6872103"/>
+            <a:off x="5066013" y="7405504"/>
             <a:ext cx="0" cy="648929"/>
           </a:xfrm>
           <a:prstGeom prst="straightConnector1">
@@ -3758,7 +4748,7 @@
         </p:nvCxnSpPr>
         <p:spPr>
           <a:xfrm>
-            <a:off x="3004002" y="8048659"/>
+            <a:off x="5061402" y="8582060"/>
             <a:ext cx="0" cy="648929"/>
           </a:xfrm>
           <a:prstGeom prst="straightConnector1">
@@ -3804,7 +4794,7 @@
         </p:nvCxnSpPr>
         <p:spPr>
           <a:xfrm flipV="1">
-            <a:off x="4366843" y="883206"/>
+            <a:off x="6424243" y="1416607"/>
             <a:ext cx="1124636" cy="8078195"/>
           </a:xfrm>
           <a:prstGeom prst="bentConnector3">
@@ -3848,7 +4838,7 @@
         </p:nvSpPr>
         <p:spPr>
           <a:xfrm>
-            <a:off x="1229363" y="1456191"/>
+            <a:off x="3286763" y="1989592"/>
             <a:ext cx="1239506" cy="307777"/>
           </a:xfrm>
           <a:prstGeom prst="rect">
@@ -3883,7 +4873,7 @@
         </p:nvSpPr>
         <p:spPr>
           <a:xfrm>
-            <a:off x="1216064" y="2641876"/>
+            <a:off x="3273465" y="3175277"/>
             <a:ext cx="1234953" cy="307777"/>
           </a:xfrm>
           <a:prstGeom prst="rect">
@@ -3918,7 +4908,7 @@
         </p:nvSpPr>
         <p:spPr>
           <a:xfrm>
-            <a:off x="3022676" y="5391351"/>
+            <a:off x="5080077" y="5924752"/>
             <a:ext cx="1508683" cy="307777"/>
           </a:xfrm>
           <a:prstGeom prst="rect">
@@ -3953,7 +4943,7 @@
         </p:nvSpPr>
         <p:spPr>
           <a:xfrm>
-            <a:off x="3194074" y="2651004"/>
+            <a:off x="5251475" y="3184405"/>
             <a:ext cx="1394869" cy="307777"/>
           </a:xfrm>
           <a:prstGeom prst="rect">
@@ -3988,7 +4978,7 @@
         </p:nvSpPr>
         <p:spPr>
           <a:xfrm>
-            <a:off x="3099100" y="1467142"/>
+            <a:off x="5156500" y="2000543"/>
             <a:ext cx="1399422" cy="307777"/>
           </a:xfrm>
           <a:prstGeom prst="rect">
@@ -4023,7 +5013,7 @@
         </p:nvSpPr>
         <p:spPr>
           <a:xfrm>
-            <a:off x="2980478" y="6993405"/>
+            <a:off x="5037878" y="7526806"/>
             <a:ext cx="1518044" cy="307777"/>
           </a:xfrm>
           <a:prstGeom prst="rect">
@@ -4061,7 +5051,7 @@
         </p:nvCxnSpPr>
         <p:spPr>
           <a:xfrm>
-            <a:off x="3031270" y="5227932"/>
+            <a:off x="5088670" y="5761332"/>
             <a:ext cx="0" cy="758956"/>
           </a:xfrm>
           <a:prstGeom prst="straightConnector1">
@@ -4103,7 +5093,7 @@
         </p:nvSpPr>
         <p:spPr>
           <a:xfrm>
-            <a:off x="269243" y="4695471"/>
+            <a:off x="2326644" y="5228872"/>
             <a:ext cx="5222233" cy="532461"/>
           </a:xfrm>
           <a:prstGeom prst="rect">
@@ -4204,7 +5194,7 @@
         </p:nvCxnSpPr>
         <p:spPr>
           <a:xfrm>
-            <a:off x="1264920" y="4056350"/>
+            <a:off x="3322320" y="4589751"/>
             <a:ext cx="0" cy="648929"/>
           </a:xfrm>
           <a:prstGeom prst="straightConnector1">
@@ -4248,7 +5238,7 @@
         </p:nvCxnSpPr>
         <p:spPr>
           <a:xfrm>
-            <a:off x="4553553" y="4056350"/>
+            <a:off x="6610953" y="4589751"/>
             <a:ext cx="0" cy="648929"/>
           </a:xfrm>
           <a:prstGeom prst="straightConnector1">
@@ -4290,7 +5280,7 @@
         </p:nvSpPr>
         <p:spPr>
           <a:xfrm>
-            <a:off x="3218263" y="4139873"/>
+            <a:off x="5275664" y="4673274"/>
             <a:ext cx="1394869" cy="307777"/>
           </a:xfrm>
           <a:prstGeom prst="rect">
@@ -4325,7 +5315,7 @@
         </p:nvSpPr>
         <p:spPr>
           <a:xfrm>
-            <a:off x="1215569" y="4105931"/>
+            <a:off x="3272970" y="4639332"/>
             <a:ext cx="1234953" cy="307777"/>
           </a:xfrm>
           <a:prstGeom prst="rect">
@@ -4360,7 +5350,7 @@
         </p:nvSpPr>
         <p:spPr>
           <a:xfrm>
-            <a:off x="2997318" y="8177267"/>
+            <a:off x="5054718" y="8710668"/>
             <a:ext cx="1404102" cy="307777"/>
           </a:xfrm>
           <a:prstGeom prst="rect">
@@ -4397,6 +5387,2796 @@
     <p:extLst>
       <p:ext uri="{BB962C8B-B14F-4D97-AF65-F5344CB8AC3E}">
         <p14:creationId xmlns:p14="http://schemas.microsoft.com/office/powerpoint/2010/main" val="1068784979"/>
+      </p:ext>
+    </p:extLst>
+  </p:cSld>
+  <p:clrMapOvr>
+    <a:masterClrMapping/>
+  </p:clrMapOvr>
+</p:sld>
+</file>
+
+<file path=ppt/slides/slide2.xml><?xml version="1.0" encoding="utf-8"?>
+<p:sld xmlns:a="http://schemas.openxmlformats.org/drawingml/2006/main" xmlns:r="http://schemas.openxmlformats.org/officeDocument/2006/relationships" xmlns:p="http://schemas.openxmlformats.org/presentationml/2006/main">
+  <p:cSld>
+    <p:spTree>
+      <p:nvGrpSpPr>
+        <p:cNvPr id="1" name=""/>
+        <p:cNvGrpSpPr/>
+        <p:nvPr/>
+      </p:nvGrpSpPr>
+      <p:grpSpPr>
+        <a:xfrm>
+          <a:off x="0" y="0"/>
+          <a:ext cx="0" cy="0"/>
+          <a:chOff x="0" y="0"/>
+          <a:chExt cx="0" cy="0"/>
+        </a:xfrm>
+      </p:grpSpPr>
+      <p:sp>
+        <p:nvSpPr>
+          <p:cNvPr id="10" name="Rectangle 9">
+            <a:extLst>
+              <a:ext uri="{FF2B5EF4-FFF2-40B4-BE49-F238E27FC236}">
+                <a16:creationId xmlns:a16="http://schemas.microsoft.com/office/drawing/2014/main" id="{0D2483B0-5C9F-DC3B-BB65-8CD1816FDCF0}"/>
+              </a:ext>
+            </a:extLst>
+          </p:cNvPr>
+          <p:cNvSpPr/>
+          <p:nvPr/>
+        </p:nvSpPr>
+        <p:spPr>
+          <a:xfrm>
+            <a:off x="3566160" y="1874312"/>
+            <a:ext cx="1920240" cy="843098"/>
+          </a:xfrm>
+          <a:prstGeom prst="rect">
+            <a:avLst/>
+          </a:prstGeom>
+          <a:solidFill>
+            <a:schemeClr val="accent2">
+              <a:lumMod val="40000"/>
+              <a:lumOff val="60000"/>
+            </a:schemeClr>
+          </a:solidFill>
+        </p:spPr>
+        <p:style>
+          <a:lnRef idx="2">
+            <a:schemeClr val="accent1">
+              <a:shade val="15000"/>
+            </a:schemeClr>
+          </a:lnRef>
+          <a:fillRef idx="1">
+            <a:schemeClr val="accent1"/>
+          </a:fillRef>
+          <a:effectRef idx="0">
+            <a:schemeClr val="accent1"/>
+          </a:effectRef>
+          <a:fontRef idx="minor">
+            <a:schemeClr val="lt1"/>
+          </a:fontRef>
+        </p:style>
+        <p:txBody>
+          <a:bodyPr rtlCol="0" anchor="ctr"/>
+          <a:lstStyle/>
+          <a:p>
+            <a:pPr algn="ctr"/>
+            <a:r>
+              <a:rPr lang="en-US" sz="1600" b="1" dirty="0">
+                <a:solidFill>
+                  <a:schemeClr val="tx1"/>
+                </a:solidFill>
+              </a:rPr>
+              <a:t>Generate Landscape</a:t>
+            </a:r>
+          </a:p>
+          <a:p>
+            <a:pPr algn="ctr"/>
+            <a:r>
+              <a:rPr lang="en-US" sz="1600" dirty="0">
+                <a:solidFill>
+                  <a:schemeClr val="tx1"/>
+                </a:solidFill>
+              </a:rPr>
+              <a:t>Habitat suitability </a:t>
+            </a:r>
+          </a:p>
+        </p:txBody>
+      </p:sp>
+      <p:sp>
+        <p:nvSpPr>
+          <p:cNvPr id="11" name="Rectangle 10">
+            <a:extLst>
+              <a:ext uri="{FF2B5EF4-FFF2-40B4-BE49-F238E27FC236}">
+                <a16:creationId xmlns:a16="http://schemas.microsoft.com/office/drawing/2014/main" id="{AD39AC9E-A8E3-2FA5-4C55-76483E8F1BE3}"/>
+              </a:ext>
+            </a:extLst>
+          </p:cNvPr>
+          <p:cNvSpPr/>
+          <p:nvPr/>
+        </p:nvSpPr>
+        <p:spPr>
+          <a:xfrm>
+            <a:off x="5486400" y="2959330"/>
+            <a:ext cx="1509992" cy="685159"/>
+          </a:xfrm>
+          <a:prstGeom prst="rect">
+            <a:avLst/>
+          </a:prstGeom>
+          <a:solidFill>
+            <a:schemeClr val="accent2">
+              <a:lumMod val="40000"/>
+              <a:lumOff val="60000"/>
+            </a:schemeClr>
+          </a:solidFill>
+        </p:spPr>
+        <p:style>
+          <a:lnRef idx="2">
+            <a:schemeClr val="accent1">
+              <a:shade val="15000"/>
+            </a:schemeClr>
+          </a:lnRef>
+          <a:fillRef idx="1">
+            <a:schemeClr val="accent1"/>
+          </a:fillRef>
+          <a:effectRef idx="0">
+            <a:schemeClr val="accent1"/>
+          </a:effectRef>
+          <a:fontRef idx="minor">
+            <a:schemeClr val="lt1"/>
+          </a:fontRef>
+        </p:style>
+        <p:txBody>
+          <a:bodyPr rtlCol="0" anchor="ctr"/>
+          <a:lstStyle/>
+          <a:p>
+            <a:pPr algn="ctr"/>
+            <a:r>
+              <a:rPr lang="en-US" sz="1600" b="1" dirty="0">
+                <a:solidFill>
+                  <a:schemeClr val="tx1"/>
+                </a:solidFill>
+              </a:rPr>
+              <a:t>Configuration</a:t>
+            </a:r>
+            <a:endParaRPr lang="en-US" sz="1600" dirty="0">
+              <a:solidFill>
+                <a:schemeClr val="tx1"/>
+              </a:solidFill>
+            </a:endParaRPr>
+          </a:p>
+        </p:txBody>
+      </p:sp>
+      <p:sp>
+        <p:nvSpPr>
+          <p:cNvPr id="14" name="Rectangle 13">
+            <a:extLst>
+              <a:ext uri="{FF2B5EF4-FFF2-40B4-BE49-F238E27FC236}">
+                <a16:creationId xmlns:a16="http://schemas.microsoft.com/office/drawing/2014/main" id="{48A26938-B9D4-8C21-C377-75B1A4D51B6F}"/>
+              </a:ext>
+            </a:extLst>
+          </p:cNvPr>
+          <p:cNvSpPr/>
+          <p:nvPr/>
+        </p:nvSpPr>
+        <p:spPr>
+          <a:xfrm>
+            <a:off x="3495155" y="4643301"/>
+            <a:ext cx="3187028" cy="843098"/>
+          </a:xfrm>
+          <a:prstGeom prst="rect">
+            <a:avLst/>
+          </a:prstGeom>
+          <a:solidFill>
+            <a:schemeClr val="accent6">
+              <a:lumMod val="40000"/>
+              <a:lumOff val="60000"/>
+            </a:schemeClr>
+          </a:solidFill>
+        </p:spPr>
+        <p:style>
+          <a:lnRef idx="2">
+            <a:schemeClr val="accent1">
+              <a:shade val="15000"/>
+            </a:schemeClr>
+          </a:lnRef>
+          <a:fillRef idx="1">
+            <a:schemeClr val="accent1"/>
+          </a:fillRef>
+          <a:effectRef idx="0">
+            <a:schemeClr val="accent1"/>
+          </a:effectRef>
+          <a:fontRef idx="minor">
+            <a:schemeClr val="lt1"/>
+          </a:fontRef>
+        </p:style>
+        <p:txBody>
+          <a:bodyPr rtlCol="0" anchor="ctr"/>
+          <a:lstStyle/>
+          <a:p>
+            <a:pPr algn="ctr"/>
+            <a:r>
+              <a:rPr lang="en-US" sz="1600" b="1" dirty="0">
+                <a:solidFill>
+                  <a:schemeClr val="tx1"/>
+                </a:solidFill>
+              </a:rPr>
+              <a:t>RAMAS - SPATIAL DATA</a:t>
+            </a:r>
+          </a:p>
+          <a:p>
+            <a:pPr algn="ctr"/>
+            <a:r>
+              <a:rPr lang="en-US" sz="1600" dirty="0">
+                <a:solidFill>
+                  <a:schemeClr val="tx1"/>
+                </a:solidFill>
+              </a:rPr>
+              <a:t>Find patches &amp; metapopulations</a:t>
+            </a:r>
+          </a:p>
+        </p:txBody>
+      </p:sp>
+      <p:sp>
+        <p:nvSpPr>
+          <p:cNvPr id="15" name="Rectangle 14">
+            <a:extLst>
+              <a:ext uri="{FF2B5EF4-FFF2-40B4-BE49-F238E27FC236}">
+                <a16:creationId xmlns:a16="http://schemas.microsoft.com/office/drawing/2014/main" id="{0406F045-9C19-8278-E551-46B72292F6A7}"/>
+              </a:ext>
+            </a:extLst>
+          </p:cNvPr>
+          <p:cNvSpPr/>
+          <p:nvPr/>
+        </p:nvSpPr>
+        <p:spPr>
+          <a:xfrm>
+            <a:off x="3621418" y="6520288"/>
+            <a:ext cx="2934505" cy="843098"/>
+          </a:xfrm>
+          <a:prstGeom prst="rect">
+            <a:avLst/>
+          </a:prstGeom>
+          <a:solidFill>
+            <a:schemeClr val="accent4">
+              <a:lumMod val="40000"/>
+              <a:lumOff val="60000"/>
+            </a:schemeClr>
+          </a:solidFill>
+        </p:spPr>
+        <p:style>
+          <a:lnRef idx="2">
+            <a:schemeClr val="accent1">
+              <a:shade val="15000"/>
+            </a:schemeClr>
+          </a:lnRef>
+          <a:fillRef idx="1">
+            <a:schemeClr val="accent1"/>
+          </a:fillRef>
+          <a:effectRef idx="0">
+            <a:schemeClr val="accent1"/>
+          </a:effectRef>
+          <a:fontRef idx="minor">
+            <a:schemeClr val="lt1"/>
+          </a:fontRef>
+        </p:style>
+        <p:txBody>
+          <a:bodyPr rtlCol="0" anchor="ctr"/>
+          <a:lstStyle/>
+          <a:p>
+            <a:pPr algn="ctr"/>
+            <a:r>
+              <a:rPr lang="en-US" sz="1600" b="1" dirty="0">
+                <a:solidFill>
+                  <a:schemeClr val="tx1"/>
+                </a:solidFill>
+              </a:rPr>
+              <a:t>RAMAS - HABITAT DYNAMICS</a:t>
+            </a:r>
+          </a:p>
+          <a:p>
+            <a:pPr algn="ctr"/>
+            <a:r>
+              <a:rPr lang="en-US" sz="1600" dirty="0">
+                <a:solidFill>
+                  <a:schemeClr val="tx1"/>
+                </a:solidFill>
+              </a:rPr>
+              <a:t>Get metapopulation from merged maps</a:t>
+            </a:r>
+          </a:p>
+        </p:txBody>
+      </p:sp>
+      <p:sp>
+        <p:nvSpPr>
+          <p:cNvPr id="16" name="Rectangle 15">
+            <a:extLst>
+              <a:ext uri="{FF2B5EF4-FFF2-40B4-BE49-F238E27FC236}">
+                <a16:creationId xmlns:a16="http://schemas.microsoft.com/office/drawing/2014/main" id="{05686486-4FE4-1F62-8BA7-14B9F1D6ACB8}"/>
+              </a:ext>
+            </a:extLst>
+          </p:cNvPr>
+          <p:cNvSpPr/>
+          <p:nvPr/>
+        </p:nvSpPr>
+        <p:spPr>
+          <a:xfrm>
+            <a:off x="3685195" y="8054433"/>
+            <a:ext cx="2739056" cy="527627"/>
+          </a:xfrm>
+          <a:prstGeom prst="rect">
+            <a:avLst/>
+          </a:prstGeom>
+          <a:solidFill>
+            <a:schemeClr val="accent1">
+              <a:lumMod val="40000"/>
+              <a:lumOff val="60000"/>
+            </a:schemeClr>
+          </a:solidFill>
+        </p:spPr>
+        <p:style>
+          <a:lnRef idx="2">
+            <a:schemeClr val="accent1">
+              <a:shade val="15000"/>
+            </a:schemeClr>
+          </a:lnRef>
+          <a:fillRef idx="1">
+            <a:schemeClr val="accent1"/>
+          </a:fillRef>
+          <a:effectRef idx="0">
+            <a:schemeClr val="accent1"/>
+          </a:effectRef>
+          <a:fontRef idx="minor">
+            <a:schemeClr val="lt1"/>
+          </a:fontRef>
+        </p:style>
+        <p:txBody>
+          <a:bodyPr rtlCol="0" anchor="ctr"/>
+          <a:lstStyle/>
+          <a:p>
+            <a:pPr algn="ctr"/>
+            <a:r>
+              <a:rPr lang="en-US" sz="1600" b="1" dirty="0">
+                <a:solidFill>
+                  <a:schemeClr val="tx1"/>
+                </a:solidFill>
+              </a:rPr>
+              <a:t>RAMAS - METAPOP</a:t>
+            </a:r>
+          </a:p>
+          <a:p>
+            <a:pPr algn="ctr"/>
+            <a:r>
+              <a:rPr lang="en-US" sz="1600" dirty="0">
+                <a:solidFill>
+                  <a:schemeClr val="tx1"/>
+                </a:solidFill>
+              </a:rPr>
+              <a:t>Get survival probability</a:t>
+            </a:r>
+          </a:p>
+        </p:txBody>
+      </p:sp>
+      <p:sp>
+        <p:nvSpPr>
+          <p:cNvPr id="17" name="Rectangle 16">
+            <a:extLst>
+              <a:ext uri="{FF2B5EF4-FFF2-40B4-BE49-F238E27FC236}">
+                <a16:creationId xmlns:a16="http://schemas.microsoft.com/office/drawing/2014/main" id="{683D5EC9-B895-E68A-B3B5-7058C3629295}"/>
+              </a:ext>
+            </a:extLst>
+          </p:cNvPr>
+          <p:cNvSpPr/>
+          <p:nvPr/>
+        </p:nvSpPr>
+        <p:spPr>
+          <a:xfrm>
+            <a:off x="3685195" y="9230988"/>
+            <a:ext cx="2739049" cy="527627"/>
+          </a:xfrm>
+          <a:prstGeom prst="rect">
+            <a:avLst/>
+          </a:prstGeom>
+          <a:solidFill>
+            <a:srgbClr val="FBB4DF"/>
+          </a:solidFill>
+        </p:spPr>
+        <p:style>
+          <a:lnRef idx="2">
+            <a:schemeClr val="accent1">
+              <a:shade val="15000"/>
+            </a:schemeClr>
+          </a:lnRef>
+          <a:fillRef idx="1">
+            <a:schemeClr val="accent1"/>
+          </a:fillRef>
+          <a:effectRef idx="0">
+            <a:schemeClr val="accent1"/>
+          </a:effectRef>
+          <a:fontRef idx="minor">
+            <a:schemeClr val="lt1"/>
+          </a:fontRef>
+        </p:style>
+        <p:txBody>
+          <a:bodyPr rtlCol="0" anchor="ctr"/>
+          <a:lstStyle/>
+          <a:p>
+            <a:pPr algn="ctr"/>
+            <a:r>
+              <a:rPr lang="en-US" sz="1600" b="1" dirty="0">
+                <a:solidFill>
+                  <a:schemeClr val="tx1"/>
+                </a:solidFill>
+              </a:rPr>
+              <a:t>Solve Optimization Model</a:t>
+            </a:r>
+          </a:p>
+          <a:p>
+            <a:pPr algn="ctr"/>
+            <a:r>
+              <a:rPr lang="en-US" sz="1600" dirty="0">
+                <a:solidFill>
+                  <a:schemeClr val="tx1"/>
+                </a:solidFill>
+              </a:rPr>
+              <a:t>Optimize for new map</a:t>
+            </a:r>
+          </a:p>
+        </p:txBody>
+      </p:sp>
+      <p:cxnSp>
+        <p:nvCxnSpPr>
+          <p:cNvPr id="20" name="Straight Arrow Connector 19">
+            <a:extLst>
+              <a:ext uri="{FF2B5EF4-FFF2-40B4-BE49-F238E27FC236}">
+                <a16:creationId xmlns:a16="http://schemas.microsoft.com/office/drawing/2014/main" id="{A165B82F-5B35-3454-794B-BD8DE354B07E}"/>
+              </a:ext>
+            </a:extLst>
+          </p:cNvPr>
+          <p:cNvCxnSpPr>
+            <a:cxnSpLocks/>
+          </p:cNvCxnSpPr>
+          <p:nvPr/>
+        </p:nvCxnSpPr>
+        <p:spPr>
+          <a:xfrm>
+            <a:off x="4561837" y="2717409"/>
+            <a:ext cx="0" cy="1909586"/>
+          </a:xfrm>
+          <a:prstGeom prst="straightConnector1">
+            <a:avLst/>
+          </a:prstGeom>
+          <a:ln w="57150">
+            <a:solidFill>
+              <a:schemeClr val="tx1"/>
+            </a:solidFill>
+            <a:tailEnd type="triangle"/>
+          </a:ln>
+        </p:spPr>
+        <p:style>
+          <a:lnRef idx="1">
+            <a:schemeClr val="accent1"/>
+          </a:lnRef>
+          <a:fillRef idx="0">
+            <a:schemeClr val="accent1"/>
+          </a:fillRef>
+          <a:effectRef idx="0">
+            <a:schemeClr val="accent1"/>
+          </a:effectRef>
+          <a:fontRef idx="minor">
+            <a:schemeClr val="tx1"/>
+          </a:fontRef>
+        </p:style>
+      </p:cxnSp>
+      <p:cxnSp>
+        <p:nvCxnSpPr>
+          <p:cNvPr id="24" name="Straight Arrow Connector 23">
+            <a:extLst>
+              <a:ext uri="{FF2B5EF4-FFF2-40B4-BE49-F238E27FC236}">
+                <a16:creationId xmlns:a16="http://schemas.microsoft.com/office/drawing/2014/main" id="{C34A03BF-9D59-43BB-D349-14DA4822B3B1}"/>
+              </a:ext>
+            </a:extLst>
+          </p:cNvPr>
+          <p:cNvCxnSpPr>
+            <a:cxnSpLocks/>
+          </p:cNvCxnSpPr>
+          <p:nvPr/>
+        </p:nvCxnSpPr>
+        <p:spPr>
+          <a:xfrm>
+            <a:off x="6058466" y="3650375"/>
+            <a:ext cx="0" cy="1002312"/>
+          </a:xfrm>
+          <a:prstGeom prst="straightConnector1">
+            <a:avLst/>
+          </a:prstGeom>
+          <a:ln w="57150">
+            <a:solidFill>
+              <a:schemeClr val="tx1"/>
+            </a:solidFill>
+            <a:tailEnd type="triangle"/>
+          </a:ln>
+        </p:spPr>
+        <p:style>
+          <a:lnRef idx="1">
+            <a:schemeClr val="accent1"/>
+          </a:lnRef>
+          <a:fillRef idx="0">
+            <a:schemeClr val="accent1"/>
+          </a:fillRef>
+          <a:effectRef idx="0">
+            <a:schemeClr val="accent1"/>
+          </a:effectRef>
+          <a:fontRef idx="minor">
+            <a:schemeClr val="tx1"/>
+          </a:fontRef>
+        </p:style>
+      </p:cxnSp>
+      <p:cxnSp>
+        <p:nvCxnSpPr>
+          <p:cNvPr id="26" name="Straight Arrow Connector 25">
+            <a:extLst>
+              <a:ext uri="{FF2B5EF4-FFF2-40B4-BE49-F238E27FC236}">
+                <a16:creationId xmlns:a16="http://schemas.microsoft.com/office/drawing/2014/main" id="{9A5666F6-35C7-E705-96D6-5DB41ADE77F2}"/>
+              </a:ext>
+            </a:extLst>
+          </p:cNvPr>
+          <p:cNvCxnSpPr>
+            <a:cxnSpLocks/>
+          </p:cNvCxnSpPr>
+          <p:nvPr/>
+        </p:nvCxnSpPr>
+        <p:spPr>
+          <a:xfrm>
+            <a:off x="5066013" y="7405504"/>
+            <a:ext cx="0" cy="648929"/>
+          </a:xfrm>
+          <a:prstGeom prst="straightConnector1">
+            <a:avLst/>
+          </a:prstGeom>
+          <a:ln w="57150">
+            <a:solidFill>
+              <a:schemeClr val="tx1"/>
+            </a:solidFill>
+            <a:tailEnd type="triangle"/>
+          </a:ln>
+        </p:spPr>
+        <p:style>
+          <a:lnRef idx="1">
+            <a:schemeClr val="accent1"/>
+          </a:lnRef>
+          <a:fillRef idx="0">
+            <a:schemeClr val="accent1"/>
+          </a:fillRef>
+          <a:effectRef idx="0">
+            <a:schemeClr val="accent1"/>
+          </a:effectRef>
+          <a:fontRef idx="minor">
+            <a:schemeClr val="tx1"/>
+          </a:fontRef>
+        </p:style>
+      </p:cxnSp>
+      <p:cxnSp>
+        <p:nvCxnSpPr>
+          <p:cNvPr id="27" name="Straight Arrow Connector 26">
+            <a:extLst>
+              <a:ext uri="{FF2B5EF4-FFF2-40B4-BE49-F238E27FC236}">
+                <a16:creationId xmlns:a16="http://schemas.microsoft.com/office/drawing/2014/main" id="{BBAEEC23-0F1F-B74F-0E82-54721C143DB8}"/>
+              </a:ext>
+            </a:extLst>
+          </p:cNvPr>
+          <p:cNvCxnSpPr>
+            <a:cxnSpLocks/>
+          </p:cNvCxnSpPr>
+          <p:nvPr/>
+        </p:nvCxnSpPr>
+        <p:spPr>
+          <a:xfrm>
+            <a:off x="5061402" y="8582060"/>
+            <a:ext cx="0" cy="648929"/>
+          </a:xfrm>
+          <a:prstGeom prst="straightConnector1">
+            <a:avLst/>
+          </a:prstGeom>
+          <a:ln w="57150">
+            <a:solidFill>
+              <a:schemeClr val="tx1"/>
+            </a:solidFill>
+            <a:tailEnd type="triangle"/>
+          </a:ln>
+        </p:spPr>
+        <p:style>
+          <a:lnRef idx="1">
+            <a:schemeClr val="accent1"/>
+          </a:lnRef>
+          <a:fillRef idx="0">
+            <a:schemeClr val="accent1"/>
+          </a:fillRef>
+          <a:effectRef idx="0">
+            <a:schemeClr val="accent1"/>
+          </a:effectRef>
+          <a:fontRef idx="minor">
+            <a:schemeClr val="tx1"/>
+          </a:fontRef>
+        </p:style>
+      </p:cxnSp>
+      <p:cxnSp>
+        <p:nvCxnSpPr>
+          <p:cNvPr id="30" name="Elbow Connector 29">
+            <a:extLst>
+              <a:ext uri="{FF2B5EF4-FFF2-40B4-BE49-F238E27FC236}">
+                <a16:creationId xmlns:a16="http://schemas.microsoft.com/office/drawing/2014/main" id="{40693823-A2D9-EDF2-429E-D76380A21DFF}"/>
+              </a:ext>
+            </a:extLst>
+          </p:cNvPr>
+          <p:cNvCxnSpPr>
+            <a:cxnSpLocks/>
+            <a:stCxn id="17" idx="3"/>
+            <a:endCxn id="11" idx="3"/>
+          </p:cNvCxnSpPr>
+          <p:nvPr/>
+        </p:nvCxnSpPr>
+        <p:spPr>
+          <a:xfrm flipV="1">
+            <a:off x="6424244" y="3301909"/>
+            <a:ext cx="572149" cy="6192892"/>
+          </a:xfrm>
+          <a:prstGeom prst="bentConnector3">
+            <a:avLst>
+              <a:gd name="adj1" fmla="val 139955"/>
+            </a:avLst>
+          </a:prstGeom>
+          <a:ln w="57150">
+            <a:solidFill>
+              <a:schemeClr val="tx1"/>
+            </a:solidFill>
+            <a:tailEnd type="triangle"/>
+          </a:ln>
+        </p:spPr>
+        <p:style>
+          <a:lnRef idx="1">
+            <a:schemeClr val="accent1"/>
+          </a:lnRef>
+          <a:fillRef idx="0">
+            <a:schemeClr val="accent1"/>
+          </a:fillRef>
+          <a:effectRef idx="0">
+            <a:schemeClr val="accent1"/>
+          </a:effectRef>
+          <a:fontRef idx="minor">
+            <a:schemeClr val="tx1"/>
+          </a:fontRef>
+        </p:style>
+      </p:cxnSp>
+      <p:cxnSp>
+        <p:nvCxnSpPr>
+          <p:cNvPr id="54" name="Straight Arrow Connector 53">
+            <a:extLst>
+              <a:ext uri="{FF2B5EF4-FFF2-40B4-BE49-F238E27FC236}">
+                <a16:creationId xmlns:a16="http://schemas.microsoft.com/office/drawing/2014/main" id="{68B384A0-6025-787B-5C51-0C3A31BA6E9C}"/>
+              </a:ext>
+            </a:extLst>
+          </p:cNvPr>
+          <p:cNvCxnSpPr>
+            <a:cxnSpLocks/>
+            <a:endCxn id="15" idx="0"/>
+          </p:cNvCxnSpPr>
+          <p:nvPr/>
+        </p:nvCxnSpPr>
+        <p:spPr>
+          <a:xfrm>
+            <a:off x="4437914" y="5486400"/>
+            <a:ext cx="650756" cy="1033889"/>
+          </a:xfrm>
+          <a:prstGeom prst="straightConnector1">
+            <a:avLst/>
+          </a:prstGeom>
+          <a:ln w="57150">
+            <a:solidFill>
+              <a:schemeClr val="tx1"/>
+            </a:solidFill>
+            <a:tailEnd type="triangle"/>
+          </a:ln>
+        </p:spPr>
+        <p:style>
+          <a:lnRef idx="1">
+            <a:schemeClr val="accent1"/>
+          </a:lnRef>
+          <a:fillRef idx="0">
+            <a:schemeClr val="accent1"/>
+          </a:fillRef>
+          <a:effectRef idx="0">
+            <a:schemeClr val="accent1"/>
+          </a:effectRef>
+          <a:fontRef idx="minor">
+            <a:schemeClr val="tx1"/>
+          </a:fontRef>
+        </p:style>
+      </p:cxnSp>
+      <p:cxnSp>
+        <p:nvCxnSpPr>
+          <p:cNvPr id="55" name="Straight Arrow Connector 54">
+            <a:extLst>
+              <a:ext uri="{FF2B5EF4-FFF2-40B4-BE49-F238E27FC236}">
+                <a16:creationId xmlns:a16="http://schemas.microsoft.com/office/drawing/2014/main" id="{E8AA2058-70A6-400D-56CA-B26915FA59C2}"/>
+              </a:ext>
+            </a:extLst>
+          </p:cNvPr>
+          <p:cNvCxnSpPr>
+            <a:cxnSpLocks/>
+          </p:cNvCxnSpPr>
+          <p:nvPr/>
+        </p:nvCxnSpPr>
+        <p:spPr>
+          <a:xfrm flipH="1">
+            <a:off x="5181917" y="5486400"/>
+            <a:ext cx="1335573" cy="1033888"/>
+          </a:xfrm>
+          <a:prstGeom prst="straightConnector1">
+            <a:avLst/>
+          </a:prstGeom>
+          <a:ln w="57150">
+            <a:solidFill>
+              <a:schemeClr val="tx1"/>
+            </a:solidFill>
+            <a:tailEnd type="triangle"/>
+          </a:ln>
+        </p:spPr>
+        <p:style>
+          <a:lnRef idx="1">
+            <a:schemeClr val="accent1"/>
+          </a:lnRef>
+          <a:fillRef idx="0">
+            <a:schemeClr val="accent1"/>
+          </a:fillRef>
+          <a:effectRef idx="0">
+            <a:schemeClr val="accent1"/>
+          </a:effectRef>
+          <a:fontRef idx="minor">
+            <a:schemeClr val="tx1"/>
+          </a:fontRef>
+        </p:style>
+      </p:cxnSp>
+    </p:spTree>
+    <p:extLst>
+      <p:ext uri="{BB962C8B-B14F-4D97-AF65-F5344CB8AC3E}">
+        <p14:creationId xmlns:p14="http://schemas.microsoft.com/office/powerpoint/2010/main" val="1944160990"/>
+      </p:ext>
+    </p:extLst>
+  </p:cSld>
+  <p:clrMapOvr>
+    <a:masterClrMapping/>
+  </p:clrMapOvr>
+</p:sld>
+</file>
+
+<file path=ppt/slides/slide3.xml><?xml version="1.0" encoding="utf-8"?>
+<p:sld xmlns:a="http://schemas.openxmlformats.org/drawingml/2006/main" xmlns:r="http://schemas.openxmlformats.org/officeDocument/2006/relationships" xmlns:p="http://schemas.openxmlformats.org/presentationml/2006/main">
+  <p:cSld>
+    <p:spTree>
+      <p:nvGrpSpPr>
+        <p:cNvPr id="1" name=""/>
+        <p:cNvGrpSpPr/>
+        <p:nvPr/>
+      </p:nvGrpSpPr>
+      <p:grpSpPr>
+        <a:xfrm>
+          <a:off x="0" y="0"/>
+          <a:ext cx="0" cy="0"/>
+          <a:chOff x="0" y="0"/>
+          <a:chExt cx="0" cy="0"/>
+        </a:xfrm>
+      </p:grpSpPr>
+      <p:sp>
+        <p:nvSpPr>
+          <p:cNvPr id="10" name="Rectangle 9">
+            <a:extLst>
+              <a:ext uri="{FF2B5EF4-FFF2-40B4-BE49-F238E27FC236}">
+                <a16:creationId xmlns:a16="http://schemas.microsoft.com/office/drawing/2014/main" id="{0D2483B0-5C9F-DC3B-BB65-8CD1816FDCF0}"/>
+              </a:ext>
+            </a:extLst>
+          </p:cNvPr>
+          <p:cNvSpPr/>
+          <p:nvPr/>
+        </p:nvSpPr>
+        <p:spPr>
+          <a:xfrm>
+            <a:off x="3566160" y="1874312"/>
+            <a:ext cx="1920240" cy="843098"/>
+          </a:xfrm>
+          <a:prstGeom prst="rect">
+            <a:avLst/>
+          </a:prstGeom>
+          <a:solidFill>
+            <a:schemeClr val="accent2">
+              <a:lumMod val="40000"/>
+              <a:lumOff val="60000"/>
+            </a:schemeClr>
+          </a:solidFill>
+        </p:spPr>
+        <p:style>
+          <a:lnRef idx="2">
+            <a:schemeClr val="accent1">
+              <a:shade val="15000"/>
+            </a:schemeClr>
+          </a:lnRef>
+          <a:fillRef idx="1">
+            <a:schemeClr val="accent1"/>
+          </a:fillRef>
+          <a:effectRef idx="0">
+            <a:schemeClr val="accent1"/>
+          </a:effectRef>
+          <a:fontRef idx="minor">
+            <a:schemeClr val="lt1"/>
+          </a:fontRef>
+        </p:style>
+        <p:txBody>
+          <a:bodyPr rtlCol="0" anchor="ctr"/>
+          <a:lstStyle/>
+          <a:p>
+            <a:pPr algn="ctr"/>
+            <a:r>
+              <a:rPr lang="en-US" sz="1600" b="1" dirty="0">
+                <a:solidFill>
+                  <a:schemeClr val="tx1"/>
+                </a:solidFill>
+              </a:rPr>
+              <a:t>Landscape</a:t>
+            </a:r>
+          </a:p>
+          <a:p>
+            <a:pPr algn="ctr"/>
+            <a:r>
+              <a:rPr lang="en-US" sz="1600" dirty="0">
+                <a:solidFill>
+                  <a:schemeClr val="tx1"/>
+                </a:solidFill>
+              </a:rPr>
+              <a:t>Habitat suitability </a:t>
+            </a:r>
+          </a:p>
+        </p:txBody>
+      </p:sp>
+      <p:sp>
+        <p:nvSpPr>
+          <p:cNvPr id="11" name="Rectangle 10">
+            <a:extLst>
+              <a:ext uri="{FF2B5EF4-FFF2-40B4-BE49-F238E27FC236}">
+                <a16:creationId xmlns:a16="http://schemas.microsoft.com/office/drawing/2014/main" id="{AD39AC9E-A8E3-2FA5-4C55-76483E8F1BE3}"/>
+              </a:ext>
+            </a:extLst>
+          </p:cNvPr>
+          <p:cNvSpPr/>
+          <p:nvPr/>
+        </p:nvSpPr>
+        <p:spPr>
+          <a:xfrm>
+            <a:off x="7824231" y="4626994"/>
+            <a:ext cx="1509992" cy="685159"/>
+          </a:xfrm>
+          <a:prstGeom prst="rect">
+            <a:avLst/>
+          </a:prstGeom>
+          <a:solidFill>
+            <a:schemeClr val="accent2">
+              <a:lumMod val="40000"/>
+              <a:lumOff val="60000"/>
+            </a:schemeClr>
+          </a:solidFill>
+        </p:spPr>
+        <p:style>
+          <a:lnRef idx="2">
+            <a:schemeClr val="accent1">
+              <a:shade val="15000"/>
+            </a:schemeClr>
+          </a:lnRef>
+          <a:fillRef idx="1">
+            <a:schemeClr val="accent1"/>
+          </a:fillRef>
+          <a:effectRef idx="0">
+            <a:schemeClr val="accent1"/>
+          </a:effectRef>
+          <a:fontRef idx="minor">
+            <a:schemeClr val="lt1"/>
+          </a:fontRef>
+        </p:style>
+        <p:txBody>
+          <a:bodyPr rtlCol="0" anchor="ctr"/>
+          <a:lstStyle/>
+          <a:p>
+            <a:pPr algn="ctr"/>
+            <a:r>
+              <a:rPr lang="en-US" sz="1600" b="1" dirty="0">
+                <a:solidFill>
+                  <a:schemeClr val="tx1"/>
+                </a:solidFill>
+              </a:rPr>
+              <a:t>New Landscape</a:t>
+            </a:r>
+            <a:endParaRPr lang="en-US" sz="1600" dirty="0">
+              <a:solidFill>
+                <a:schemeClr val="tx1"/>
+              </a:solidFill>
+            </a:endParaRPr>
+          </a:p>
+        </p:txBody>
+      </p:sp>
+      <p:sp>
+        <p:nvSpPr>
+          <p:cNvPr id="14" name="Rectangle 13">
+            <a:extLst>
+              <a:ext uri="{FF2B5EF4-FFF2-40B4-BE49-F238E27FC236}">
+                <a16:creationId xmlns:a16="http://schemas.microsoft.com/office/drawing/2014/main" id="{48A26938-B9D4-8C21-C377-75B1A4D51B6F}"/>
+              </a:ext>
+            </a:extLst>
+          </p:cNvPr>
+          <p:cNvSpPr/>
+          <p:nvPr/>
+        </p:nvSpPr>
+        <p:spPr>
+          <a:xfrm>
+            <a:off x="3495155" y="4643301"/>
+            <a:ext cx="3187028" cy="843098"/>
+          </a:xfrm>
+          <a:prstGeom prst="rect">
+            <a:avLst/>
+          </a:prstGeom>
+          <a:solidFill>
+            <a:schemeClr val="accent6">
+              <a:lumMod val="40000"/>
+              <a:lumOff val="60000"/>
+            </a:schemeClr>
+          </a:solidFill>
+        </p:spPr>
+        <p:style>
+          <a:lnRef idx="2">
+            <a:schemeClr val="accent1">
+              <a:shade val="15000"/>
+            </a:schemeClr>
+          </a:lnRef>
+          <a:fillRef idx="1">
+            <a:schemeClr val="accent1"/>
+          </a:fillRef>
+          <a:effectRef idx="0">
+            <a:schemeClr val="accent1"/>
+          </a:effectRef>
+          <a:fontRef idx="minor">
+            <a:schemeClr val="lt1"/>
+          </a:fontRef>
+        </p:style>
+        <p:txBody>
+          <a:bodyPr rtlCol="0" anchor="ctr"/>
+          <a:lstStyle/>
+          <a:p>
+            <a:pPr algn="ctr"/>
+            <a:r>
+              <a:rPr lang="en-US" sz="1600" b="1" dirty="0">
+                <a:solidFill>
+                  <a:schemeClr val="tx1"/>
+                </a:solidFill>
+              </a:rPr>
+              <a:t>RAMAS - SPATIAL DATA</a:t>
+            </a:r>
+          </a:p>
+          <a:p>
+            <a:pPr algn="ctr"/>
+            <a:r>
+              <a:rPr lang="en-US" sz="1600" dirty="0">
+                <a:solidFill>
+                  <a:schemeClr val="tx1"/>
+                </a:solidFill>
+              </a:rPr>
+              <a:t>Find patches &amp; metapopulations</a:t>
+            </a:r>
+          </a:p>
+        </p:txBody>
+      </p:sp>
+      <p:sp>
+        <p:nvSpPr>
+          <p:cNvPr id="15" name="Rectangle 14">
+            <a:extLst>
+              <a:ext uri="{FF2B5EF4-FFF2-40B4-BE49-F238E27FC236}">
+                <a16:creationId xmlns:a16="http://schemas.microsoft.com/office/drawing/2014/main" id="{0406F045-9C19-8278-E551-46B72292F6A7}"/>
+              </a:ext>
+            </a:extLst>
+          </p:cNvPr>
+          <p:cNvSpPr/>
+          <p:nvPr/>
+        </p:nvSpPr>
+        <p:spPr>
+          <a:xfrm>
+            <a:off x="3621418" y="6520288"/>
+            <a:ext cx="2934505" cy="843098"/>
+          </a:xfrm>
+          <a:prstGeom prst="rect">
+            <a:avLst/>
+          </a:prstGeom>
+          <a:solidFill>
+            <a:schemeClr val="accent4">
+              <a:lumMod val="40000"/>
+              <a:lumOff val="60000"/>
+            </a:schemeClr>
+          </a:solidFill>
+        </p:spPr>
+        <p:style>
+          <a:lnRef idx="2">
+            <a:schemeClr val="accent1">
+              <a:shade val="15000"/>
+            </a:schemeClr>
+          </a:lnRef>
+          <a:fillRef idx="1">
+            <a:schemeClr val="accent1"/>
+          </a:fillRef>
+          <a:effectRef idx="0">
+            <a:schemeClr val="accent1"/>
+          </a:effectRef>
+          <a:fontRef idx="minor">
+            <a:schemeClr val="lt1"/>
+          </a:fontRef>
+        </p:style>
+        <p:txBody>
+          <a:bodyPr rtlCol="0" anchor="ctr"/>
+          <a:lstStyle/>
+          <a:p>
+            <a:pPr algn="ctr"/>
+            <a:r>
+              <a:rPr lang="en-US" sz="1600" b="1" dirty="0">
+                <a:solidFill>
+                  <a:schemeClr val="tx1"/>
+                </a:solidFill>
+              </a:rPr>
+              <a:t>RAMAS - HABITAT DYNAMICS</a:t>
+            </a:r>
+          </a:p>
+          <a:p>
+            <a:pPr algn="ctr"/>
+            <a:r>
+              <a:rPr lang="en-US" sz="1600" dirty="0">
+                <a:solidFill>
+                  <a:schemeClr val="tx1"/>
+                </a:solidFill>
+              </a:rPr>
+              <a:t>Get metapopulation from merged maps</a:t>
+            </a:r>
+          </a:p>
+        </p:txBody>
+      </p:sp>
+      <p:sp>
+        <p:nvSpPr>
+          <p:cNvPr id="16" name="Rectangle 15">
+            <a:extLst>
+              <a:ext uri="{FF2B5EF4-FFF2-40B4-BE49-F238E27FC236}">
+                <a16:creationId xmlns:a16="http://schemas.microsoft.com/office/drawing/2014/main" id="{05686486-4FE4-1F62-8BA7-14B9F1D6ACB8}"/>
+              </a:ext>
+            </a:extLst>
+          </p:cNvPr>
+          <p:cNvSpPr/>
+          <p:nvPr/>
+        </p:nvSpPr>
+        <p:spPr>
+          <a:xfrm>
+            <a:off x="3685195" y="8054433"/>
+            <a:ext cx="2739056" cy="527627"/>
+          </a:xfrm>
+          <a:prstGeom prst="rect">
+            <a:avLst/>
+          </a:prstGeom>
+          <a:solidFill>
+            <a:schemeClr val="accent1">
+              <a:lumMod val="40000"/>
+              <a:lumOff val="60000"/>
+            </a:schemeClr>
+          </a:solidFill>
+        </p:spPr>
+        <p:style>
+          <a:lnRef idx="2">
+            <a:schemeClr val="accent1">
+              <a:shade val="15000"/>
+            </a:schemeClr>
+          </a:lnRef>
+          <a:fillRef idx="1">
+            <a:schemeClr val="accent1"/>
+          </a:fillRef>
+          <a:effectRef idx="0">
+            <a:schemeClr val="accent1"/>
+          </a:effectRef>
+          <a:fontRef idx="minor">
+            <a:schemeClr val="lt1"/>
+          </a:fontRef>
+        </p:style>
+        <p:txBody>
+          <a:bodyPr rtlCol="0" anchor="ctr"/>
+          <a:lstStyle/>
+          <a:p>
+            <a:pPr algn="ctr"/>
+            <a:r>
+              <a:rPr lang="en-US" sz="1600" b="1" dirty="0">
+                <a:solidFill>
+                  <a:schemeClr val="tx1"/>
+                </a:solidFill>
+              </a:rPr>
+              <a:t>RAMAS - METAPOP</a:t>
+            </a:r>
+          </a:p>
+          <a:p>
+            <a:pPr algn="ctr"/>
+            <a:r>
+              <a:rPr lang="en-US" sz="1600" dirty="0">
+                <a:solidFill>
+                  <a:schemeClr val="tx1"/>
+                </a:solidFill>
+              </a:rPr>
+              <a:t>Get survival probability</a:t>
+            </a:r>
+          </a:p>
+        </p:txBody>
+      </p:sp>
+      <p:sp>
+        <p:nvSpPr>
+          <p:cNvPr id="17" name="Rectangle 16">
+            <a:extLst>
+              <a:ext uri="{FF2B5EF4-FFF2-40B4-BE49-F238E27FC236}">
+                <a16:creationId xmlns:a16="http://schemas.microsoft.com/office/drawing/2014/main" id="{683D5EC9-B895-E68A-B3B5-7058C3629295}"/>
+              </a:ext>
+            </a:extLst>
+          </p:cNvPr>
+          <p:cNvSpPr/>
+          <p:nvPr/>
+        </p:nvSpPr>
+        <p:spPr>
+          <a:xfrm>
+            <a:off x="3685195" y="9230988"/>
+            <a:ext cx="2739049" cy="527627"/>
+          </a:xfrm>
+          <a:prstGeom prst="rect">
+            <a:avLst/>
+          </a:prstGeom>
+          <a:solidFill>
+            <a:srgbClr val="FBB4DF"/>
+          </a:solidFill>
+        </p:spPr>
+        <p:style>
+          <a:lnRef idx="2">
+            <a:schemeClr val="accent1">
+              <a:shade val="15000"/>
+            </a:schemeClr>
+          </a:lnRef>
+          <a:fillRef idx="1">
+            <a:schemeClr val="accent1"/>
+          </a:fillRef>
+          <a:effectRef idx="0">
+            <a:schemeClr val="accent1"/>
+          </a:effectRef>
+          <a:fontRef idx="minor">
+            <a:schemeClr val="lt1"/>
+          </a:fontRef>
+        </p:style>
+        <p:txBody>
+          <a:bodyPr rtlCol="0" anchor="ctr"/>
+          <a:lstStyle/>
+          <a:p>
+            <a:pPr algn="ctr"/>
+            <a:r>
+              <a:rPr lang="en-US" sz="1600" b="1" dirty="0">
+                <a:solidFill>
+                  <a:schemeClr val="tx1"/>
+                </a:solidFill>
+              </a:rPr>
+              <a:t>Solve Optimization Model</a:t>
+            </a:r>
+          </a:p>
+          <a:p>
+            <a:pPr algn="ctr"/>
+            <a:r>
+              <a:rPr lang="en-US" sz="1600" dirty="0">
+                <a:solidFill>
+                  <a:schemeClr val="tx1"/>
+                </a:solidFill>
+              </a:rPr>
+              <a:t>Optimize for new map</a:t>
+            </a:r>
+          </a:p>
+        </p:txBody>
+      </p:sp>
+      <p:cxnSp>
+        <p:nvCxnSpPr>
+          <p:cNvPr id="20" name="Straight Arrow Connector 19">
+            <a:extLst>
+              <a:ext uri="{FF2B5EF4-FFF2-40B4-BE49-F238E27FC236}">
+                <a16:creationId xmlns:a16="http://schemas.microsoft.com/office/drawing/2014/main" id="{A165B82F-5B35-3454-794B-BD8DE354B07E}"/>
+              </a:ext>
+            </a:extLst>
+          </p:cNvPr>
+          <p:cNvCxnSpPr>
+            <a:cxnSpLocks/>
+          </p:cNvCxnSpPr>
+          <p:nvPr/>
+        </p:nvCxnSpPr>
+        <p:spPr>
+          <a:xfrm>
+            <a:off x="4561837" y="2717409"/>
+            <a:ext cx="0" cy="1909586"/>
+          </a:xfrm>
+          <a:prstGeom prst="straightConnector1">
+            <a:avLst/>
+          </a:prstGeom>
+          <a:ln w="57150">
+            <a:solidFill>
+              <a:schemeClr val="tx1"/>
+            </a:solidFill>
+            <a:tailEnd type="triangle"/>
+          </a:ln>
+        </p:spPr>
+        <p:style>
+          <a:lnRef idx="1">
+            <a:schemeClr val="accent1"/>
+          </a:lnRef>
+          <a:fillRef idx="0">
+            <a:schemeClr val="accent1"/>
+          </a:fillRef>
+          <a:effectRef idx="0">
+            <a:schemeClr val="accent1"/>
+          </a:effectRef>
+          <a:fontRef idx="minor">
+            <a:schemeClr val="tx1"/>
+          </a:fontRef>
+        </p:style>
+      </p:cxnSp>
+      <p:cxnSp>
+        <p:nvCxnSpPr>
+          <p:cNvPr id="24" name="Straight Arrow Connector 23">
+            <a:extLst>
+              <a:ext uri="{FF2B5EF4-FFF2-40B4-BE49-F238E27FC236}">
+                <a16:creationId xmlns:a16="http://schemas.microsoft.com/office/drawing/2014/main" id="{C34A03BF-9D59-43BB-D349-14DA4822B3B1}"/>
+              </a:ext>
+            </a:extLst>
+          </p:cNvPr>
+          <p:cNvCxnSpPr>
+            <a:cxnSpLocks/>
+          </p:cNvCxnSpPr>
+          <p:nvPr/>
+        </p:nvCxnSpPr>
+        <p:spPr>
+          <a:xfrm flipH="1">
+            <a:off x="6689162" y="4969574"/>
+            <a:ext cx="1135069" cy="0"/>
+          </a:xfrm>
+          <a:prstGeom prst="straightConnector1">
+            <a:avLst/>
+          </a:prstGeom>
+          <a:ln w="57150">
+            <a:solidFill>
+              <a:schemeClr val="tx1"/>
+            </a:solidFill>
+            <a:tailEnd type="triangle"/>
+          </a:ln>
+        </p:spPr>
+        <p:style>
+          <a:lnRef idx="1">
+            <a:schemeClr val="accent1"/>
+          </a:lnRef>
+          <a:fillRef idx="0">
+            <a:schemeClr val="accent1"/>
+          </a:fillRef>
+          <a:effectRef idx="0">
+            <a:schemeClr val="accent1"/>
+          </a:effectRef>
+          <a:fontRef idx="minor">
+            <a:schemeClr val="tx1"/>
+          </a:fontRef>
+        </p:style>
+      </p:cxnSp>
+      <p:cxnSp>
+        <p:nvCxnSpPr>
+          <p:cNvPr id="26" name="Straight Arrow Connector 25">
+            <a:extLst>
+              <a:ext uri="{FF2B5EF4-FFF2-40B4-BE49-F238E27FC236}">
+                <a16:creationId xmlns:a16="http://schemas.microsoft.com/office/drawing/2014/main" id="{9A5666F6-35C7-E705-96D6-5DB41ADE77F2}"/>
+              </a:ext>
+            </a:extLst>
+          </p:cNvPr>
+          <p:cNvCxnSpPr>
+            <a:cxnSpLocks/>
+          </p:cNvCxnSpPr>
+          <p:nvPr/>
+        </p:nvCxnSpPr>
+        <p:spPr>
+          <a:xfrm>
+            <a:off x="5066013" y="7405504"/>
+            <a:ext cx="0" cy="648929"/>
+          </a:xfrm>
+          <a:prstGeom prst="straightConnector1">
+            <a:avLst/>
+          </a:prstGeom>
+          <a:ln w="57150">
+            <a:solidFill>
+              <a:schemeClr val="tx1"/>
+            </a:solidFill>
+            <a:tailEnd type="triangle"/>
+          </a:ln>
+        </p:spPr>
+        <p:style>
+          <a:lnRef idx="1">
+            <a:schemeClr val="accent1"/>
+          </a:lnRef>
+          <a:fillRef idx="0">
+            <a:schemeClr val="accent1"/>
+          </a:fillRef>
+          <a:effectRef idx="0">
+            <a:schemeClr val="accent1"/>
+          </a:effectRef>
+          <a:fontRef idx="minor">
+            <a:schemeClr val="tx1"/>
+          </a:fontRef>
+        </p:style>
+      </p:cxnSp>
+      <p:cxnSp>
+        <p:nvCxnSpPr>
+          <p:cNvPr id="27" name="Straight Arrow Connector 26">
+            <a:extLst>
+              <a:ext uri="{FF2B5EF4-FFF2-40B4-BE49-F238E27FC236}">
+                <a16:creationId xmlns:a16="http://schemas.microsoft.com/office/drawing/2014/main" id="{BBAEEC23-0F1F-B74F-0E82-54721C143DB8}"/>
+              </a:ext>
+            </a:extLst>
+          </p:cNvPr>
+          <p:cNvCxnSpPr>
+            <a:cxnSpLocks/>
+          </p:cNvCxnSpPr>
+          <p:nvPr/>
+        </p:nvCxnSpPr>
+        <p:spPr>
+          <a:xfrm>
+            <a:off x="5061402" y="8582060"/>
+            <a:ext cx="0" cy="648929"/>
+          </a:xfrm>
+          <a:prstGeom prst="straightConnector1">
+            <a:avLst/>
+          </a:prstGeom>
+          <a:ln w="57150">
+            <a:solidFill>
+              <a:schemeClr val="tx1"/>
+            </a:solidFill>
+            <a:tailEnd type="triangle"/>
+          </a:ln>
+        </p:spPr>
+        <p:style>
+          <a:lnRef idx="1">
+            <a:schemeClr val="accent1"/>
+          </a:lnRef>
+          <a:fillRef idx="0">
+            <a:schemeClr val="accent1"/>
+          </a:fillRef>
+          <a:effectRef idx="0">
+            <a:schemeClr val="accent1"/>
+          </a:effectRef>
+          <a:fontRef idx="minor">
+            <a:schemeClr val="tx1"/>
+          </a:fontRef>
+        </p:style>
+      </p:cxnSp>
+      <p:cxnSp>
+        <p:nvCxnSpPr>
+          <p:cNvPr id="30" name="Elbow Connector 29">
+            <a:extLst>
+              <a:ext uri="{FF2B5EF4-FFF2-40B4-BE49-F238E27FC236}">
+                <a16:creationId xmlns:a16="http://schemas.microsoft.com/office/drawing/2014/main" id="{40693823-A2D9-EDF2-429E-D76380A21DFF}"/>
+              </a:ext>
+            </a:extLst>
+          </p:cNvPr>
+          <p:cNvCxnSpPr>
+            <a:cxnSpLocks/>
+            <a:stCxn id="17" idx="3"/>
+            <a:endCxn id="11" idx="3"/>
+          </p:cNvCxnSpPr>
+          <p:nvPr/>
+        </p:nvCxnSpPr>
+        <p:spPr>
+          <a:xfrm flipV="1">
+            <a:off x="6424244" y="4969574"/>
+            <a:ext cx="2909979" cy="4525228"/>
+          </a:xfrm>
+          <a:prstGeom prst="bentConnector3">
+            <a:avLst>
+              <a:gd name="adj1" fmla="val 107856"/>
+            </a:avLst>
+          </a:prstGeom>
+          <a:ln w="57150">
+            <a:solidFill>
+              <a:schemeClr val="tx1"/>
+            </a:solidFill>
+            <a:tailEnd type="triangle"/>
+          </a:ln>
+        </p:spPr>
+        <p:style>
+          <a:lnRef idx="1">
+            <a:schemeClr val="accent1"/>
+          </a:lnRef>
+          <a:fillRef idx="0">
+            <a:schemeClr val="accent1"/>
+          </a:fillRef>
+          <a:effectRef idx="0">
+            <a:schemeClr val="accent1"/>
+          </a:effectRef>
+          <a:fontRef idx="minor">
+            <a:schemeClr val="tx1"/>
+          </a:fontRef>
+        </p:style>
+      </p:cxnSp>
+      <p:cxnSp>
+        <p:nvCxnSpPr>
+          <p:cNvPr id="54" name="Straight Arrow Connector 53">
+            <a:extLst>
+              <a:ext uri="{FF2B5EF4-FFF2-40B4-BE49-F238E27FC236}">
+                <a16:creationId xmlns:a16="http://schemas.microsoft.com/office/drawing/2014/main" id="{68B384A0-6025-787B-5C51-0C3A31BA6E9C}"/>
+              </a:ext>
+            </a:extLst>
+          </p:cNvPr>
+          <p:cNvCxnSpPr>
+            <a:cxnSpLocks/>
+            <a:endCxn id="15" idx="0"/>
+          </p:cNvCxnSpPr>
+          <p:nvPr/>
+        </p:nvCxnSpPr>
+        <p:spPr>
+          <a:xfrm>
+            <a:off x="4437914" y="5486400"/>
+            <a:ext cx="650756" cy="1033889"/>
+          </a:xfrm>
+          <a:prstGeom prst="straightConnector1">
+            <a:avLst/>
+          </a:prstGeom>
+          <a:ln w="57150">
+            <a:solidFill>
+              <a:schemeClr val="tx1"/>
+            </a:solidFill>
+            <a:tailEnd type="triangle"/>
+          </a:ln>
+        </p:spPr>
+        <p:style>
+          <a:lnRef idx="1">
+            <a:schemeClr val="accent1"/>
+          </a:lnRef>
+          <a:fillRef idx="0">
+            <a:schemeClr val="accent1"/>
+          </a:fillRef>
+          <a:effectRef idx="0">
+            <a:schemeClr val="accent1"/>
+          </a:effectRef>
+          <a:fontRef idx="minor">
+            <a:schemeClr val="tx1"/>
+          </a:fontRef>
+        </p:style>
+      </p:cxnSp>
+      <p:cxnSp>
+        <p:nvCxnSpPr>
+          <p:cNvPr id="55" name="Straight Arrow Connector 54">
+            <a:extLst>
+              <a:ext uri="{FF2B5EF4-FFF2-40B4-BE49-F238E27FC236}">
+                <a16:creationId xmlns:a16="http://schemas.microsoft.com/office/drawing/2014/main" id="{E8AA2058-70A6-400D-56CA-B26915FA59C2}"/>
+              </a:ext>
+            </a:extLst>
+          </p:cNvPr>
+          <p:cNvCxnSpPr>
+            <a:cxnSpLocks/>
+          </p:cNvCxnSpPr>
+          <p:nvPr/>
+        </p:nvCxnSpPr>
+        <p:spPr>
+          <a:xfrm flipH="1">
+            <a:off x="5181917" y="5486400"/>
+            <a:ext cx="1335573" cy="1033888"/>
+          </a:xfrm>
+          <a:prstGeom prst="straightConnector1">
+            <a:avLst/>
+          </a:prstGeom>
+          <a:ln w="57150">
+            <a:solidFill>
+              <a:schemeClr val="tx1"/>
+            </a:solidFill>
+            <a:tailEnd type="triangle"/>
+          </a:ln>
+        </p:spPr>
+        <p:style>
+          <a:lnRef idx="1">
+            <a:schemeClr val="accent1"/>
+          </a:lnRef>
+          <a:fillRef idx="0">
+            <a:schemeClr val="accent1"/>
+          </a:fillRef>
+          <a:effectRef idx="0">
+            <a:schemeClr val="accent1"/>
+          </a:effectRef>
+          <a:fontRef idx="minor">
+            <a:schemeClr val="tx1"/>
+          </a:fontRef>
+        </p:style>
+      </p:cxnSp>
+    </p:spTree>
+    <p:extLst>
+      <p:ext uri="{BB962C8B-B14F-4D97-AF65-F5344CB8AC3E}">
+        <p14:creationId xmlns:p14="http://schemas.microsoft.com/office/powerpoint/2010/main" val="1633147604"/>
+      </p:ext>
+    </p:extLst>
+  </p:cSld>
+  <p:clrMapOvr>
+    <a:masterClrMapping/>
+  </p:clrMapOvr>
+</p:sld>
+</file>
+
+<file path=ppt/slides/slide4.xml><?xml version="1.0" encoding="utf-8"?>
+<p:sld xmlns:a="http://schemas.openxmlformats.org/drawingml/2006/main" xmlns:r="http://schemas.openxmlformats.org/officeDocument/2006/relationships" xmlns:p="http://schemas.openxmlformats.org/presentationml/2006/main">
+  <p:cSld>
+    <p:spTree>
+      <p:nvGrpSpPr>
+        <p:cNvPr id="1" name=""/>
+        <p:cNvGrpSpPr/>
+        <p:nvPr/>
+      </p:nvGrpSpPr>
+      <p:grpSpPr>
+        <a:xfrm>
+          <a:off x="0" y="0"/>
+          <a:ext cx="0" cy="0"/>
+          <a:chOff x="0" y="0"/>
+          <a:chExt cx="0" cy="0"/>
+        </a:xfrm>
+      </p:grpSpPr>
+      <p:sp>
+        <p:nvSpPr>
+          <p:cNvPr id="10" name="Rectangle 9">
+            <a:extLst>
+              <a:ext uri="{FF2B5EF4-FFF2-40B4-BE49-F238E27FC236}">
+                <a16:creationId xmlns:a16="http://schemas.microsoft.com/office/drawing/2014/main" id="{0D2483B0-5C9F-DC3B-BB65-8CD1816FDCF0}"/>
+              </a:ext>
+            </a:extLst>
+          </p:cNvPr>
+          <p:cNvSpPr/>
+          <p:nvPr/>
+        </p:nvSpPr>
+        <p:spPr>
+          <a:xfrm>
+            <a:off x="3566160" y="1874312"/>
+            <a:ext cx="1920240" cy="843098"/>
+          </a:xfrm>
+          <a:prstGeom prst="rect">
+            <a:avLst/>
+          </a:prstGeom>
+          <a:solidFill>
+            <a:schemeClr val="accent2">
+              <a:lumMod val="40000"/>
+              <a:lumOff val="60000"/>
+            </a:schemeClr>
+          </a:solidFill>
+        </p:spPr>
+        <p:style>
+          <a:lnRef idx="2">
+            <a:schemeClr val="accent1">
+              <a:shade val="15000"/>
+            </a:schemeClr>
+          </a:lnRef>
+          <a:fillRef idx="1">
+            <a:schemeClr val="accent1"/>
+          </a:fillRef>
+          <a:effectRef idx="0">
+            <a:schemeClr val="accent1"/>
+          </a:effectRef>
+          <a:fontRef idx="minor">
+            <a:schemeClr val="lt1"/>
+          </a:fontRef>
+        </p:style>
+        <p:txBody>
+          <a:bodyPr rtlCol="0" anchor="ctr"/>
+          <a:lstStyle/>
+          <a:p>
+            <a:pPr algn="ctr"/>
+            <a:r>
+              <a:rPr lang="en-US" sz="1600" b="1" dirty="0">
+                <a:solidFill>
+                  <a:schemeClr val="tx1"/>
+                </a:solidFill>
+              </a:rPr>
+              <a:t>Landscape</a:t>
+            </a:r>
+          </a:p>
+          <a:p>
+            <a:pPr algn="ctr"/>
+            <a:r>
+              <a:rPr lang="en-US" sz="1600" dirty="0">
+                <a:solidFill>
+                  <a:schemeClr val="tx1"/>
+                </a:solidFill>
+              </a:rPr>
+              <a:t>Habitat suitability </a:t>
+            </a:r>
+          </a:p>
+        </p:txBody>
+      </p:sp>
+      <p:sp>
+        <p:nvSpPr>
+          <p:cNvPr id="11" name="Rectangle 10">
+            <a:extLst>
+              <a:ext uri="{FF2B5EF4-FFF2-40B4-BE49-F238E27FC236}">
+                <a16:creationId xmlns:a16="http://schemas.microsoft.com/office/drawing/2014/main" id="{AD39AC9E-A8E3-2FA5-4C55-76483E8F1BE3}"/>
+              </a:ext>
+            </a:extLst>
+          </p:cNvPr>
+          <p:cNvSpPr/>
+          <p:nvPr/>
+        </p:nvSpPr>
+        <p:spPr>
+          <a:xfrm>
+            <a:off x="7824231" y="4626994"/>
+            <a:ext cx="1509992" cy="685159"/>
+          </a:xfrm>
+          <a:prstGeom prst="rect">
+            <a:avLst/>
+          </a:prstGeom>
+          <a:solidFill>
+            <a:schemeClr val="accent2">
+              <a:lumMod val="40000"/>
+              <a:lumOff val="60000"/>
+            </a:schemeClr>
+          </a:solidFill>
+        </p:spPr>
+        <p:style>
+          <a:lnRef idx="2">
+            <a:schemeClr val="accent1">
+              <a:shade val="15000"/>
+            </a:schemeClr>
+          </a:lnRef>
+          <a:fillRef idx="1">
+            <a:schemeClr val="accent1"/>
+          </a:fillRef>
+          <a:effectRef idx="0">
+            <a:schemeClr val="accent1"/>
+          </a:effectRef>
+          <a:fontRef idx="minor">
+            <a:schemeClr val="lt1"/>
+          </a:fontRef>
+        </p:style>
+        <p:txBody>
+          <a:bodyPr rtlCol="0" anchor="ctr"/>
+          <a:lstStyle/>
+          <a:p>
+            <a:pPr algn="ctr"/>
+            <a:r>
+              <a:rPr lang="en-US" sz="1600" b="1" dirty="0">
+                <a:solidFill>
+                  <a:schemeClr val="tx1"/>
+                </a:solidFill>
+              </a:rPr>
+              <a:t>Parcels to preserve</a:t>
+            </a:r>
+            <a:endParaRPr lang="en-US" sz="1600" dirty="0">
+              <a:solidFill>
+                <a:schemeClr val="tx1"/>
+              </a:solidFill>
+            </a:endParaRPr>
+          </a:p>
+        </p:txBody>
+      </p:sp>
+      <p:sp>
+        <p:nvSpPr>
+          <p:cNvPr id="16" name="Rectangle 15">
+            <a:extLst>
+              <a:ext uri="{FF2B5EF4-FFF2-40B4-BE49-F238E27FC236}">
+                <a16:creationId xmlns:a16="http://schemas.microsoft.com/office/drawing/2014/main" id="{05686486-4FE4-1F62-8BA7-14B9F1D6ACB8}"/>
+              </a:ext>
+            </a:extLst>
+          </p:cNvPr>
+          <p:cNvSpPr/>
+          <p:nvPr/>
+        </p:nvSpPr>
+        <p:spPr>
+          <a:xfrm>
+            <a:off x="3685195" y="4969573"/>
+            <a:ext cx="2739056" cy="3612487"/>
+          </a:xfrm>
+          <a:prstGeom prst="rect">
+            <a:avLst/>
+          </a:prstGeom>
+          <a:solidFill>
+            <a:schemeClr val="accent1">
+              <a:lumMod val="40000"/>
+              <a:lumOff val="60000"/>
+            </a:schemeClr>
+          </a:solidFill>
+        </p:spPr>
+        <p:style>
+          <a:lnRef idx="2">
+            <a:schemeClr val="accent1">
+              <a:shade val="15000"/>
+            </a:schemeClr>
+          </a:lnRef>
+          <a:fillRef idx="1">
+            <a:schemeClr val="accent1"/>
+          </a:fillRef>
+          <a:effectRef idx="0">
+            <a:schemeClr val="accent1"/>
+          </a:effectRef>
+          <a:fontRef idx="minor">
+            <a:schemeClr val="lt1"/>
+          </a:fontRef>
+        </p:style>
+        <p:txBody>
+          <a:bodyPr rtlCol="0" anchor="ctr"/>
+          <a:lstStyle/>
+          <a:p>
+            <a:pPr algn="ctr"/>
+            <a:r>
+              <a:rPr lang="en-US" sz="1600" b="1" dirty="0">
+                <a:solidFill>
+                  <a:schemeClr val="tx1"/>
+                </a:solidFill>
+              </a:rPr>
+              <a:t>Blackbox</a:t>
+            </a:r>
+          </a:p>
+          <a:p>
+            <a:pPr algn="ctr"/>
+            <a:r>
+              <a:rPr lang="en-US" sz="1600" dirty="0">
+                <a:solidFill>
+                  <a:schemeClr val="tx1"/>
+                </a:solidFill>
+              </a:rPr>
+              <a:t>Simulate the probability of survival when preserving only the parcels specified  </a:t>
+            </a:r>
+          </a:p>
+        </p:txBody>
+      </p:sp>
+      <p:sp>
+        <p:nvSpPr>
+          <p:cNvPr id="17" name="Rectangle 16">
+            <a:extLst>
+              <a:ext uri="{FF2B5EF4-FFF2-40B4-BE49-F238E27FC236}">
+                <a16:creationId xmlns:a16="http://schemas.microsoft.com/office/drawing/2014/main" id="{683D5EC9-B895-E68A-B3B5-7058C3629295}"/>
+              </a:ext>
+            </a:extLst>
+          </p:cNvPr>
+          <p:cNvSpPr/>
+          <p:nvPr/>
+        </p:nvSpPr>
+        <p:spPr>
+          <a:xfrm>
+            <a:off x="3685195" y="9230988"/>
+            <a:ext cx="2739049" cy="527627"/>
+          </a:xfrm>
+          <a:prstGeom prst="rect">
+            <a:avLst/>
+          </a:prstGeom>
+          <a:solidFill>
+            <a:srgbClr val="FBB4DF"/>
+          </a:solidFill>
+        </p:spPr>
+        <p:style>
+          <a:lnRef idx="2">
+            <a:schemeClr val="accent1">
+              <a:shade val="15000"/>
+            </a:schemeClr>
+          </a:lnRef>
+          <a:fillRef idx="1">
+            <a:schemeClr val="accent1"/>
+          </a:fillRef>
+          <a:effectRef idx="0">
+            <a:schemeClr val="accent1"/>
+          </a:effectRef>
+          <a:fontRef idx="minor">
+            <a:schemeClr val="lt1"/>
+          </a:fontRef>
+        </p:style>
+        <p:txBody>
+          <a:bodyPr rtlCol="0" anchor="ctr"/>
+          <a:lstStyle/>
+          <a:p>
+            <a:pPr algn="ctr"/>
+            <a:r>
+              <a:rPr lang="en-US" sz="1600" b="1" dirty="0">
+                <a:solidFill>
+                  <a:schemeClr val="tx1"/>
+                </a:solidFill>
+              </a:rPr>
+              <a:t>Solve Optimization Model</a:t>
+            </a:r>
+          </a:p>
+          <a:p>
+            <a:pPr algn="ctr"/>
+            <a:r>
+              <a:rPr lang="en-US" sz="1600" dirty="0">
+                <a:solidFill>
+                  <a:schemeClr val="tx1"/>
+                </a:solidFill>
+              </a:rPr>
+              <a:t>Optimize for new map</a:t>
+            </a:r>
+          </a:p>
+        </p:txBody>
+      </p:sp>
+      <p:cxnSp>
+        <p:nvCxnSpPr>
+          <p:cNvPr id="20" name="Straight Arrow Connector 19">
+            <a:extLst>
+              <a:ext uri="{FF2B5EF4-FFF2-40B4-BE49-F238E27FC236}">
+                <a16:creationId xmlns:a16="http://schemas.microsoft.com/office/drawing/2014/main" id="{A165B82F-5B35-3454-794B-BD8DE354B07E}"/>
+              </a:ext>
+            </a:extLst>
+          </p:cNvPr>
+          <p:cNvCxnSpPr>
+            <a:cxnSpLocks/>
+          </p:cNvCxnSpPr>
+          <p:nvPr/>
+        </p:nvCxnSpPr>
+        <p:spPr>
+          <a:xfrm>
+            <a:off x="4561837" y="2717409"/>
+            <a:ext cx="0" cy="2252164"/>
+          </a:xfrm>
+          <a:prstGeom prst="straightConnector1">
+            <a:avLst/>
+          </a:prstGeom>
+          <a:ln w="57150">
+            <a:solidFill>
+              <a:schemeClr val="tx1"/>
+            </a:solidFill>
+            <a:tailEnd type="triangle"/>
+          </a:ln>
+        </p:spPr>
+        <p:style>
+          <a:lnRef idx="1">
+            <a:schemeClr val="accent1"/>
+          </a:lnRef>
+          <a:fillRef idx="0">
+            <a:schemeClr val="accent1"/>
+          </a:fillRef>
+          <a:effectRef idx="0">
+            <a:schemeClr val="accent1"/>
+          </a:effectRef>
+          <a:fontRef idx="minor">
+            <a:schemeClr val="tx1"/>
+          </a:fontRef>
+        </p:style>
+      </p:cxnSp>
+      <p:cxnSp>
+        <p:nvCxnSpPr>
+          <p:cNvPr id="24" name="Straight Arrow Connector 23">
+            <a:extLst>
+              <a:ext uri="{FF2B5EF4-FFF2-40B4-BE49-F238E27FC236}">
+                <a16:creationId xmlns:a16="http://schemas.microsoft.com/office/drawing/2014/main" id="{C34A03BF-9D59-43BB-D349-14DA4822B3B1}"/>
+              </a:ext>
+            </a:extLst>
+          </p:cNvPr>
+          <p:cNvCxnSpPr>
+            <a:cxnSpLocks/>
+          </p:cNvCxnSpPr>
+          <p:nvPr/>
+        </p:nvCxnSpPr>
+        <p:spPr>
+          <a:xfrm flipH="1">
+            <a:off x="6689162" y="4969574"/>
+            <a:ext cx="1135069" cy="0"/>
+          </a:xfrm>
+          <a:prstGeom prst="straightConnector1">
+            <a:avLst/>
+          </a:prstGeom>
+          <a:ln w="57150">
+            <a:solidFill>
+              <a:schemeClr val="tx1"/>
+            </a:solidFill>
+            <a:tailEnd type="triangle"/>
+          </a:ln>
+        </p:spPr>
+        <p:style>
+          <a:lnRef idx="1">
+            <a:schemeClr val="accent1"/>
+          </a:lnRef>
+          <a:fillRef idx="0">
+            <a:schemeClr val="accent1"/>
+          </a:fillRef>
+          <a:effectRef idx="0">
+            <a:schemeClr val="accent1"/>
+          </a:effectRef>
+          <a:fontRef idx="minor">
+            <a:schemeClr val="tx1"/>
+          </a:fontRef>
+        </p:style>
+      </p:cxnSp>
+      <p:cxnSp>
+        <p:nvCxnSpPr>
+          <p:cNvPr id="27" name="Straight Arrow Connector 26">
+            <a:extLst>
+              <a:ext uri="{FF2B5EF4-FFF2-40B4-BE49-F238E27FC236}">
+                <a16:creationId xmlns:a16="http://schemas.microsoft.com/office/drawing/2014/main" id="{BBAEEC23-0F1F-B74F-0E82-54721C143DB8}"/>
+              </a:ext>
+            </a:extLst>
+          </p:cNvPr>
+          <p:cNvCxnSpPr>
+            <a:cxnSpLocks/>
+          </p:cNvCxnSpPr>
+          <p:nvPr/>
+        </p:nvCxnSpPr>
+        <p:spPr>
+          <a:xfrm>
+            <a:off x="5061402" y="8582060"/>
+            <a:ext cx="0" cy="648929"/>
+          </a:xfrm>
+          <a:prstGeom prst="straightConnector1">
+            <a:avLst/>
+          </a:prstGeom>
+          <a:ln w="57150">
+            <a:solidFill>
+              <a:schemeClr val="tx1"/>
+            </a:solidFill>
+            <a:tailEnd type="triangle"/>
+          </a:ln>
+        </p:spPr>
+        <p:style>
+          <a:lnRef idx="1">
+            <a:schemeClr val="accent1"/>
+          </a:lnRef>
+          <a:fillRef idx="0">
+            <a:schemeClr val="accent1"/>
+          </a:fillRef>
+          <a:effectRef idx="0">
+            <a:schemeClr val="accent1"/>
+          </a:effectRef>
+          <a:fontRef idx="minor">
+            <a:schemeClr val="tx1"/>
+          </a:fontRef>
+        </p:style>
+      </p:cxnSp>
+      <p:cxnSp>
+        <p:nvCxnSpPr>
+          <p:cNvPr id="30" name="Elbow Connector 29">
+            <a:extLst>
+              <a:ext uri="{FF2B5EF4-FFF2-40B4-BE49-F238E27FC236}">
+                <a16:creationId xmlns:a16="http://schemas.microsoft.com/office/drawing/2014/main" id="{40693823-A2D9-EDF2-429E-D76380A21DFF}"/>
+              </a:ext>
+            </a:extLst>
+          </p:cNvPr>
+          <p:cNvCxnSpPr>
+            <a:cxnSpLocks/>
+            <a:stCxn id="17" idx="3"/>
+            <a:endCxn id="11" idx="3"/>
+          </p:cNvCxnSpPr>
+          <p:nvPr/>
+        </p:nvCxnSpPr>
+        <p:spPr>
+          <a:xfrm flipV="1">
+            <a:off x="6424244" y="4969574"/>
+            <a:ext cx="2909979" cy="4525228"/>
+          </a:xfrm>
+          <a:prstGeom prst="bentConnector3">
+            <a:avLst>
+              <a:gd name="adj1" fmla="val 107856"/>
+            </a:avLst>
+          </a:prstGeom>
+          <a:ln w="57150">
+            <a:solidFill>
+              <a:schemeClr val="tx1"/>
+            </a:solidFill>
+            <a:tailEnd type="triangle"/>
+          </a:ln>
+        </p:spPr>
+        <p:style>
+          <a:lnRef idx="1">
+            <a:schemeClr val="accent1"/>
+          </a:lnRef>
+          <a:fillRef idx="0">
+            <a:schemeClr val="accent1"/>
+          </a:fillRef>
+          <a:effectRef idx="0">
+            <a:schemeClr val="accent1"/>
+          </a:effectRef>
+          <a:fontRef idx="minor">
+            <a:schemeClr val="tx1"/>
+          </a:fontRef>
+        </p:style>
+      </p:cxnSp>
+    </p:spTree>
+    <p:extLst>
+      <p:ext uri="{BB962C8B-B14F-4D97-AF65-F5344CB8AC3E}">
+        <p14:creationId xmlns:p14="http://schemas.microsoft.com/office/powerpoint/2010/main" val="1534057526"/>
+      </p:ext>
+    </p:extLst>
+  </p:cSld>
+  <p:clrMapOvr>
+    <a:masterClrMapping/>
+  </p:clrMapOvr>
+</p:sld>
+</file>
+
+<file path=ppt/slides/slide5.xml><?xml version="1.0" encoding="utf-8"?>
+<p:sld xmlns:a="http://schemas.openxmlformats.org/drawingml/2006/main" xmlns:r="http://schemas.openxmlformats.org/officeDocument/2006/relationships" xmlns:p="http://schemas.openxmlformats.org/presentationml/2006/main">
+  <p:cSld>
+    <p:spTree>
+      <p:nvGrpSpPr>
+        <p:cNvPr id="1" name=""/>
+        <p:cNvGrpSpPr/>
+        <p:nvPr/>
+      </p:nvGrpSpPr>
+      <p:grpSpPr>
+        <a:xfrm>
+          <a:off x="0" y="0"/>
+          <a:ext cx="0" cy="0"/>
+          <a:chOff x="0" y="0"/>
+          <a:chExt cx="0" cy="0"/>
+        </a:xfrm>
+      </p:grpSpPr>
+      <p:sp>
+        <p:nvSpPr>
+          <p:cNvPr id="10" name="Rectangle 9">
+            <a:extLst>
+              <a:ext uri="{FF2B5EF4-FFF2-40B4-BE49-F238E27FC236}">
+                <a16:creationId xmlns:a16="http://schemas.microsoft.com/office/drawing/2014/main" id="{0D2483B0-5C9F-DC3B-BB65-8CD1816FDCF0}"/>
+              </a:ext>
+            </a:extLst>
+          </p:cNvPr>
+          <p:cNvSpPr/>
+          <p:nvPr/>
+        </p:nvSpPr>
+        <p:spPr>
+          <a:xfrm>
+            <a:off x="543470" y="374002"/>
+            <a:ext cx="1920240" cy="843098"/>
+          </a:xfrm>
+          <a:prstGeom prst="rect">
+            <a:avLst/>
+          </a:prstGeom>
+          <a:solidFill>
+            <a:schemeClr val="accent2">
+              <a:lumMod val="40000"/>
+              <a:lumOff val="60000"/>
+            </a:schemeClr>
+          </a:solidFill>
+        </p:spPr>
+        <p:style>
+          <a:lnRef idx="2">
+            <a:schemeClr val="accent1">
+              <a:shade val="15000"/>
+            </a:schemeClr>
+          </a:lnRef>
+          <a:fillRef idx="1">
+            <a:schemeClr val="accent1"/>
+          </a:fillRef>
+          <a:effectRef idx="0">
+            <a:schemeClr val="accent1"/>
+          </a:effectRef>
+          <a:fontRef idx="minor">
+            <a:schemeClr val="lt1"/>
+          </a:fontRef>
+        </p:style>
+        <p:txBody>
+          <a:bodyPr rtlCol="0" anchor="ctr"/>
+          <a:lstStyle/>
+          <a:p>
+            <a:pPr algn="ctr"/>
+            <a:r>
+              <a:rPr lang="en-US" sz="1600" b="1" dirty="0">
+                <a:solidFill>
+                  <a:schemeClr val="tx1"/>
+                </a:solidFill>
+              </a:rPr>
+              <a:t>Generate Landscape</a:t>
+            </a:r>
+          </a:p>
+          <a:p>
+            <a:pPr algn="ctr"/>
+            <a:r>
+              <a:rPr lang="en-US" sz="1600" dirty="0">
+                <a:solidFill>
+                  <a:schemeClr val="tx1"/>
+                </a:solidFill>
+              </a:rPr>
+              <a:t>Habitat suitability </a:t>
+            </a:r>
+          </a:p>
+        </p:txBody>
+      </p:sp>
+      <p:sp>
+        <p:nvSpPr>
+          <p:cNvPr id="11" name="Rectangle 10">
+            <a:extLst>
+              <a:ext uri="{FF2B5EF4-FFF2-40B4-BE49-F238E27FC236}">
+                <a16:creationId xmlns:a16="http://schemas.microsoft.com/office/drawing/2014/main" id="{AD39AC9E-A8E3-2FA5-4C55-76483E8F1BE3}"/>
+              </a:ext>
+            </a:extLst>
+          </p:cNvPr>
+          <p:cNvSpPr/>
+          <p:nvPr/>
+        </p:nvSpPr>
+        <p:spPr>
+          <a:xfrm>
+            <a:off x="3488267" y="2370665"/>
+            <a:ext cx="1509992" cy="685159"/>
+          </a:xfrm>
+          <a:prstGeom prst="rect">
+            <a:avLst/>
+          </a:prstGeom>
+          <a:solidFill>
+            <a:schemeClr val="accent2">
+              <a:lumMod val="40000"/>
+              <a:lumOff val="60000"/>
+            </a:schemeClr>
+          </a:solidFill>
+        </p:spPr>
+        <p:style>
+          <a:lnRef idx="2">
+            <a:schemeClr val="accent1">
+              <a:shade val="15000"/>
+            </a:schemeClr>
+          </a:lnRef>
+          <a:fillRef idx="1">
+            <a:schemeClr val="accent1"/>
+          </a:fillRef>
+          <a:effectRef idx="0">
+            <a:schemeClr val="accent1"/>
+          </a:effectRef>
+          <a:fontRef idx="minor">
+            <a:schemeClr val="lt1"/>
+          </a:fontRef>
+        </p:style>
+        <p:txBody>
+          <a:bodyPr rtlCol="0" anchor="ctr"/>
+          <a:lstStyle/>
+          <a:p>
+            <a:pPr algn="ctr"/>
+            <a:r>
+              <a:rPr lang="en-US" sz="1600" b="1" dirty="0">
+                <a:solidFill>
+                  <a:schemeClr val="tx1"/>
+                </a:solidFill>
+              </a:rPr>
+              <a:t>Optimal Configuration</a:t>
+            </a:r>
+            <a:endParaRPr lang="en-US" sz="1600" dirty="0">
+              <a:solidFill>
+                <a:schemeClr val="tx1"/>
+              </a:solidFill>
+            </a:endParaRPr>
+          </a:p>
+        </p:txBody>
+      </p:sp>
+      <p:sp>
+        <p:nvSpPr>
+          <p:cNvPr id="14" name="Rectangle 13">
+            <a:extLst>
+              <a:ext uri="{FF2B5EF4-FFF2-40B4-BE49-F238E27FC236}">
+                <a16:creationId xmlns:a16="http://schemas.microsoft.com/office/drawing/2014/main" id="{48A26938-B9D4-8C21-C377-75B1A4D51B6F}"/>
+              </a:ext>
+            </a:extLst>
+          </p:cNvPr>
+          <p:cNvSpPr/>
+          <p:nvPr/>
+        </p:nvSpPr>
+        <p:spPr>
+          <a:xfrm>
+            <a:off x="579001" y="2370665"/>
+            <a:ext cx="1771401" cy="1033888"/>
+          </a:xfrm>
+          <a:prstGeom prst="rect">
+            <a:avLst/>
+          </a:prstGeom>
+          <a:solidFill>
+            <a:schemeClr val="accent4">
+              <a:lumMod val="40000"/>
+              <a:lumOff val="60000"/>
+            </a:schemeClr>
+          </a:solidFill>
+        </p:spPr>
+        <p:style>
+          <a:lnRef idx="2">
+            <a:schemeClr val="accent1">
+              <a:shade val="15000"/>
+            </a:schemeClr>
+          </a:lnRef>
+          <a:fillRef idx="1">
+            <a:schemeClr val="accent1"/>
+          </a:fillRef>
+          <a:effectRef idx="0">
+            <a:schemeClr val="accent1"/>
+          </a:effectRef>
+          <a:fontRef idx="minor">
+            <a:schemeClr val="lt1"/>
+          </a:fontRef>
+        </p:style>
+        <p:txBody>
+          <a:bodyPr rtlCol="0" anchor="ctr"/>
+          <a:lstStyle/>
+          <a:p>
+            <a:pPr algn="ctr"/>
+            <a:r>
+              <a:rPr lang="en-US" sz="1600" b="1" dirty="0">
+                <a:solidFill>
+                  <a:schemeClr val="tx1"/>
+                </a:solidFill>
+              </a:rPr>
+              <a:t>RAMAS - SPATIAL DATA</a:t>
+            </a:r>
+          </a:p>
+          <a:p>
+            <a:pPr algn="ctr"/>
+            <a:r>
+              <a:rPr lang="en-US" sz="1600" dirty="0">
+                <a:solidFill>
+                  <a:schemeClr val="tx1"/>
+                </a:solidFill>
+              </a:rPr>
+              <a:t>Find patches &amp; metapopulations</a:t>
+            </a:r>
+          </a:p>
+        </p:txBody>
+      </p:sp>
+      <p:sp>
+        <p:nvSpPr>
+          <p:cNvPr id="15" name="Rectangle 14">
+            <a:extLst>
+              <a:ext uri="{FF2B5EF4-FFF2-40B4-BE49-F238E27FC236}">
+                <a16:creationId xmlns:a16="http://schemas.microsoft.com/office/drawing/2014/main" id="{0406F045-9C19-8278-E551-46B72292F6A7}"/>
+              </a:ext>
+            </a:extLst>
+          </p:cNvPr>
+          <p:cNvSpPr/>
+          <p:nvPr/>
+        </p:nvSpPr>
+        <p:spPr>
+          <a:xfrm>
+            <a:off x="379993" y="3980286"/>
+            <a:ext cx="3836395" cy="1116759"/>
+          </a:xfrm>
+          <a:prstGeom prst="rect">
+            <a:avLst/>
+          </a:prstGeom>
+          <a:solidFill>
+            <a:schemeClr val="accent4">
+              <a:lumMod val="40000"/>
+              <a:lumOff val="60000"/>
+            </a:schemeClr>
+          </a:solidFill>
+        </p:spPr>
+        <p:style>
+          <a:lnRef idx="2">
+            <a:schemeClr val="accent1">
+              <a:shade val="15000"/>
+            </a:schemeClr>
+          </a:lnRef>
+          <a:fillRef idx="1">
+            <a:schemeClr val="accent1"/>
+          </a:fillRef>
+          <a:effectRef idx="0">
+            <a:schemeClr val="accent1"/>
+          </a:effectRef>
+          <a:fontRef idx="minor">
+            <a:schemeClr val="lt1"/>
+          </a:fontRef>
+        </p:style>
+        <p:txBody>
+          <a:bodyPr rtlCol="0" anchor="ctr"/>
+          <a:lstStyle/>
+          <a:p>
+            <a:pPr algn="ctr"/>
+            <a:r>
+              <a:rPr lang="en-US" sz="1600" b="1" dirty="0">
+                <a:solidFill>
+                  <a:schemeClr val="tx1"/>
+                </a:solidFill>
+              </a:rPr>
+              <a:t>RAMAS - HABITAT DYNAMICS</a:t>
+            </a:r>
+          </a:p>
+          <a:p>
+            <a:pPr algn="ctr"/>
+            <a:r>
+              <a:rPr lang="en-US" sz="1600" dirty="0">
+                <a:solidFill>
+                  <a:schemeClr val="tx1"/>
+                </a:solidFill>
+              </a:rPr>
+              <a:t>Get metapopulation from merged maps</a:t>
+            </a:r>
+          </a:p>
+          <a:p>
+            <a:pPr algn="ctr"/>
+            <a:r>
+              <a:rPr lang="en-US" sz="1600" dirty="0">
+                <a:solidFill>
+                  <a:schemeClr val="tx1"/>
+                </a:solidFill>
+              </a:rPr>
+              <a:t>(Only preserving patches in “optimal” configuration</a:t>
+            </a:r>
+          </a:p>
+        </p:txBody>
+      </p:sp>
+      <p:sp>
+        <p:nvSpPr>
+          <p:cNvPr id="16" name="Rectangle 15">
+            <a:extLst>
+              <a:ext uri="{FF2B5EF4-FFF2-40B4-BE49-F238E27FC236}">
+                <a16:creationId xmlns:a16="http://schemas.microsoft.com/office/drawing/2014/main" id="{05686486-4FE4-1F62-8BA7-14B9F1D6ACB8}"/>
+              </a:ext>
+            </a:extLst>
+          </p:cNvPr>
+          <p:cNvSpPr/>
+          <p:nvPr/>
+        </p:nvSpPr>
+        <p:spPr>
+          <a:xfrm>
+            <a:off x="271980" y="5828959"/>
+            <a:ext cx="2507772" cy="731903"/>
+          </a:xfrm>
+          <a:prstGeom prst="rect">
+            <a:avLst/>
+          </a:prstGeom>
+          <a:solidFill>
+            <a:schemeClr val="accent4">
+              <a:lumMod val="40000"/>
+              <a:lumOff val="60000"/>
+            </a:schemeClr>
+          </a:solidFill>
+        </p:spPr>
+        <p:style>
+          <a:lnRef idx="2">
+            <a:schemeClr val="accent1">
+              <a:shade val="15000"/>
+            </a:schemeClr>
+          </a:lnRef>
+          <a:fillRef idx="1">
+            <a:schemeClr val="accent1"/>
+          </a:fillRef>
+          <a:effectRef idx="0">
+            <a:schemeClr val="accent1"/>
+          </a:effectRef>
+          <a:fontRef idx="minor">
+            <a:schemeClr val="lt1"/>
+          </a:fontRef>
+        </p:style>
+        <p:txBody>
+          <a:bodyPr rtlCol="0" anchor="ctr"/>
+          <a:lstStyle/>
+          <a:p>
+            <a:pPr algn="ctr"/>
+            <a:r>
+              <a:rPr lang="en-US" sz="1600" b="1" dirty="0">
+                <a:solidFill>
+                  <a:schemeClr val="tx1"/>
+                </a:solidFill>
+              </a:rPr>
+              <a:t>RAMAS - METAPOP</a:t>
+            </a:r>
+          </a:p>
+          <a:p>
+            <a:pPr algn="ctr"/>
+            <a:r>
+              <a:rPr lang="en-US" sz="1600" dirty="0">
+                <a:solidFill>
+                  <a:schemeClr val="tx1"/>
+                </a:solidFill>
+              </a:rPr>
+              <a:t>Get survival  probability</a:t>
+            </a:r>
+          </a:p>
+        </p:txBody>
+      </p:sp>
+      <p:sp>
+        <p:nvSpPr>
+          <p:cNvPr id="17" name="Rectangle 16">
+            <a:extLst>
+              <a:ext uri="{FF2B5EF4-FFF2-40B4-BE49-F238E27FC236}">
+                <a16:creationId xmlns:a16="http://schemas.microsoft.com/office/drawing/2014/main" id="{683D5EC9-B895-E68A-B3B5-7058C3629295}"/>
+              </a:ext>
+            </a:extLst>
+          </p:cNvPr>
+          <p:cNvSpPr/>
+          <p:nvPr/>
+        </p:nvSpPr>
+        <p:spPr>
+          <a:xfrm>
+            <a:off x="588022" y="7209792"/>
+            <a:ext cx="1875688" cy="1463806"/>
+          </a:xfrm>
+          <a:prstGeom prst="rect">
+            <a:avLst/>
+          </a:prstGeom>
+          <a:solidFill>
+            <a:srgbClr val="FBB4DF"/>
+          </a:solidFill>
+        </p:spPr>
+        <p:style>
+          <a:lnRef idx="2">
+            <a:schemeClr val="accent1">
+              <a:shade val="15000"/>
+            </a:schemeClr>
+          </a:lnRef>
+          <a:fillRef idx="1">
+            <a:schemeClr val="accent1"/>
+          </a:fillRef>
+          <a:effectRef idx="0">
+            <a:schemeClr val="accent1"/>
+          </a:effectRef>
+          <a:fontRef idx="minor">
+            <a:schemeClr val="lt1"/>
+          </a:fontRef>
+        </p:style>
+        <p:txBody>
+          <a:bodyPr rtlCol="0" anchor="ctr"/>
+          <a:lstStyle/>
+          <a:p>
+            <a:pPr algn="ctr"/>
+            <a:r>
+              <a:rPr lang="en-US" sz="1600" b="1" dirty="0">
+                <a:solidFill>
+                  <a:schemeClr val="tx1"/>
+                </a:solidFill>
+              </a:rPr>
+              <a:t>Optimization Model</a:t>
+            </a:r>
+          </a:p>
+          <a:p>
+            <a:pPr algn="ctr"/>
+            <a:r>
+              <a:rPr lang="en-US" sz="1600" dirty="0">
+                <a:solidFill>
+                  <a:schemeClr val="tx1"/>
+                </a:solidFill>
+              </a:rPr>
+              <a:t>Optimize for new map</a:t>
+            </a:r>
+          </a:p>
+        </p:txBody>
+      </p:sp>
+      <p:cxnSp>
+        <p:nvCxnSpPr>
+          <p:cNvPr id="20" name="Straight Arrow Connector 19">
+            <a:extLst>
+              <a:ext uri="{FF2B5EF4-FFF2-40B4-BE49-F238E27FC236}">
+                <a16:creationId xmlns:a16="http://schemas.microsoft.com/office/drawing/2014/main" id="{A165B82F-5B35-3454-794B-BD8DE354B07E}"/>
+              </a:ext>
+            </a:extLst>
+          </p:cNvPr>
+          <p:cNvCxnSpPr>
+            <a:cxnSpLocks/>
+          </p:cNvCxnSpPr>
+          <p:nvPr/>
+        </p:nvCxnSpPr>
+        <p:spPr>
+          <a:xfrm>
+            <a:off x="1503590" y="1217100"/>
+            <a:ext cx="0" cy="1136633"/>
+          </a:xfrm>
+          <a:prstGeom prst="straightConnector1">
+            <a:avLst/>
+          </a:prstGeom>
+          <a:ln w="57150">
+            <a:solidFill>
+              <a:schemeClr val="tx1"/>
+            </a:solidFill>
+            <a:tailEnd type="triangle"/>
+          </a:ln>
+        </p:spPr>
+        <p:style>
+          <a:lnRef idx="1">
+            <a:schemeClr val="accent1"/>
+          </a:lnRef>
+          <a:fillRef idx="0">
+            <a:schemeClr val="accent1"/>
+          </a:fillRef>
+          <a:effectRef idx="0">
+            <a:schemeClr val="accent1"/>
+          </a:effectRef>
+          <a:fontRef idx="minor">
+            <a:schemeClr val="tx1"/>
+          </a:fontRef>
+        </p:style>
+      </p:cxnSp>
+      <p:cxnSp>
+        <p:nvCxnSpPr>
+          <p:cNvPr id="24" name="Straight Arrow Connector 23">
+            <a:extLst>
+              <a:ext uri="{FF2B5EF4-FFF2-40B4-BE49-F238E27FC236}">
+                <a16:creationId xmlns:a16="http://schemas.microsoft.com/office/drawing/2014/main" id="{C34A03BF-9D59-43BB-D349-14DA4822B3B1}"/>
+              </a:ext>
+            </a:extLst>
+          </p:cNvPr>
+          <p:cNvCxnSpPr>
+            <a:cxnSpLocks/>
+            <a:endCxn id="16" idx="0"/>
+          </p:cNvCxnSpPr>
+          <p:nvPr/>
+        </p:nvCxnSpPr>
+        <p:spPr>
+          <a:xfrm>
+            <a:off x="1525866" y="5097045"/>
+            <a:ext cx="0" cy="731914"/>
+          </a:xfrm>
+          <a:prstGeom prst="straightConnector1">
+            <a:avLst/>
+          </a:prstGeom>
+          <a:ln w="57150">
+            <a:solidFill>
+              <a:schemeClr val="tx1"/>
+            </a:solidFill>
+            <a:tailEnd type="triangle"/>
+          </a:ln>
+        </p:spPr>
+        <p:style>
+          <a:lnRef idx="1">
+            <a:schemeClr val="accent1"/>
+          </a:lnRef>
+          <a:fillRef idx="0">
+            <a:schemeClr val="accent1"/>
+          </a:fillRef>
+          <a:effectRef idx="0">
+            <a:schemeClr val="accent1"/>
+          </a:effectRef>
+          <a:fontRef idx="minor">
+            <a:schemeClr val="tx1"/>
+          </a:fontRef>
+        </p:style>
+      </p:cxnSp>
+      <p:cxnSp>
+        <p:nvCxnSpPr>
+          <p:cNvPr id="26" name="Straight Arrow Connector 25">
+            <a:extLst>
+              <a:ext uri="{FF2B5EF4-FFF2-40B4-BE49-F238E27FC236}">
+                <a16:creationId xmlns:a16="http://schemas.microsoft.com/office/drawing/2014/main" id="{9A5666F6-35C7-E705-96D6-5DB41ADE77F2}"/>
+              </a:ext>
+            </a:extLst>
+          </p:cNvPr>
+          <p:cNvCxnSpPr>
+            <a:cxnSpLocks/>
+          </p:cNvCxnSpPr>
+          <p:nvPr/>
+        </p:nvCxnSpPr>
+        <p:spPr>
+          <a:xfrm>
+            <a:off x="1525863" y="6560863"/>
+            <a:ext cx="0" cy="648929"/>
+          </a:xfrm>
+          <a:prstGeom prst="straightConnector1">
+            <a:avLst/>
+          </a:prstGeom>
+          <a:ln w="57150">
+            <a:solidFill>
+              <a:schemeClr val="tx1"/>
+            </a:solidFill>
+            <a:tailEnd type="triangle"/>
+          </a:ln>
+        </p:spPr>
+        <p:style>
+          <a:lnRef idx="1">
+            <a:schemeClr val="accent1"/>
+          </a:lnRef>
+          <a:fillRef idx="0">
+            <a:schemeClr val="accent1"/>
+          </a:fillRef>
+          <a:effectRef idx="0">
+            <a:schemeClr val="accent1"/>
+          </a:effectRef>
+          <a:fontRef idx="minor">
+            <a:schemeClr val="tx1"/>
+          </a:fontRef>
+        </p:style>
+      </p:cxnSp>
+      <p:cxnSp>
+        <p:nvCxnSpPr>
+          <p:cNvPr id="30" name="Elbow Connector 29">
+            <a:extLst>
+              <a:ext uri="{FF2B5EF4-FFF2-40B4-BE49-F238E27FC236}">
+                <a16:creationId xmlns:a16="http://schemas.microsoft.com/office/drawing/2014/main" id="{40693823-A2D9-EDF2-429E-D76380A21DFF}"/>
+              </a:ext>
+            </a:extLst>
+          </p:cNvPr>
+          <p:cNvCxnSpPr>
+            <a:cxnSpLocks/>
+            <a:stCxn id="17" idx="3"/>
+            <a:endCxn id="11" idx="3"/>
+          </p:cNvCxnSpPr>
+          <p:nvPr/>
+        </p:nvCxnSpPr>
+        <p:spPr>
+          <a:xfrm flipV="1">
+            <a:off x="2463710" y="2713245"/>
+            <a:ext cx="2534549" cy="5228450"/>
+          </a:xfrm>
+          <a:prstGeom prst="bentConnector3">
+            <a:avLst>
+              <a:gd name="adj1" fmla="val 109019"/>
+            </a:avLst>
+          </a:prstGeom>
+          <a:ln w="57150">
+            <a:solidFill>
+              <a:schemeClr val="tx1"/>
+            </a:solidFill>
+            <a:tailEnd type="triangle"/>
+          </a:ln>
+        </p:spPr>
+        <p:style>
+          <a:lnRef idx="1">
+            <a:schemeClr val="accent1"/>
+          </a:lnRef>
+          <a:fillRef idx="0">
+            <a:schemeClr val="accent1"/>
+          </a:fillRef>
+          <a:effectRef idx="0">
+            <a:schemeClr val="accent1"/>
+          </a:effectRef>
+          <a:fontRef idx="minor">
+            <a:schemeClr val="tx1"/>
+          </a:fontRef>
+        </p:style>
+      </p:cxnSp>
+      <p:cxnSp>
+        <p:nvCxnSpPr>
+          <p:cNvPr id="54" name="Straight Arrow Connector 53">
+            <a:extLst>
+              <a:ext uri="{FF2B5EF4-FFF2-40B4-BE49-F238E27FC236}">
+                <a16:creationId xmlns:a16="http://schemas.microsoft.com/office/drawing/2014/main" id="{68B384A0-6025-787B-5C51-0C3A31BA6E9C}"/>
+              </a:ext>
+            </a:extLst>
+          </p:cNvPr>
+          <p:cNvCxnSpPr>
+            <a:cxnSpLocks/>
+          </p:cNvCxnSpPr>
+          <p:nvPr/>
+        </p:nvCxnSpPr>
+        <p:spPr>
+          <a:xfrm>
+            <a:off x="1479957" y="3404553"/>
+            <a:ext cx="0" cy="575734"/>
+          </a:xfrm>
+          <a:prstGeom prst="straightConnector1">
+            <a:avLst/>
+          </a:prstGeom>
+          <a:ln w="57150">
+            <a:solidFill>
+              <a:schemeClr val="tx1"/>
+            </a:solidFill>
+            <a:tailEnd type="triangle"/>
+          </a:ln>
+        </p:spPr>
+        <p:style>
+          <a:lnRef idx="1">
+            <a:schemeClr val="accent1"/>
+          </a:lnRef>
+          <a:fillRef idx="0">
+            <a:schemeClr val="accent1"/>
+          </a:fillRef>
+          <a:effectRef idx="0">
+            <a:schemeClr val="accent1"/>
+          </a:effectRef>
+          <a:fontRef idx="minor">
+            <a:schemeClr val="tx1"/>
+          </a:fontRef>
+        </p:style>
+      </p:cxnSp>
+      <p:cxnSp>
+        <p:nvCxnSpPr>
+          <p:cNvPr id="55" name="Straight Arrow Connector 54">
+            <a:extLst>
+              <a:ext uri="{FF2B5EF4-FFF2-40B4-BE49-F238E27FC236}">
+                <a16:creationId xmlns:a16="http://schemas.microsoft.com/office/drawing/2014/main" id="{E8AA2058-70A6-400D-56CA-B26915FA59C2}"/>
+              </a:ext>
+            </a:extLst>
+          </p:cNvPr>
+          <p:cNvCxnSpPr>
+            <a:cxnSpLocks/>
+          </p:cNvCxnSpPr>
+          <p:nvPr/>
+        </p:nvCxnSpPr>
+        <p:spPr>
+          <a:xfrm flipH="1">
+            <a:off x="2335924" y="2713244"/>
+            <a:ext cx="1152343" cy="0"/>
+          </a:xfrm>
+          <a:prstGeom prst="straightConnector1">
+            <a:avLst/>
+          </a:prstGeom>
+          <a:ln w="57150">
+            <a:solidFill>
+              <a:schemeClr val="tx1"/>
+            </a:solidFill>
+            <a:tailEnd type="triangle"/>
+          </a:ln>
+        </p:spPr>
+        <p:style>
+          <a:lnRef idx="1">
+            <a:schemeClr val="accent1"/>
+          </a:lnRef>
+          <a:fillRef idx="0">
+            <a:schemeClr val="accent1"/>
+          </a:fillRef>
+          <a:effectRef idx="0">
+            <a:schemeClr val="accent1"/>
+          </a:effectRef>
+          <a:fontRef idx="minor">
+            <a:schemeClr val="tx1"/>
+          </a:fontRef>
+        </p:style>
+      </p:cxnSp>
+    </p:spTree>
+    <p:extLst>
+      <p:ext uri="{BB962C8B-B14F-4D97-AF65-F5344CB8AC3E}">
+        <p14:creationId xmlns:p14="http://schemas.microsoft.com/office/powerpoint/2010/main" val="2475127850"/>
+      </p:ext>
+    </p:extLst>
+  </p:cSld>
+  <p:clrMapOvr>
+    <a:masterClrMapping/>
+  </p:clrMapOvr>
+</p:sld>
+</file>
+
+<file path=ppt/slides/slide6.xml><?xml version="1.0" encoding="utf-8"?>
+<p:sld xmlns:a="http://schemas.openxmlformats.org/drawingml/2006/main" xmlns:r="http://schemas.openxmlformats.org/officeDocument/2006/relationships" xmlns:p="http://schemas.openxmlformats.org/presentationml/2006/main">
+  <p:cSld>
+    <p:spTree>
+      <p:nvGrpSpPr>
+        <p:cNvPr id="1" name=""/>
+        <p:cNvGrpSpPr/>
+        <p:nvPr/>
+      </p:nvGrpSpPr>
+      <p:grpSpPr>
+        <a:xfrm>
+          <a:off x="0" y="0"/>
+          <a:ext cx="0" cy="0"/>
+          <a:chOff x="0" y="0"/>
+          <a:chExt cx="0" cy="0"/>
+        </a:xfrm>
+      </p:grpSpPr>
+      <p:sp>
+        <p:nvSpPr>
+          <p:cNvPr id="2" name="Title 1">
+            <a:extLst>
+              <a:ext uri="{FF2B5EF4-FFF2-40B4-BE49-F238E27FC236}">
+                <a16:creationId xmlns:a16="http://schemas.microsoft.com/office/drawing/2014/main" id="{260953D5-E6A5-79EC-67D6-6FA76567E3F1}"/>
+              </a:ext>
+            </a:extLst>
+          </p:cNvPr>
+          <p:cNvSpPr>
+            <a:spLocks noGrp="1"/>
+          </p:cNvSpPr>
+          <p:nvPr>
+            <p:ph type="title"/>
+          </p:nvPr>
+        </p:nvSpPr>
+        <p:spPr/>
+        <p:txBody>
+          <a:bodyPr/>
+          <a:lstStyle/>
+          <a:p>
+            <a:endParaRPr lang="en-US"/>
+          </a:p>
+        </p:txBody>
+      </p:sp>
+      <p:sp>
+        <p:nvSpPr>
+          <p:cNvPr id="3" name="Content Placeholder 2">
+            <a:extLst>
+              <a:ext uri="{FF2B5EF4-FFF2-40B4-BE49-F238E27FC236}">
+                <a16:creationId xmlns:a16="http://schemas.microsoft.com/office/drawing/2014/main" id="{6D4E4672-4388-41A3-8409-EFBD1AA92E5B}"/>
+              </a:ext>
+            </a:extLst>
+          </p:cNvPr>
+          <p:cNvSpPr>
+            <a:spLocks noGrp="1"/>
+          </p:cNvSpPr>
+          <p:nvPr>
+            <p:ph idx="1"/>
+          </p:nvPr>
+        </p:nvSpPr>
+        <p:spPr/>
+        <p:txBody>
+          <a:bodyPr/>
+          <a:lstStyle/>
+          <a:p>
+            <a:endParaRPr lang="en-US"/>
+          </a:p>
+        </p:txBody>
+      </p:sp>
+    </p:spTree>
+    <p:extLst>
+      <p:ext uri="{BB962C8B-B14F-4D97-AF65-F5344CB8AC3E}">
+        <p14:creationId xmlns:p14="http://schemas.microsoft.com/office/powerpoint/2010/main" val="2966860691"/>
       </p:ext>
     </p:extLst>
   </p:cSld>
